--- a/doc/presentation/soleap.pptx
+++ b/doc/presentation/soleap.pptx
@@ -6,12 +6,18 @@
   </p:sldMasterIdLst>
   <p:sldIdLst>
     <p:sldId id="256" r:id="rId2"/>
-    <p:sldId id="261" r:id="rId3"/>
-    <p:sldId id="257" r:id="rId4"/>
-    <p:sldId id="258" r:id="rId5"/>
-    <p:sldId id="259" r:id="rId6"/>
-    <p:sldId id="260" r:id="rId7"/>
+    <p:sldId id="257" r:id="rId3"/>
+    <p:sldId id="258" r:id="rId4"/>
+    <p:sldId id="259" r:id="rId5"/>
+    <p:sldId id="260" r:id="rId6"/>
+    <p:sldId id="264" r:id="rId7"/>
     <p:sldId id="262" r:id="rId8"/>
+    <p:sldId id="265" r:id="rId9"/>
+    <p:sldId id="266" r:id="rId10"/>
+    <p:sldId id="267" r:id="rId11"/>
+    <p:sldId id="268" r:id="rId12"/>
+    <p:sldId id="269" r:id="rId13"/>
+    <p:sldId id="263" r:id="rId14"/>
   </p:sldIdLst>
   <p:sldSz cx="9144000" cy="6858000" type="screen4x3"/>
   <p:notesSz cx="6858000" cy="9144000"/>
@@ -110,7 +116,4610 @@
       </a:defRPr>
     </a:lvl9pPr>
   </p:defaultTextStyle>
+  <p:extLst>
+    <p:ext uri="{EFAFB233-063F-42B5-8137-9DF3F51BA10A}">
+      <p15:sldGuideLst xmlns:p15="http://schemas.microsoft.com/office/powerpoint/2012/main"/>
+    </p:ext>
+  </p:extLst>
 </p:presentation>
+</file>
+
+<file path=ppt/diagrams/colors1.xml><?xml version="1.0" encoding="utf-8"?>
+<dgm:colorsDef xmlns:dgm="http://schemas.openxmlformats.org/drawingml/2006/diagram" xmlns:a="http://schemas.openxmlformats.org/drawingml/2006/main" uniqueId="urn:microsoft.com/office/officeart/2005/8/colors/colorful2">
+  <dgm:title val=""/>
+  <dgm:desc val=""/>
+  <dgm:catLst>
+    <dgm:cat type="colorful" pri="10200"/>
+  </dgm:catLst>
+  <dgm:styleLbl name="node0">
+    <dgm:fillClrLst meth="repeat">
+      <a:schemeClr val="accent1"/>
+    </dgm:fillClrLst>
+    <dgm:linClrLst meth="repeat">
+      <a:schemeClr val="lt1"/>
+    </dgm:linClrLst>
+    <dgm:effectClrLst/>
+    <dgm:txLinClrLst/>
+    <dgm:txFillClrLst/>
+    <dgm:txEffectClrLst/>
+  </dgm:styleLbl>
+  <dgm:styleLbl name="node1">
+    <dgm:fillClrLst>
+      <a:schemeClr val="accent2"/>
+      <a:schemeClr val="accent3"/>
+    </dgm:fillClrLst>
+    <dgm:linClrLst meth="repeat">
+      <a:schemeClr val="lt1"/>
+    </dgm:linClrLst>
+    <dgm:effectClrLst/>
+    <dgm:txLinClrLst/>
+    <dgm:txFillClrLst/>
+    <dgm:txEffectClrLst/>
+  </dgm:styleLbl>
+  <dgm:styleLbl name="alignNode1">
+    <dgm:fillClrLst>
+      <a:schemeClr val="accent2"/>
+      <a:schemeClr val="accent3"/>
+    </dgm:fillClrLst>
+    <dgm:linClrLst>
+      <a:schemeClr val="accent2"/>
+      <a:schemeClr val="accent3"/>
+    </dgm:linClrLst>
+    <dgm:effectClrLst/>
+    <dgm:txLinClrLst/>
+    <dgm:txFillClrLst/>
+    <dgm:txEffectClrLst/>
+  </dgm:styleLbl>
+  <dgm:styleLbl name="lnNode1">
+    <dgm:fillClrLst>
+      <a:schemeClr val="accent2"/>
+      <a:schemeClr val="accent3"/>
+    </dgm:fillClrLst>
+    <dgm:linClrLst meth="repeat">
+      <a:schemeClr val="lt1"/>
+    </dgm:linClrLst>
+    <dgm:effectClrLst/>
+    <dgm:txLinClrLst/>
+    <dgm:txFillClrLst/>
+    <dgm:txEffectClrLst/>
+  </dgm:styleLbl>
+  <dgm:styleLbl name="vennNode1">
+    <dgm:fillClrLst>
+      <a:schemeClr val="accent2">
+        <a:alpha val="50000"/>
+      </a:schemeClr>
+      <a:schemeClr val="accent3">
+        <a:alpha val="50000"/>
+      </a:schemeClr>
+    </dgm:fillClrLst>
+    <dgm:linClrLst meth="repeat">
+      <a:schemeClr val="lt1"/>
+    </dgm:linClrLst>
+    <dgm:effectClrLst/>
+    <dgm:txLinClrLst/>
+    <dgm:txFillClrLst/>
+    <dgm:txEffectClrLst/>
+  </dgm:styleLbl>
+  <dgm:styleLbl name="node2">
+    <dgm:fillClrLst>
+      <a:schemeClr val="accent3"/>
+    </dgm:fillClrLst>
+    <dgm:linClrLst meth="repeat">
+      <a:schemeClr val="lt1"/>
+    </dgm:linClrLst>
+    <dgm:effectClrLst/>
+    <dgm:txLinClrLst/>
+    <dgm:txFillClrLst/>
+    <dgm:txEffectClrLst/>
+  </dgm:styleLbl>
+  <dgm:styleLbl name="node3">
+    <dgm:fillClrLst>
+      <a:schemeClr val="accent4"/>
+    </dgm:fillClrLst>
+    <dgm:linClrLst meth="repeat">
+      <a:schemeClr val="lt1"/>
+    </dgm:linClrLst>
+    <dgm:effectClrLst/>
+    <dgm:txLinClrLst/>
+    <dgm:txFillClrLst/>
+    <dgm:txEffectClrLst/>
+  </dgm:styleLbl>
+  <dgm:styleLbl name="node4">
+    <dgm:fillClrLst>
+      <a:schemeClr val="accent5"/>
+    </dgm:fillClrLst>
+    <dgm:linClrLst meth="repeat">
+      <a:schemeClr val="lt1"/>
+    </dgm:linClrLst>
+    <dgm:effectClrLst/>
+    <dgm:txLinClrLst/>
+    <dgm:txFillClrLst/>
+    <dgm:txEffectClrLst/>
+  </dgm:styleLbl>
+  <dgm:styleLbl name="fgImgPlace1">
+    <dgm:fillClrLst>
+      <a:schemeClr val="accent2">
+        <a:tint val="50000"/>
+      </a:schemeClr>
+      <a:schemeClr val="accent3">
+        <a:tint val="50000"/>
+      </a:schemeClr>
+    </dgm:fillClrLst>
+    <dgm:linClrLst meth="repeat">
+      <a:schemeClr val="lt1"/>
+    </dgm:linClrLst>
+    <dgm:effectClrLst/>
+    <dgm:txLinClrLst/>
+    <dgm:txFillClrLst meth="repeat">
+      <a:schemeClr val="lt1"/>
+    </dgm:txFillClrLst>
+    <dgm:txEffectClrLst/>
+  </dgm:styleLbl>
+  <dgm:styleLbl name="alignImgPlace1">
+    <dgm:fillClrLst>
+      <a:schemeClr val="accent2">
+        <a:tint val="50000"/>
+      </a:schemeClr>
+      <a:schemeClr val="accent3">
+        <a:tint val="20000"/>
+      </a:schemeClr>
+    </dgm:fillClrLst>
+    <dgm:linClrLst meth="repeat">
+      <a:schemeClr val="lt1"/>
+    </dgm:linClrLst>
+    <dgm:effectClrLst/>
+    <dgm:txLinClrLst/>
+    <dgm:txFillClrLst meth="repeat">
+      <a:schemeClr val="lt1"/>
+    </dgm:txFillClrLst>
+    <dgm:txEffectClrLst/>
+  </dgm:styleLbl>
+  <dgm:styleLbl name="bgImgPlace1">
+    <dgm:fillClrLst>
+      <a:schemeClr val="accent2">
+        <a:tint val="50000"/>
+      </a:schemeClr>
+      <a:schemeClr val="accent3">
+        <a:tint val="20000"/>
+      </a:schemeClr>
+    </dgm:fillClrLst>
+    <dgm:linClrLst meth="repeat">
+      <a:schemeClr val="lt1"/>
+    </dgm:linClrLst>
+    <dgm:effectClrLst/>
+    <dgm:txLinClrLst/>
+    <dgm:txFillClrLst meth="repeat">
+      <a:schemeClr val="lt1"/>
+    </dgm:txFillClrLst>
+    <dgm:txEffectClrLst/>
+  </dgm:styleLbl>
+  <dgm:styleLbl name="sibTrans2D1">
+    <dgm:fillClrLst>
+      <a:schemeClr val="accent2"/>
+      <a:schemeClr val="accent3"/>
+    </dgm:fillClrLst>
+    <dgm:linClrLst meth="repeat">
+      <a:schemeClr val="lt1"/>
+    </dgm:linClrLst>
+    <dgm:effectClrLst/>
+    <dgm:txLinClrLst/>
+    <dgm:txFillClrLst/>
+    <dgm:txEffectClrLst/>
+  </dgm:styleLbl>
+  <dgm:styleLbl name="fgSibTrans2D1">
+    <dgm:fillClrLst>
+      <a:schemeClr val="accent2"/>
+      <a:schemeClr val="accent3"/>
+    </dgm:fillClrLst>
+    <dgm:linClrLst meth="repeat">
+      <a:schemeClr val="lt1"/>
+    </dgm:linClrLst>
+    <dgm:effectClrLst/>
+    <dgm:txLinClrLst/>
+    <dgm:txFillClrLst meth="repeat">
+      <a:schemeClr val="lt1"/>
+    </dgm:txFillClrLst>
+    <dgm:txEffectClrLst/>
+  </dgm:styleLbl>
+  <dgm:styleLbl name="bgSibTrans2D1">
+    <dgm:fillClrLst>
+      <a:schemeClr val="accent2"/>
+      <a:schemeClr val="accent3"/>
+    </dgm:fillClrLst>
+    <dgm:linClrLst meth="repeat">
+      <a:schemeClr val="lt1"/>
+    </dgm:linClrLst>
+    <dgm:effectClrLst/>
+    <dgm:txLinClrLst/>
+    <dgm:txFillClrLst meth="repeat">
+      <a:schemeClr val="lt1"/>
+    </dgm:txFillClrLst>
+    <dgm:txEffectClrLst/>
+  </dgm:styleLbl>
+  <dgm:styleLbl name="sibTrans1D1">
+    <dgm:fillClrLst/>
+    <dgm:linClrLst>
+      <a:schemeClr val="accent2"/>
+      <a:schemeClr val="accent3"/>
+    </dgm:linClrLst>
+    <dgm:effectClrLst/>
+    <dgm:txLinClrLst/>
+    <dgm:txFillClrLst meth="repeat">
+      <a:schemeClr val="tx1"/>
+    </dgm:txFillClrLst>
+    <dgm:txEffectClrLst/>
+  </dgm:styleLbl>
+  <dgm:styleLbl name="callout">
+    <dgm:fillClrLst meth="repeat">
+      <a:schemeClr val="accent2"/>
+    </dgm:fillClrLst>
+    <dgm:linClrLst meth="repeat">
+      <a:schemeClr val="accent2">
+        <a:tint val="50000"/>
+      </a:schemeClr>
+    </dgm:linClrLst>
+    <dgm:effectClrLst/>
+    <dgm:txLinClrLst/>
+    <dgm:txFillClrLst meth="repeat">
+      <a:schemeClr val="tx1"/>
+    </dgm:txFillClrLst>
+    <dgm:txEffectClrLst/>
+  </dgm:styleLbl>
+  <dgm:styleLbl name="asst0">
+    <dgm:fillClrLst meth="repeat">
+      <a:schemeClr val="accent2"/>
+    </dgm:fillClrLst>
+    <dgm:linClrLst meth="repeat">
+      <a:schemeClr val="lt1">
+        <a:shade val="80000"/>
+      </a:schemeClr>
+    </dgm:linClrLst>
+    <dgm:effectClrLst/>
+    <dgm:txLinClrLst/>
+    <dgm:txFillClrLst/>
+    <dgm:txEffectClrLst/>
+  </dgm:styleLbl>
+  <dgm:styleLbl name="asst1">
+    <dgm:fillClrLst meth="repeat">
+      <a:schemeClr val="accent3"/>
+    </dgm:fillClrLst>
+    <dgm:linClrLst meth="repeat">
+      <a:schemeClr val="lt1">
+        <a:shade val="80000"/>
+      </a:schemeClr>
+    </dgm:linClrLst>
+    <dgm:effectClrLst/>
+    <dgm:txLinClrLst/>
+    <dgm:txFillClrLst/>
+    <dgm:txEffectClrLst/>
+  </dgm:styleLbl>
+  <dgm:styleLbl name="asst2">
+    <dgm:fillClrLst>
+      <a:schemeClr val="accent4"/>
+    </dgm:fillClrLst>
+    <dgm:linClrLst meth="repeat">
+      <a:schemeClr val="lt1"/>
+    </dgm:linClrLst>
+    <dgm:effectClrLst/>
+    <dgm:txLinClrLst/>
+    <dgm:txFillClrLst/>
+    <dgm:txEffectClrLst/>
+  </dgm:styleLbl>
+  <dgm:styleLbl name="asst3">
+    <dgm:fillClrLst>
+      <a:schemeClr val="accent5"/>
+    </dgm:fillClrLst>
+    <dgm:linClrLst meth="repeat">
+      <a:schemeClr val="lt1"/>
+    </dgm:linClrLst>
+    <dgm:effectClrLst/>
+    <dgm:txLinClrLst/>
+    <dgm:txFillClrLst/>
+    <dgm:txEffectClrLst/>
+  </dgm:styleLbl>
+  <dgm:styleLbl name="asst4">
+    <dgm:fillClrLst>
+      <a:schemeClr val="accent6"/>
+    </dgm:fillClrLst>
+    <dgm:linClrLst meth="repeat">
+      <a:schemeClr val="lt1"/>
+    </dgm:linClrLst>
+    <dgm:effectClrLst/>
+    <dgm:txLinClrLst/>
+    <dgm:txFillClrLst/>
+    <dgm:txEffectClrLst/>
+  </dgm:styleLbl>
+  <dgm:styleLbl name="parChTrans2D1">
+    <dgm:fillClrLst meth="repeat">
+      <a:schemeClr val="accent2"/>
+    </dgm:fillClrLst>
+    <dgm:linClrLst meth="repeat">
+      <a:schemeClr val="lt1"/>
+    </dgm:linClrLst>
+    <dgm:effectClrLst/>
+    <dgm:txLinClrLst/>
+    <dgm:txFillClrLst meth="repeat">
+      <a:schemeClr val="lt1"/>
+    </dgm:txFillClrLst>
+    <dgm:txEffectClrLst/>
+  </dgm:styleLbl>
+  <dgm:styleLbl name="parChTrans2D2">
+    <dgm:fillClrLst meth="repeat">
+      <a:schemeClr val="accent3"/>
+    </dgm:fillClrLst>
+    <dgm:linClrLst meth="repeat">
+      <a:schemeClr val="lt1"/>
+    </dgm:linClrLst>
+    <dgm:effectClrLst/>
+    <dgm:txLinClrLst/>
+    <dgm:txFillClrLst/>
+    <dgm:txEffectClrLst/>
+  </dgm:styleLbl>
+  <dgm:styleLbl name="parChTrans2D3">
+    <dgm:fillClrLst meth="repeat">
+      <a:schemeClr val="accent4"/>
+    </dgm:fillClrLst>
+    <dgm:linClrLst meth="repeat">
+      <a:schemeClr val="lt1"/>
+    </dgm:linClrLst>
+    <dgm:effectClrLst/>
+    <dgm:txLinClrLst/>
+    <dgm:txFillClrLst/>
+    <dgm:txEffectClrLst/>
+  </dgm:styleLbl>
+  <dgm:styleLbl name="parChTrans2D4">
+    <dgm:fillClrLst meth="repeat">
+      <a:schemeClr val="accent5"/>
+    </dgm:fillClrLst>
+    <dgm:linClrLst meth="repeat">
+      <a:schemeClr val="lt1"/>
+    </dgm:linClrLst>
+    <dgm:effectClrLst/>
+    <dgm:txLinClrLst/>
+    <dgm:txFillClrLst meth="repeat">
+      <a:schemeClr val="lt1"/>
+    </dgm:txFillClrLst>
+    <dgm:txEffectClrLst/>
+  </dgm:styleLbl>
+  <dgm:styleLbl name="parChTrans1D1">
+    <dgm:fillClrLst meth="repeat">
+      <a:schemeClr val="accent2"/>
+    </dgm:fillClrLst>
+    <dgm:linClrLst meth="repeat">
+      <a:schemeClr val="accent2"/>
+    </dgm:linClrLst>
+    <dgm:effectClrLst/>
+    <dgm:txLinClrLst/>
+    <dgm:txFillClrLst meth="repeat">
+      <a:schemeClr val="tx1"/>
+    </dgm:txFillClrLst>
+    <dgm:txEffectClrLst/>
+  </dgm:styleLbl>
+  <dgm:styleLbl name="parChTrans1D2">
+    <dgm:fillClrLst meth="repeat">
+      <a:schemeClr val="accent2">
+        <a:tint val="90000"/>
+      </a:schemeClr>
+    </dgm:fillClrLst>
+    <dgm:linClrLst meth="repeat">
+      <a:schemeClr val="accent3"/>
+    </dgm:linClrLst>
+    <dgm:effectClrLst/>
+    <dgm:txLinClrLst/>
+    <dgm:txFillClrLst meth="repeat">
+      <a:schemeClr val="tx1"/>
+    </dgm:txFillClrLst>
+    <dgm:txEffectClrLst/>
+  </dgm:styleLbl>
+  <dgm:styleLbl name="parChTrans1D3">
+    <dgm:fillClrLst meth="repeat">
+      <a:schemeClr val="accent2">
+        <a:tint val="70000"/>
+      </a:schemeClr>
+    </dgm:fillClrLst>
+    <dgm:linClrLst meth="repeat">
+      <a:schemeClr val="accent4"/>
+    </dgm:linClrLst>
+    <dgm:effectClrLst/>
+    <dgm:txLinClrLst/>
+    <dgm:txFillClrLst meth="repeat">
+      <a:schemeClr val="tx1"/>
+    </dgm:txFillClrLst>
+    <dgm:txEffectClrLst/>
+  </dgm:styleLbl>
+  <dgm:styleLbl name="parChTrans1D4">
+    <dgm:fillClrLst meth="repeat">
+      <a:schemeClr val="accent2">
+        <a:tint val="50000"/>
+      </a:schemeClr>
+    </dgm:fillClrLst>
+    <dgm:linClrLst meth="repeat">
+      <a:schemeClr val="accent5"/>
+    </dgm:linClrLst>
+    <dgm:effectClrLst/>
+    <dgm:txLinClrLst/>
+    <dgm:txFillClrLst meth="repeat">
+      <a:schemeClr val="tx1"/>
+    </dgm:txFillClrLst>
+    <dgm:txEffectClrLst/>
+  </dgm:styleLbl>
+  <dgm:styleLbl name="fgAcc1">
+    <dgm:fillClrLst meth="repeat">
+      <a:schemeClr val="lt1">
+        <a:alpha val="90000"/>
+      </a:schemeClr>
+    </dgm:fillClrLst>
+    <dgm:linClrLst>
+      <a:schemeClr val="accent2"/>
+      <a:schemeClr val="accent3"/>
+    </dgm:linClrLst>
+    <dgm:effectClrLst/>
+    <dgm:txLinClrLst/>
+    <dgm:txFillClrLst meth="repeat">
+      <a:schemeClr val="dk1"/>
+    </dgm:txFillClrLst>
+    <dgm:txEffectClrLst/>
+  </dgm:styleLbl>
+  <dgm:styleLbl name="conFgAcc1">
+    <dgm:fillClrLst meth="repeat">
+      <a:schemeClr val="lt1">
+        <a:alpha val="90000"/>
+      </a:schemeClr>
+    </dgm:fillClrLst>
+    <dgm:linClrLst>
+      <a:schemeClr val="accent2"/>
+      <a:schemeClr val="accent3"/>
+    </dgm:linClrLst>
+    <dgm:effectClrLst/>
+    <dgm:txLinClrLst/>
+    <dgm:txFillClrLst meth="repeat">
+      <a:schemeClr val="dk1"/>
+    </dgm:txFillClrLst>
+    <dgm:txEffectClrLst/>
+  </dgm:styleLbl>
+  <dgm:styleLbl name="alignAcc1">
+    <dgm:fillClrLst meth="repeat">
+      <a:schemeClr val="lt1">
+        <a:alpha val="90000"/>
+      </a:schemeClr>
+    </dgm:fillClrLst>
+    <dgm:linClrLst>
+      <a:schemeClr val="accent2"/>
+      <a:schemeClr val="accent3"/>
+    </dgm:linClrLst>
+    <dgm:effectClrLst/>
+    <dgm:txLinClrLst/>
+    <dgm:txFillClrLst meth="repeat">
+      <a:schemeClr val="dk1"/>
+    </dgm:txFillClrLst>
+    <dgm:txEffectClrLst/>
+  </dgm:styleLbl>
+  <dgm:styleLbl name="trAlignAcc1">
+    <dgm:fillClrLst meth="repeat">
+      <a:schemeClr val="lt1">
+        <a:alpha val="40000"/>
+      </a:schemeClr>
+    </dgm:fillClrLst>
+    <dgm:linClrLst meth="repeat">
+      <a:schemeClr val="accent2"/>
+    </dgm:linClrLst>
+    <dgm:effectClrLst/>
+    <dgm:txLinClrLst/>
+    <dgm:txFillClrLst meth="repeat">
+      <a:schemeClr val="dk1"/>
+    </dgm:txFillClrLst>
+    <dgm:txEffectClrLst/>
+  </dgm:styleLbl>
+  <dgm:styleLbl name="bgAcc1">
+    <dgm:fillClrLst meth="repeat">
+      <a:schemeClr val="lt1">
+        <a:alpha val="90000"/>
+      </a:schemeClr>
+    </dgm:fillClrLst>
+    <dgm:linClrLst>
+      <a:schemeClr val="accent2"/>
+      <a:schemeClr val="accent3"/>
+    </dgm:linClrLst>
+    <dgm:effectClrLst/>
+    <dgm:txLinClrLst/>
+    <dgm:txFillClrLst meth="repeat">
+      <a:schemeClr val="dk1"/>
+    </dgm:txFillClrLst>
+    <dgm:txEffectClrLst/>
+  </dgm:styleLbl>
+  <dgm:styleLbl name="solidFgAcc1">
+    <dgm:fillClrLst meth="repeat">
+      <a:schemeClr val="lt1"/>
+    </dgm:fillClrLst>
+    <dgm:linClrLst>
+      <a:schemeClr val="accent2"/>
+      <a:schemeClr val="accent3"/>
+    </dgm:linClrLst>
+    <dgm:effectClrLst/>
+    <dgm:txLinClrLst/>
+    <dgm:txFillClrLst meth="repeat">
+      <a:schemeClr val="dk1"/>
+    </dgm:txFillClrLst>
+    <dgm:txEffectClrLst/>
+  </dgm:styleLbl>
+  <dgm:styleLbl name="solidAlignAcc1">
+    <dgm:fillClrLst meth="repeat">
+      <a:schemeClr val="lt1"/>
+    </dgm:fillClrLst>
+    <dgm:linClrLst>
+      <a:schemeClr val="accent2"/>
+      <a:schemeClr val="accent3"/>
+    </dgm:linClrLst>
+    <dgm:effectClrLst/>
+    <dgm:txLinClrLst/>
+    <dgm:txFillClrLst meth="repeat">
+      <a:schemeClr val="dk1"/>
+    </dgm:txFillClrLst>
+    <dgm:txEffectClrLst/>
+  </dgm:styleLbl>
+  <dgm:styleLbl name="solidBgAcc1">
+    <dgm:fillClrLst meth="repeat">
+      <a:schemeClr val="lt1"/>
+    </dgm:fillClrLst>
+    <dgm:linClrLst>
+      <a:schemeClr val="accent2"/>
+      <a:schemeClr val="accent3"/>
+    </dgm:linClrLst>
+    <dgm:effectClrLst/>
+    <dgm:txLinClrLst/>
+    <dgm:txFillClrLst meth="repeat">
+      <a:schemeClr val="dk1"/>
+    </dgm:txFillClrLst>
+    <dgm:txEffectClrLst/>
+  </dgm:styleLbl>
+  <dgm:styleLbl name="fgAccFollowNode1">
+    <dgm:fillClrLst>
+      <a:schemeClr val="accent2">
+        <a:tint val="40000"/>
+        <a:alpha val="90000"/>
+      </a:schemeClr>
+      <a:schemeClr val="accent3">
+        <a:tint val="40000"/>
+        <a:alpha val="90000"/>
+      </a:schemeClr>
+    </dgm:fillClrLst>
+    <dgm:linClrLst>
+      <a:schemeClr val="accent2">
+        <a:tint val="40000"/>
+        <a:alpha val="90000"/>
+      </a:schemeClr>
+      <a:schemeClr val="accent3">
+        <a:tint val="40000"/>
+        <a:alpha val="90000"/>
+      </a:schemeClr>
+    </dgm:linClrLst>
+    <dgm:effectClrLst/>
+    <dgm:txLinClrLst/>
+    <dgm:txFillClrLst meth="repeat">
+      <a:schemeClr val="dk1"/>
+    </dgm:txFillClrLst>
+    <dgm:txEffectClrLst/>
+  </dgm:styleLbl>
+  <dgm:styleLbl name="alignAccFollowNode1">
+    <dgm:fillClrLst>
+      <a:schemeClr val="accent2">
+        <a:tint val="40000"/>
+        <a:alpha val="90000"/>
+      </a:schemeClr>
+      <a:schemeClr val="accent3">
+        <a:tint val="40000"/>
+        <a:alpha val="90000"/>
+      </a:schemeClr>
+    </dgm:fillClrLst>
+    <dgm:linClrLst>
+      <a:schemeClr val="accent2">
+        <a:tint val="40000"/>
+        <a:alpha val="90000"/>
+      </a:schemeClr>
+      <a:schemeClr val="accent3">
+        <a:tint val="40000"/>
+        <a:alpha val="90000"/>
+      </a:schemeClr>
+    </dgm:linClrLst>
+    <dgm:effectClrLst/>
+    <dgm:txLinClrLst/>
+    <dgm:txFillClrLst meth="repeat">
+      <a:schemeClr val="dk1"/>
+    </dgm:txFillClrLst>
+    <dgm:txEffectClrLst/>
+  </dgm:styleLbl>
+  <dgm:styleLbl name="bgAccFollowNode1">
+    <dgm:fillClrLst>
+      <a:schemeClr val="accent2">
+        <a:tint val="40000"/>
+        <a:alpha val="90000"/>
+      </a:schemeClr>
+      <a:schemeClr val="accent3">
+        <a:tint val="40000"/>
+        <a:alpha val="90000"/>
+      </a:schemeClr>
+    </dgm:fillClrLst>
+    <dgm:linClrLst>
+      <a:schemeClr val="accent2">
+        <a:tint val="40000"/>
+        <a:alpha val="90000"/>
+      </a:schemeClr>
+      <a:schemeClr val="accent3">
+        <a:tint val="40000"/>
+        <a:alpha val="90000"/>
+      </a:schemeClr>
+    </dgm:linClrLst>
+    <dgm:effectClrLst/>
+    <dgm:txLinClrLst/>
+    <dgm:txFillClrLst meth="repeat">
+      <a:schemeClr val="dk1"/>
+    </dgm:txFillClrLst>
+    <dgm:txEffectClrLst/>
+  </dgm:styleLbl>
+  <dgm:styleLbl name="fgAcc0">
+    <dgm:fillClrLst meth="repeat">
+      <a:schemeClr val="lt1">
+        <a:alpha val="90000"/>
+      </a:schemeClr>
+    </dgm:fillClrLst>
+    <dgm:linClrLst>
+      <a:schemeClr val="accent1"/>
+    </dgm:linClrLst>
+    <dgm:effectClrLst/>
+    <dgm:txLinClrLst/>
+    <dgm:txFillClrLst meth="repeat">
+      <a:schemeClr val="dk1"/>
+    </dgm:txFillClrLst>
+    <dgm:txEffectClrLst/>
+  </dgm:styleLbl>
+  <dgm:styleLbl name="fgAcc2">
+    <dgm:fillClrLst meth="repeat">
+      <a:schemeClr val="lt1">
+        <a:alpha val="90000"/>
+      </a:schemeClr>
+    </dgm:fillClrLst>
+    <dgm:linClrLst>
+      <a:schemeClr val="accent3"/>
+    </dgm:linClrLst>
+    <dgm:effectClrLst/>
+    <dgm:txLinClrLst/>
+    <dgm:txFillClrLst meth="repeat">
+      <a:schemeClr val="dk1"/>
+    </dgm:txFillClrLst>
+    <dgm:txEffectClrLst/>
+  </dgm:styleLbl>
+  <dgm:styleLbl name="fgAcc3">
+    <dgm:fillClrLst meth="repeat">
+      <a:schemeClr val="lt1">
+        <a:alpha val="90000"/>
+      </a:schemeClr>
+    </dgm:fillClrLst>
+    <dgm:linClrLst>
+      <a:schemeClr val="accent4"/>
+    </dgm:linClrLst>
+    <dgm:effectClrLst/>
+    <dgm:txLinClrLst/>
+    <dgm:txFillClrLst meth="repeat">
+      <a:schemeClr val="dk1"/>
+    </dgm:txFillClrLst>
+    <dgm:txEffectClrLst/>
+  </dgm:styleLbl>
+  <dgm:styleLbl name="fgAcc4">
+    <dgm:fillClrLst meth="repeat">
+      <a:schemeClr val="lt1">
+        <a:alpha val="90000"/>
+      </a:schemeClr>
+    </dgm:fillClrLst>
+    <dgm:linClrLst>
+      <a:schemeClr val="accent5"/>
+    </dgm:linClrLst>
+    <dgm:effectClrLst/>
+    <dgm:txLinClrLst/>
+    <dgm:txFillClrLst meth="repeat">
+      <a:schemeClr val="dk1"/>
+    </dgm:txFillClrLst>
+    <dgm:txEffectClrLst/>
+  </dgm:styleLbl>
+  <dgm:styleLbl name="bgShp">
+    <dgm:fillClrLst meth="repeat">
+      <a:schemeClr val="accent2">
+        <a:tint val="40000"/>
+      </a:schemeClr>
+    </dgm:fillClrLst>
+    <dgm:linClrLst meth="repeat">
+      <a:schemeClr val="dk1"/>
+    </dgm:linClrLst>
+    <dgm:effectClrLst/>
+    <dgm:txLinClrLst/>
+    <dgm:txFillClrLst meth="repeat">
+      <a:schemeClr val="dk1"/>
+    </dgm:txFillClrLst>
+    <dgm:txEffectClrLst/>
+  </dgm:styleLbl>
+  <dgm:styleLbl name="dkBgShp">
+    <dgm:fillClrLst meth="repeat">
+      <a:schemeClr val="accent2">
+        <a:shade val="90000"/>
+      </a:schemeClr>
+    </dgm:fillClrLst>
+    <dgm:linClrLst meth="repeat">
+      <a:schemeClr val="dk1"/>
+    </dgm:linClrLst>
+    <dgm:effectClrLst/>
+    <dgm:txLinClrLst/>
+    <dgm:txFillClrLst meth="repeat">
+      <a:schemeClr val="lt1"/>
+    </dgm:txFillClrLst>
+    <dgm:txEffectClrLst/>
+  </dgm:styleLbl>
+  <dgm:styleLbl name="trBgShp">
+    <dgm:fillClrLst meth="repeat">
+      <a:schemeClr val="accent2">
+        <a:tint val="50000"/>
+        <a:alpha val="40000"/>
+      </a:schemeClr>
+    </dgm:fillClrLst>
+    <dgm:linClrLst meth="repeat">
+      <a:schemeClr val="accent2"/>
+    </dgm:linClrLst>
+    <dgm:effectClrLst/>
+    <dgm:txLinClrLst/>
+    <dgm:txFillClrLst meth="repeat">
+      <a:schemeClr val="lt1"/>
+    </dgm:txFillClrLst>
+    <dgm:txEffectClrLst/>
+  </dgm:styleLbl>
+  <dgm:styleLbl name="fgShp">
+    <dgm:fillClrLst meth="repeat">
+      <a:schemeClr val="accent2">
+        <a:tint val="40000"/>
+      </a:schemeClr>
+    </dgm:fillClrLst>
+    <dgm:linClrLst meth="repeat">
+      <a:schemeClr val="lt1"/>
+    </dgm:linClrLst>
+    <dgm:effectClrLst/>
+    <dgm:txLinClrLst/>
+    <dgm:txFillClrLst meth="repeat">
+      <a:schemeClr val="dk1"/>
+    </dgm:txFillClrLst>
+    <dgm:txEffectClrLst/>
+  </dgm:styleLbl>
+  <dgm:styleLbl name="revTx">
+    <dgm:fillClrLst meth="repeat">
+      <a:schemeClr val="lt1">
+        <a:alpha val="0"/>
+      </a:schemeClr>
+    </dgm:fillClrLst>
+    <dgm:linClrLst meth="repeat">
+      <a:schemeClr val="dk1">
+        <a:alpha val="0"/>
+      </a:schemeClr>
+    </dgm:linClrLst>
+    <dgm:effectClrLst/>
+    <dgm:txLinClrLst/>
+    <dgm:txFillClrLst meth="repeat">
+      <a:schemeClr val="tx1"/>
+    </dgm:txFillClrLst>
+    <dgm:txEffectClrLst/>
+  </dgm:styleLbl>
+</dgm:colorsDef>
+</file>
+
+<file path=ppt/diagrams/data1.xml><?xml version="1.0" encoding="utf-8"?>
+<dgm:dataModel xmlns:dgm="http://schemas.openxmlformats.org/drawingml/2006/diagram" xmlns:a="http://schemas.openxmlformats.org/drawingml/2006/main">
+  <dgm:ptLst>
+    <dgm:pt modelId="{D8F82E61-3FE6-4E85-BDB7-288A2D66BD7E}" type="doc">
+      <dgm:prSet loTypeId="urn:microsoft.com/office/officeart/2005/8/layout/architecture" loCatId="relationship" qsTypeId="urn:microsoft.com/office/officeart/2005/8/quickstyle/simple1" qsCatId="simple" csTypeId="urn:microsoft.com/office/officeart/2005/8/colors/colorful2" csCatId="colorful" phldr="1"/>
+      <dgm:spPr/>
+      <dgm:t>
+        <a:bodyPr/>
+        <a:lstStyle/>
+        <a:p>
+          <a:endParaRPr lang="de-AT"/>
+        </a:p>
+      </dgm:t>
+    </dgm:pt>
+    <dgm:pt modelId="{EB83D27C-C543-41E5-9CA6-6EC4FA2443F2}">
+      <dgm:prSet phldrT="[Text]"/>
+      <dgm:spPr>
+        <a:solidFill>
+          <a:schemeClr val="accent2"/>
+        </a:solidFill>
+      </dgm:spPr>
+      <dgm:t>
+        <a:bodyPr/>
+        <a:lstStyle/>
+        <a:p>
+          <a:pPr algn="ctr"/>
+          <a:r>
+            <a:rPr lang="de-AT"/>
+            <a:t>Devices</a:t>
+          </a:r>
+        </a:p>
+      </dgm:t>
+    </dgm:pt>
+    <dgm:pt modelId="{D5F78A55-195F-4830-9656-BB191B236715}" type="parTrans" cxnId="{EFD37722-5460-409E-BB68-B4831D4CC829}">
+      <dgm:prSet/>
+      <dgm:spPr/>
+      <dgm:t>
+        <a:bodyPr/>
+        <a:lstStyle/>
+        <a:p>
+          <a:pPr algn="ctr"/>
+          <a:endParaRPr lang="de-AT"/>
+        </a:p>
+      </dgm:t>
+    </dgm:pt>
+    <dgm:pt modelId="{3FF85790-AF0E-4582-A0EC-A35C5DC4C47C}" type="sibTrans" cxnId="{EFD37722-5460-409E-BB68-B4831D4CC829}">
+      <dgm:prSet/>
+      <dgm:spPr/>
+      <dgm:t>
+        <a:bodyPr/>
+        <a:lstStyle/>
+        <a:p>
+          <a:pPr algn="ctr"/>
+          <a:endParaRPr lang="de-AT"/>
+        </a:p>
+      </dgm:t>
+    </dgm:pt>
+    <dgm:pt modelId="{0A7D3160-FEFA-4373-B54C-460EDB11B289}">
+      <dgm:prSet phldrT="[Text]"/>
+      <dgm:spPr/>
+      <dgm:t>
+        <a:bodyPr/>
+        <a:lstStyle/>
+        <a:p>
+          <a:pPr algn="ctr"/>
+          <a:r>
+            <a:rPr lang="de-AT"/>
+            <a:t>Core</a:t>
+          </a:r>
+        </a:p>
+      </dgm:t>
+    </dgm:pt>
+    <dgm:pt modelId="{80745199-284D-42E2-93E2-7918F39D8A76}" type="parTrans" cxnId="{9D2A206E-365D-4D6D-94F3-A71EAF9B6E2A}">
+      <dgm:prSet/>
+      <dgm:spPr/>
+      <dgm:t>
+        <a:bodyPr/>
+        <a:lstStyle/>
+        <a:p>
+          <a:pPr algn="ctr"/>
+          <a:endParaRPr lang="de-AT"/>
+        </a:p>
+      </dgm:t>
+    </dgm:pt>
+    <dgm:pt modelId="{A6D8398E-54E9-4FC1-B924-874E87172781}" type="sibTrans" cxnId="{9D2A206E-365D-4D6D-94F3-A71EAF9B6E2A}">
+      <dgm:prSet/>
+      <dgm:spPr/>
+      <dgm:t>
+        <a:bodyPr/>
+        <a:lstStyle/>
+        <a:p>
+          <a:pPr algn="ctr"/>
+          <a:endParaRPr lang="de-AT"/>
+        </a:p>
+      </dgm:t>
+    </dgm:pt>
+    <dgm:pt modelId="{DC2A00CE-8CEA-49BF-84D7-BE5E60D43EBE}">
+      <dgm:prSet phldrT="[Text]"/>
+      <dgm:spPr/>
+      <dgm:t>
+        <a:bodyPr/>
+        <a:lstStyle/>
+        <a:p>
+          <a:pPr algn="ctr"/>
+          <a:r>
+            <a:rPr lang="de-AT"/>
+            <a:t>Physics Hand</a:t>
+          </a:r>
+        </a:p>
+      </dgm:t>
+    </dgm:pt>
+    <dgm:pt modelId="{EBA90FDA-AA70-4B53-AEAA-C57AB32C82F3}" type="parTrans" cxnId="{28EF7DFD-830A-4AB4-84E0-67CA7B9CC6D6}">
+      <dgm:prSet/>
+      <dgm:spPr/>
+      <dgm:t>
+        <a:bodyPr/>
+        <a:lstStyle/>
+        <a:p>
+          <a:pPr algn="ctr"/>
+          <a:endParaRPr lang="de-AT"/>
+        </a:p>
+      </dgm:t>
+    </dgm:pt>
+    <dgm:pt modelId="{D3426E31-7A5F-4F39-BFEF-E602A1CFD928}" type="sibTrans" cxnId="{28EF7DFD-830A-4AB4-84E0-67CA7B9CC6D6}">
+      <dgm:prSet/>
+      <dgm:spPr/>
+      <dgm:t>
+        <a:bodyPr/>
+        <a:lstStyle/>
+        <a:p>
+          <a:pPr algn="ctr"/>
+          <a:endParaRPr lang="de-AT"/>
+        </a:p>
+      </dgm:t>
+    </dgm:pt>
+    <dgm:pt modelId="{785367D5-99DF-410E-AA55-BB0066F196E2}">
+      <dgm:prSet phldrT="[Text]"/>
+      <dgm:spPr/>
+      <dgm:t>
+        <a:bodyPr/>
+        <a:lstStyle/>
+        <a:p>
+          <a:pPr algn="ctr"/>
+          <a:r>
+            <a:rPr lang="de-AT" dirty="0"/>
+            <a:t>Hand </a:t>
+          </a:r>
+          <a:r>
+            <a:rPr lang="de-AT" dirty="0" err="1"/>
+            <a:t>Renderer</a:t>
+          </a:r>
+          <a:endParaRPr lang="de-AT" dirty="0"/>
+        </a:p>
+      </dgm:t>
+    </dgm:pt>
+    <dgm:pt modelId="{7786A8AA-0BDF-4B5E-AC46-91095B0836A9}" type="parTrans" cxnId="{3BE9151F-BA21-41C0-BB38-71DCF07DFE50}">
+      <dgm:prSet/>
+      <dgm:spPr/>
+      <dgm:t>
+        <a:bodyPr/>
+        <a:lstStyle/>
+        <a:p>
+          <a:pPr algn="ctr"/>
+          <a:endParaRPr lang="de-AT"/>
+        </a:p>
+      </dgm:t>
+    </dgm:pt>
+    <dgm:pt modelId="{57D0718E-FF3F-4B96-9FA1-6383534517BF}" type="sibTrans" cxnId="{3BE9151F-BA21-41C0-BB38-71DCF07DFE50}">
+      <dgm:prSet/>
+      <dgm:spPr/>
+      <dgm:t>
+        <a:bodyPr/>
+        <a:lstStyle/>
+        <a:p>
+          <a:pPr algn="ctr"/>
+          <a:endParaRPr lang="de-AT"/>
+        </a:p>
+      </dgm:t>
+    </dgm:pt>
+    <dgm:pt modelId="{142DDCF0-E50D-47CE-AA66-87DD776A62B9}">
+      <dgm:prSet phldrT="[Text]"/>
+      <dgm:spPr/>
+      <dgm:t>
+        <a:bodyPr/>
+        <a:lstStyle/>
+        <a:p>
+          <a:pPr algn="ctr"/>
+          <a:r>
+            <a:rPr lang="de-AT"/>
+            <a:t>World Renderer</a:t>
+          </a:r>
+        </a:p>
+      </dgm:t>
+    </dgm:pt>
+    <dgm:pt modelId="{4A9FC07A-DD8C-40B7-9B45-980AD8C46589}" type="parTrans" cxnId="{F24B1D6B-E2E1-44A8-A403-0C642EA658B0}">
+      <dgm:prSet/>
+      <dgm:spPr/>
+      <dgm:t>
+        <a:bodyPr/>
+        <a:lstStyle/>
+        <a:p>
+          <a:pPr algn="ctr"/>
+          <a:endParaRPr lang="de-AT"/>
+        </a:p>
+      </dgm:t>
+    </dgm:pt>
+    <dgm:pt modelId="{1A175DE7-6203-4E5B-AFFE-4AC221EEBC55}" type="sibTrans" cxnId="{F24B1D6B-E2E1-44A8-A403-0C642EA658B0}">
+      <dgm:prSet/>
+      <dgm:spPr/>
+      <dgm:t>
+        <a:bodyPr/>
+        <a:lstStyle/>
+        <a:p>
+          <a:pPr algn="ctr"/>
+          <a:endParaRPr lang="de-AT"/>
+        </a:p>
+      </dgm:t>
+    </dgm:pt>
+    <dgm:pt modelId="{EE8AB0E6-5BCB-4815-8CEB-1BEF52836400}">
+      <dgm:prSet phldrT="[Text]"/>
+      <dgm:spPr/>
+      <dgm:t>
+        <a:bodyPr/>
+        <a:lstStyle/>
+        <a:p>
+          <a:pPr algn="ctr"/>
+          <a:r>
+            <a:rPr lang="de-AT"/>
+            <a:t>Physics World</a:t>
+          </a:r>
+        </a:p>
+      </dgm:t>
+    </dgm:pt>
+    <dgm:pt modelId="{04EE126D-9974-41FC-AC5E-B31F4FB7F5EC}" type="sibTrans" cxnId="{37FAC365-C5FF-413B-A2F2-E2114666E7AB}">
+      <dgm:prSet/>
+      <dgm:spPr/>
+      <dgm:t>
+        <a:bodyPr/>
+        <a:lstStyle/>
+        <a:p>
+          <a:pPr algn="ctr"/>
+          <a:endParaRPr lang="de-AT"/>
+        </a:p>
+      </dgm:t>
+    </dgm:pt>
+    <dgm:pt modelId="{DD782FC7-8D99-40C0-801F-DAB610E55845}" type="parTrans" cxnId="{37FAC365-C5FF-413B-A2F2-E2114666E7AB}">
+      <dgm:prSet/>
+      <dgm:spPr/>
+      <dgm:t>
+        <a:bodyPr/>
+        <a:lstStyle/>
+        <a:p>
+          <a:pPr algn="ctr"/>
+          <a:endParaRPr lang="de-AT"/>
+        </a:p>
+      </dgm:t>
+    </dgm:pt>
+    <dgm:pt modelId="{A5FE8028-4E09-4FF0-8590-D1F72CE85571}">
+      <dgm:prSet phldrT="[Text]" custT="1"/>
+      <dgm:spPr>
+        <a:noFill/>
+      </dgm:spPr>
+      <dgm:t>
+        <a:bodyPr/>
+        <a:lstStyle/>
+        <a:p>
+          <a:pPr algn="ctr"/>
+          <a:r>
+            <a:rPr lang="de-AT" sz="4000" b="1" dirty="0">
+              <a:solidFill>
+                <a:schemeClr val="tx1"/>
+              </a:solidFill>
+              <a:sym typeface="Symbol" panose="05050102010706020507" pitchFamily="18" charset="2"/>
+            </a:rPr>
+            <a:t></a:t>
+          </a:r>
+          <a:r>
+            <a:rPr lang="de-AT" sz="4000" b="1" dirty="0">
+              <a:solidFill>
+                <a:schemeClr val="tx1"/>
+              </a:solidFill>
+            </a:rPr>
+            <a:t> </a:t>
+          </a:r>
+        </a:p>
+      </dgm:t>
+    </dgm:pt>
+    <dgm:pt modelId="{6E7B3F58-6F51-4F96-9026-52339F55D288}" type="parTrans" cxnId="{4D7F711C-3E4E-44BD-B2EC-3DBB67566565}">
+      <dgm:prSet/>
+      <dgm:spPr/>
+      <dgm:t>
+        <a:bodyPr/>
+        <a:lstStyle/>
+        <a:p>
+          <a:pPr algn="ctr"/>
+          <a:endParaRPr lang="de-AT"/>
+        </a:p>
+      </dgm:t>
+    </dgm:pt>
+    <dgm:pt modelId="{D09B32F2-DF1A-486D-A92A-2AB304DBFF9D}" type="sibTrans" cxnId="{4D7F711C-3E4E-44BD-B2EC-3DBB67566565}">
+      <dgm:prSet/>
+      <dgm:spPr/>
+      <dgm:t>
+        <a:bodyPr/>
+        <a:lstStyle/>
+        <a:p>
+          <a:pPr algn="ctr"/>
+          <a:endParaRPr lang="de-AT"/>
+        </a:p>
+      </dgm:t>
+    </dgm:pt>
+    <dgm:pt modelId="{D21F2BFA-854F-4E47-83B6-3F87C682F1A2}">
+      <dgm:prSet phldrT="[Text]" custT="1"/>
+      <dgm:spPr>
+        <a:noFill/>
+      </dgm:spPr>
+      <dgm:t>
+        <a:bodyPr/>
+        <a:lstStyle/>
+        <a:p>
+          <a:pPr algn="ctr"/>
+          <a:r>
+            <a:rPr lang="de-AT" sz="4000" b="1" dirty="0">
+              <a:solidFill>
+                <a:schemeClr val="tx1"/>
+              </a:solidFill>
+              <a:sym typeface="Symbol" panose="05050102010706020507" pitchFamily="18" charset="2"/>
+            </a:rPr>
+            <a:t></a:t>
+          </a:r>
+          <a:endParaRPr lang="de-AT" sz="4000" b="1" dirty="0">
+            <a:solidFill>
+              <a:schemeClr val="tx1"/>
+            </a:solidFill>
+          </a:endParaRPr>
+        </a:p>
+      </dgm:t>
+    </dgm:pt>
+    <dgm:pt modelId="{D68A5FA3-C21F-4E65-BF04-073459AA4BC5}" type="parTrans" cxnId="{ACD0FCFB-1EC7-427C-9098-800711A4F5C0}">
+      <dgm:prSet/>
+      <dgm:spPr/>
+      <dgm:t>
+        <a:bodyPr/>
+        <a:lstStyle/>
+        <a:p>
+          <a:pPr algn="ctr"/>
+          <a:endParaRPr lang="de-AT"/>
+        </a:p>
+      </dgm:t>
+    </dgm:pt>
+    <dgm:pt modelId="{203F2F1E-7B73-4F6F-B413-F8738F107211}" type="sibTrans" cxnId="{ACD0FCFB-1EC7-427C-9098-800711A4F5C0}">
+      <dgm:prSet/>
+      <dgm:spPr/>
+      <dgm:t>
+        <a:bodyPr/>
+        <a:lstStyle/>
+        <a:p>
+          <a:pPr algn="ctr"/>
+          <a:endParaRPr lang="de-AT"/>
+        </a:p>
+      </dgm:t>
+    </dgm:pt>
+    <dgm:pt modelId="{A78F1C36-C927-41AF-9A98-1C756DDD583B}">
+      <dgm:prSet phldrT="[Text]" custT="1"/>
+      <dgm:spPr>
+        <a:noFill/>
+      </dgm:spPr>
+      <dgm:t>
+        <a:bodyPr/>
+        <a:lstStyle/>
+        <a:p>
+          <a:pPr algn="ctr"/>
+          <a:r>
+            <a:rPr lang="de-AT" sz="4000" b="1" dirty="0">
+              <a:solidFill>
+                <a:schemeClr val="tx1"/>
+              </a:solidFill>
+              <a:sym typeface="Symbol" panose="05050102010706020507" pitchFamily="18" charset="2"/>
+            </a:rPr>
+            <a:t></a:t>
+          </a:r>
+          <a:endParaRPr lang="de-AT" sz="4000" b="1" dirty="0">
+            <a:solidFill>
+              <a:schemeClr val="tx1"/>
+            </a:solidFill>
+          </a:endParaRPr>
+        </a:p>
+      </dgm:t>
+    </dgm:pt>
+    <dgm:pt modelId="{161DDB22-ABEB-4EF4-BE4A-C65B72E90BB0}" type="parTrans" cxnId="{F75281F8-ED8B-4174-877B-6150E0BBEF1F}">
+      <dgm:prSet/>
+      <dgm:spPr/>
+      <dgm:t>
+        <a:bodyPr/>
+        <a:lstStyle/>
+        <a:p>
+          <a:pPr algn="ctr"/>
+          <a:endParaRPr lang="de-AT"/>
+        </a:p>
+      </dgm:t>
+    </dgm:pt>
+    <dgm:pt modelId="{E21FAC43-096B-4EDF-8C6A-791A9B0BB172}" type="sibTrans" cxnId="{F75281F8-ED8B-4174-877B-6150E0BBEF1F}">
+      <dgm:prSet/>
+      <dgm:spPr/>
+      <dgm:t>
+        <a:bodyPr/>
+        <a:lstStyle/>
+        <a:p>
+          <a:pPr algn="ctr"/>
+          <a:endParaRPr lang="de-AT"/>
+        </a:p>
+      </dgm:t>
+    </dgm:pt>
+    <dgm:pt modelId="{4791C35D-3098-470B-938C-0B120A6DB7B7}">
+      <dgm:prSet phldrT="[Text]"/>
+      <dgm:spPr>
+        <a:noFill/>
+      </dgm:spPr>
+      <dgm:t>
+        <a:bodyPr/>
+        <a:lstStyle/>
+        <a:p>
+          <a:pPr algn="ctr"/>
+          <a:r>
+            <a:rPr lang="de-AT">
+              <a:noFill/>
+            </a:rPr>
+            <a:t> </a:t>
+          </a:r>
+        </a:p>
+      </dgm:t>
+    </dgm:pt>
+    <dgm:pt modelId="{3DC0C80E-BEDB-4F9B-94F0-3AD38E399548}" type="parTrans" cxnId="{C14EE58F-BCA1-4B4A-B281-350319BEE20C}">
+      <dgm:prSet/>
+      <dgm:spPr/>
+      <dgm:t>
+        <a:bodyPr/>
+        <a:lstStyle/>
+        <a:p>
+          <a:pPr algn="ctr"/>
+          <a:endParaRPr lang="de-AT"/>
+        </a:p>
+      </dgm:t>
+    </dgm:pt>
+    <dgm:pt modelId="{26DD8D85-AC6A-4BB4-81EB-39FA5EA47074}" type="sibTrans" cxnId="{C14EE58F-BCA1-4B4A-B281-350319BEE20C}">
+      <dgm:prSet/>
+      <dgm:spPr/>
+      <dgm:t>
+        <a:bodyPr/>
+        <a:lstStyle/>
+        <a:p>
+          <a:pPr algn="ctr"/>
+          <a:endParaRPr lang="de-AT"/>
+        </a:p>
+      </dgm:t>
+    </dgm:pt>
+    <dgm:pt modelId="{F43EF9CF-84B4-4AEF-ABAB-32140D173B6B}">
+      <dgm:prSet phldrT="[Text]"/>
+      <dgm:spPr>
+        <a:solidFill>
+          <a:schemeClr val="accent2"/>
+        </a:solidFill>
+      </dgm:spPr>
+      <dgm:t>
+        <a:bodyPr/>
+        <a:lstStyle/>
+        <a:p>
+          <a:pPr algn="ctr"/>
+          <a:r>
+            <a:rPr lang="de-AT">
+              <a:solidFill>
+                <a:schemeClr val="bg1"/>
+              </a:solidFill>
+            </a:rPr>
+            <a:t>Leap</a:t>
+          </a:r>
+        </a:p>
+      </dgm:t>
+    </dgm:pt>
+    <dgm:pt modelId="{E01AEAFF-95B0-4AA4-AD4D-7E958E38CE14}" type="parTrans" cxnId="{7EC69FBE-B8AA-463F-9444-7E6CCCB3B889}">
+      <dgm:prSet/>
+      <dgm:spPr/>
+      <dgm:t>
+        <a:bodyPr/>
+        <a:lstStyle/>
+        <a:p>
+          <a:pPr algn="ctr"/>
+          <a:endParaRPr lang="de-AT"/>
+        </a:p>
+      </dgm:t>
+    </dgm:pt>
+    <dgm:pt modelId="{772E609A-3E7A-4B90-844D-656D72BC3529}" type="sibTrans" cxnId="{7EC69FBE-B8AA-463F-9444-7E6CCCB3B889}">
+      <dgm:prSet/>
+      <dgm:spPr/>
+      <dgm:t>
+        <a:bodyPr/>
+        <a:lstStyle/>
+        <a:p>
+          <a:pPr algn="ctr"/>
+          <a:endParaRPr lang="de-AT"/>
+        </a:p>
+      </dgm:t>
+    </dgm:pt>
+    <dgm:pt modelId="{F53C1435-BF94-42E1-8937-473F872855A2}">
+      <dgm:prSet phldrT="[Text]"/>
+      <dgm:spPr/>
+      <dgm:t>
+        <a:bodyPr/>
+        <a:lstStyle/>
+        <a:p>
+          <a:pPr algn="ctr"/>
+          <a:r>
+            <a:rPr lang="de-AT">
+              <a:sym typeface="Symbol" panose="05050102010706020507" pitchFamily="18" charset="2"/>
+            </a:rPr>
+            <a:t>Bullet</a:t>
+          </a:r>
+          <a:endParaRPr lang="de-AT"/>
+        </a:p>
+      </dgm:t>
+    </dgm:pt>
+    <dgm:pt modelId="{9258B7E7-56A1-4977-B6A7-C1E989D9909B}" type="parTrans" cxnId="{CC11C8FE-42C8-4781-A7A3-DBE6361EDB37}">
+      <dgm:prSet/>
+      <dgm:spPr/>
+      <dgm:t>
+        <a:bodyPr/>
+        <a:lstStyle/>
+        <a:p>
+          <a:pPr algn="ctr"/>
+          <a:endParaRPr lang="de-AT"/>
+        </a:p>
+      </dgm:t>
+    </dgm:pt>
+    <dgm:pt modelId="{3051DDD7-63D7-4A1C-88E2-BF119C0A3040}" type="sibTrans" cxnId="{CC11C8FE-42C8-4781-A7A3-DBE6361EDB37}">
+      <dgm:prSet/>
+      <dgm:spPr/>
+      <dgm:t>
+        <a:bodyPr/>
+        <a:lstStyle/>
+        <a:p>
+          <a:pPr algn="ctr"/>
+          <a:endParaRPr lang="de-AT"/>
+        </a:p>
+      </dgm:t>
+    </dgm:pt>
+    <dgm:pt modelId="{EA5F09A7-07D2-4011-A960-52959C669295}">
+      <dgm:prSet phldrT="[Text]"/>
+      <dgm:spPr/>
+      <dgm:t>
+        <a:bodyPr/>
+        <a:lstStyle/>
+        <a:p>
+          <a:pPr algn="ctr"/>
+          <a:r>
+            <a:rPr lang="de-AT">
+              <a:sym typeface="Symbol" panose="05050102010706020507" pitchFamily="18" charset="2"/>
+            </a:rPr>
+            <a:t>DirectX</a:t>
+          </a:r>
+          <a:endParaRPr lang="de-AT"/>
+        </a:p>
+      </dgm:t>
+    </dgm:pt>
+    <dgm:pt modelId="{7B2C973C-756F-4FDF-B0F7-44255A138D38}" type="parTrans" cxnId="{021A5309-0105-4A8C-84C6-B29FAD492B67}">
+      <dgm:prSet/>
+      <dgm:spPr/>
+      <dgm:t>
+        <a:bodyPr/>
+        <a:lstStyle/>
+        <a:p>
+          <a:pPr algn="ctr"/>
+          <a:endParaRPr lang="de-AT"/>
+        </a:p>
+      </dgm:t>
+    </dgm:pt>
+    <dgm:pt modelId="{60498073-6598-456D-8C33-07F77CE2AC1D}" type="sibTrans" cxnId="{021A5309-0105-4A8C-84C6-B29FAD492B67}">
+      <dgm:prSet/>
+      <dgm:spPr/>
+      <dgm:t>
+        <a:bodyPr/>
+        <a:lstStyle/>
+        <a:p>
+          <a:pPr algn="ctr"/>
+          <a:endParaRPr lang="de-AT"/>
+        </a:p>
+      </dgm:t>
+    </dgm:pt>
+    <dgm:pt modelId="{9448F2D2-AFC9-46CF-ADF7-A00A7991DFAF}">
+      <dgm:prSet phldrT="[Text]" custT="1"/>
+      <dgm:spPr>
+        <a:noFill/>
+      </dgm:spPr>
+      <dgm:t>
+        <a:bodyPr/>
+        <a:lstStyle/>
+        <a:p>
+          <a:pPr algn="ctr"/>
+          <a:endParaRPr lang="de-AT" sz="1800" b="1">
+            <a:solidFill>
+              <a:schemeClr val="tx1"/>
+            </a:solidFill>
+          </a:endParaRPr>
+        </a:p>
+      </dgm:t>
+    </dgm:pt>
+    <dgm:pt modelId="{1C64A635-5552-4A71-8798-83BFB4778CF5}" type="sibTrans" cxnId="{68704871-F6A3-46CC-9824-C43A28FA71EC}">
+      <dgm:prSet/>
+      <dgm:spPr/>
+      <dgm:t>
+        <a:bodyPr/>
+        <a:lstStyle/>
+        <a:p>
+          <a:pPr algn="ctr"/>
+          <a:endParaRPr lang="de-AT"/>
+        </a:p>
+      </dgm:t>
+    </dgm:pt>
+    <dgm:pt modelId="{7B515329-880E-40C1-A07B-E388B2B5D297}" type="parTrans" cxnId="{68704871-F6A3-46CC-9824-C43A28FA71EC}">
+      <dgm:prSet/>
+      <dgm:spPr/>
+      <dgm:t>
+        <a:bodyPr/>
+        <a:lstStyle/>
+        <a:p>
+          <a:pPr algn="ctr"/>
+          <a:endParaRPr lang="de-AT"/>
+        </a:p>
+      </dgm:t>
+    </dgm:pt>
+    <dgm:pt modelId="{EEB9814A-9991-4BFD-B640-5B62D850843B}" type="pres">
+      <dgm:prSet presAssocID="{D8F82E61-3FE6-4E85-BDB7-288A2D66BD7E}" presName="Name0" presStyleCnt="0">
+        <dgm:presLayoutVars>
+          <dgm:chPref val="1"/>
+          <dgm:dir/>
+          <dgm:animOne val="branch"/>
+          <dgm:animLvl val="lvl"/>
+          <dgm:resizeHandles/>
+        </dgm:presLayoutVars>
+      </dgm:prSet>
+      <dgm:spPr/>
+      <dgm:t>
+        <a:bodyPr/>
+        <a:lstStyle/>
+        <a:p>
+          <a:endParaRPr lang="en-US"/>
+        </a:p>
+      </dgm:t>
+    </dgm:pt>
+    <dgm:pt modelId="{20834E55-E907-4708-B284-5BF23E06BD6A}" type="pres">
+      <dgm:prSet presAssocID="{EB83D27C-C543-41E5-9CA6-6EC4FA2443F2}" presName="vertOne" presStyleCnt="0"/>
+      <dgm:spPr/>
+    </dgm:pt>
+    <dgm:pt modelId="{28A3D33C-CCF4-4FD4-9419-71754AB57851}" type="pres">
+      <dgm:prSet presAssocID="{EB83D27C-C543-41E5-9CA6-6EC4FA2443F2}" presName="txOne" presStyleLbl="node0" presStyleIdx="0" presStyleCnt="3">
+        <dgm:presLayoutVars>
+          <dgm:chPref val="3"/>
+        </dgm:presLayoutVars>
+      </dgm:prSet>
+      <dgm:spPr/>
+      <dgm:t>
+        <a:bodyPr/>
+        <a:lstStyle/>
+        <a:p>
+          <a:endParaRPr lang="de-AT"/>
+        </a:p>
+      </dgm:t>
+    </dgm:pt>
+    <dgm:pt modelId="{22B04D71-1164-4A77-B092-1E8C7430D6A1}" type="pres">
+      <dgm:prSet presAssocID="{EB83D27C-C543-41E5-9CA6-6EC4FA2443F2}" presName="parTransOne" presStyleCnt="0"/>
+      <dgm:spPr/>
+    </dgm:pt>
+    <dgm:pt modelId="{C43393AC-F40B-43AC-80F0-48F534D87D42}" type="pres">
+      <dgm:prSet presAssocID="{EB83D27C-C543-41E5-9CA6-6EC4FA2443F2}" presName="horzOne" presStyleCnt="0"/>
+      <dgm:spPr/>
+    </dgm:pt>
+    <dgm:pt modelId="{2C121526-2F17-4B4C-8679-BD7899A05A45}" type="pres">
+      <dgm:prSet presAssocID="{0A7D3160-FEFA-4373-B54C-460EDB11B289}" presName="vertTwo" presStyleCnt="0"/>
+      <dgm:spPr/>
+    </dgm:pt>
+    <dgm:pt modelId="{D1819ADE-2E73-4320-BF63-E3FA7DC69860}" type="pres">
+      <dgm:prSet presAssocID="{0A7D3160-FEFA-4373-B54C-460EDB11B289}" presName="txTwo" presStyleLbl="node2" presStyleIdx="0" presStyleCnt="3">
+        <dgm:presLayoutVars>
+          <dgm:chPref val="3"/>
+        </dgm:presLayoutVars>
+      </dgm:prSet>
+      <dgm:spPr/>
+      <dgm:t>
+        <a:bodyPr/>
+        <a:lstStyle/>
+        <a:p>
+          <a:endParaRPr lang="de-AT"/>
+        </a:p>
+      </dgm:t>
+    </dgm:pt>
+    <dgm:pt modelId="{28E28E89-C145-44A8-8AFE-7591599DB1DE}" type="pres">
+      <dgm:prSet presAssocID="{0A7D3160-FEFA-4373-B54C-460EDB11B289}" presName="parTransTwo" presStyleCnt="0"/>
+      <dgm:spPr/>
+    </dgm:pt>
+    <dgm:pt modelId="{AE77753E-3D80-4C46-BC7E-E9FDF508EC97}" type="pres">
+      <dgm:prSet presAssocID="{0A7D3160-FEFA-4373-B54C-460EDB11B289}" presName="horzTwo" presStyleCnt="0"/>
+      <dgm:spPr/>
+    </dgm:pt>
+    <dgm:pt modelId="{9645A182-1C81-4211-9F10-7057110AD561}" type="pres">
+      <dgm:prSet presAssocID="{DC2A00CE-8CEA-49BF-84D7-BE5E60D43EBE}" presName="vertThree" presStyleCnt="0"/>
+      <dgm:spPr/>
+    </dgm:pt>
+    <dgm:pt modelId="{ECCE19C1-42CF-4966-B2F2-45C7B164FA73}" type="pres">
+      <dgm:prSet presAssocID="{DC2A00CE-8CEA-49BF-84D7-BE5E60D43EBE}" presName="txThree" presStyleLbl="node3" presStyleIdx="0" presStyleCnt="4">
+        <dgm:presLayoutVars>
+          <dgm:chPref val="3"/>
+        </dgm:presLayoutVars>
+      </dgm:prSet>
+      <dgm:spPr/>
+      <dgm:t>
+        <a:bodyPr/>
+        <a:lstStyle/>
+        <a:p>
+          <a:endParaRPr lang="en-US"/>
+        </a:p>
+      </dgm:t>
+    </dgm:pt>
+    <dgm:pt modelId="{97D8AE25-2DBC-4166-90AB-8C041759CAD2}" type="pres">
+      <dgm:prSet presAssocID="{DC2A00CE-8CEA-49BF-84D7-BE5E60D43EBE}" presName="parTransThree" presStyleCnt="0"/>
+      <dgm:spPr/>
+    </dgm:pt>
+    <dgm:pt modelId="{01AF73C6-F82A-472A-BAE4-62DFB696E946}" type="pres">
+      <dgm:prSet presAssocID="{DC2A00CE-8CEA-49BF-84D7-BE5E60D43EBE}" presName="horzThree" presStyleCnt="0"/>
+      <dgm:spPr/>
+    </dgm:pt>
+    <dgm:pt modelId="{412E8D0F-30E1-4116-A8AD-9A3638E485BF}" type="pres">
+      <dgm:prSet presAssocID="{785367D5-99DF-410E-AA55-BB0066F196E2}" presName="vertFour" presStyleCnt="0">
+        <dgm:presLayoutVars>
+          <dgm:chPref val="3"/>
+        </dgm:presLayoutVars>
+      </dgm:prSet>
+      <dgm:spPr/>
+    </dgm:pt>
+    <dgm:pt modelId="{E67BB626-1978-4576-BBC8-8D1DB5005ED1}" type="pres">
+      <dgm:prSet presAssocID="{785367D5-99DF-410E-AA55-BB0066F196E2}" presName="txFour" presStyleLbl="node4" presStyleIdx="0" presStyleCnt="4">
+        <dgm:presLayoutVars>
+          <dgm:chPref val="3"/>
+        </dgm:presLayoutVars>
+      </dgm:prSet>
+      <dgm:spPr/>
+      <dgm:t>
+        <a:bodyPr/>
+        <a:lstStyle/>
+        <a:p>
+          <a:endParaRPr lang="en-US"/>
+        </a:p>
+      </dgm:t>
+    </dgm:pt>
+    <dgm:pt modelId="{92D141A2-848E-47CE-9EF3-AF6A34596D80}" type="pres">
+      <dgm:prSet presAssocID="{785367D5-99DF-410E-AA55-BB0066F196E2}" presName="horzFour" presStyleCnt="0"/>
+      <dgm:spPr/>
+    </dgm:pt>
+    <dgm:pt modelId="{319C8564-F64B-4A22-970D-8318A9A688E5}" type="pres">
+      <dgm:prSet presAssocID="{D3426E31-7A5F-4F39-BFEF-E602A1CFD928}" presName="sibSpaceThree" presStyleCnt="0"/>
+      <dgm:spPr/>
+    </dgm:pt>
+    <dgm:pt modelId="{F9C4DB43-448B-4846-B1A4-E7690FA431CD}" type="pres">
+      <dgm:prSet presAssocID="{EE8AB0E6-5BCB-4815-8CEB-1BEF52836400}" presName="vertThree" presStyleCnt="0"/>
+      <dgm:spPr/>
+    </dgm:pt>
+    <dgm:pt modelId="{594D953B-11A8-43F5-A23F-53736AD999BD}" type="pres">
+      <dgm:prSet presAssocID="{EE8AB0E6-5BCB-4815-8CEB-1BEF52836400}" presName="txThree" presStyleLbl="node3" presStyleIdx="1" presStyleCnt="4">
+        <dgm:presLayoutVars>
+          <dgm:chPref val="3"/>
+        </dgm:presLayoutVars>
+      </dgm:prSet>
+      <dgm:spPr/>
+      <dgm:t>
+        <a:bodyPr/>
+        <a:lstStyle/>
+        <a:p>
+          <a:endParaRPr lang="de-AT"/>
+        </a:p>
+      </dgm:t>
+    </dgm:pt>
+    <dgm:pt modelId="{B7BC224F-FBC2-4DB5-97E8-3C157E71E038}" type="pres">
+      <dgm:prSet presAssocID="{EE8AB0E6-5BCB-4815-8CEB-1BEF52836400}" presName="parTransThree" presStyleCnt="0"/>
+      <dgm:spPr/>
+    </dgm:pt>
+    <dgm:pt modelId="{97287DA6-2E58-441A-BA66-8CAF93D6CD06}" type="pres">
+      <dgm:prSet presAssocID="{EE8AB0E6-5BCB-4815-8CEB-1BEF52836400}" presName="horzThree" presStyleCnt="0"/>
+      <dgm:spPr/>
+    </dgm:pt>
+    <dgm:pt modelId="{0A8403ED-6DE2-43F5-BD21-6C814CDC3068}" type="pres">
+      <dgm:prSet presAssocID="{142DDCF0-E50D-47CE-AA66-87DD776A62B9}" presName="vertFour" presStyleCnt="0">
+        <dgm:presLayoutVars>
+          <dgm:chPref val="3"/>
+        </dgm:presLayoutVars>
+      </dgm:prSet>
+      <dgm:spPr/>
+    </dgm:pt>
+    <dgm:pt modelId="{25E1DF55-6969-4FDE-A694-DAB63EEE5DCD}" type="pres">
+      <dgm:prSet presAssocID="{142DDCF0-E50D-47CE-AA66-87DD776A62B9}" presName="txFour" presStyleLbl="node4" presStyleIdx="1" presStyleCnt="4">
+        <dgm:presLayoutVars>
+          <dgm:chPref val="3"/>
+        </dgm:presLayoutVars>
+      </dgm:prSet>
+      <dgm:spPr/>
+      <dgm:t>
+        <a:bodyPr/>
+        <a:lstStyle/>
+        <a:p>
+          <a:endParaRPr lang="en-US"/>
+        </a:p>
+      </dgm:t>
+    </dgm:pt>
+    <dgm:pt modelId="{199245B7-828D-4B8E-9A39-4C461AD8D8F5}" type="pres">
+      <dgm:prSet presAssocID="{142DDCF0-E50D-47CE-AA66-87DD776A62B9}" presName="horzFour" presStyleCnt="0"/>
+      <dgm:spPr/>
+    </dgm:pt>
+    <dgm:pt modelId="{A1DAEF44-D29D-4994-9994-7C10F2EB6284}" type="pres">
+      <dgm:prSet presAssocID="{3FF85790-AF0E-4582-A0EC-A35C5DC4C47C}" presName="sibSpaceOne" presStyleCnt="0"/>
+      <dgm:spPr/>
+    </dgm:pt>
+    <dgm:pt modelId="{60AB9C85-4C01-4E0B-8596-7C3C790C7C04}" type="pres">
+      <dgm:prSet presAssocID="{A5FE8028-4E09-4FF0-8590-D1F72CE85571}" presName="vertOne" presStyleCnt="0"/>
+      <dgm:spPr/>
+    </dgm:pt>
+    <dgm:pt modelId="{1DE03F44-B3B3-4161-B322-B57893F66CE7}" type="pres">
+      <dgm:prSet presAssocID="{A5FE8028-4E09-4FF0-8590-D1F72CE85571}" presName="txOne" presStyleLbl="node0" presStyleIdx="1" presStyleCnt="3" custScaleX="32008">
+        <dgm:presLayoutVars>
+          <dgm:chPref val="3"/>
+        </dgm:presLayoutVars>
+      </dgm:prSet>
+      <dgm:spPr/>
+      <dgm:t>
+        <a:bodyPr/>
+        <a:lstStyle/>
+        <a:p>
+          <a:endParaRPr lang="de-AT"/>
+        </a:p>
+      </dgm:t>
+    </dgm:pt>
+    <dgm:pt modelId="{BFC389E7-E18A-4D92-A5DC-3CA94417F689}" type="pres">
+      <dgm:prSet presAssocID="{A5FE8028-4E09-4FF0-8590-D1F72CE85571}" presName="parTransOne" presStyleCnt="0"/>
+      <dgm:spPr/>
+    </dgm:pt>
+    <dgm:pt modelId="{10823695-E53B-43D4-8ADC-91F885704561}" type="pres">
+      <dgm:prSet presAssocID="{A5FE8028-4E09-4FF0-8590-D1F72CE85571}" presName="horzOne" presStyleCnt="0"/>
+      <dgm:spPr/>
+    </dgm:pt>
+    <dgm:pt modelId="{CD3124C0-0DAC-4D9E-ABD3-20C4E011B36E}" type="pres">
+      <dgm:prSet presAssocID="{9448F2D2-AFC9-46CF-ADF7-A00A7991DFAF}" presName="vertTwo" presStyleCnt="0"/>
+      <dgm:spPr/>
+    </dgm:pt>
+    <dgm:pt modelId="{83728475-A0E6-41C2-AC3A-1D9644FD95C7}" type="pres">
+      <dgm:prSet presAssocID="{9448F2D2-AFC9-46CF-ADF7-A00A7991DFAF}" presName="txTwo" presStyleLbl="node2" presStyleIdx="1" presStyleCnt="3" custScaleX="32008">
+        <dgm:presLayoutVars>
+          <dgm:chPref val="3"/>
+        </dgm:presLayoutVars>
+      </dgm:prSet>
+      <dgm:spPr/>
+      <dgm:t>
+        <a:bodyPr/>
+        <a:lstStyle/>
+        <a:p>
+          <a:endParaRPr lang="de-AT"/>
+        </a:p>
+      </dgm:t>
+    </dgm:pt>
+    <dgm:pt modelId="{27D31D10-4A22-4286-8D88-D9BAC360E43E}" type="pres">
+      <dgm:prSet presAssocID="{9448F2D2-AFC9-46CF-ADF7-A00A7991DFAF}" presName="parTransTwo" presStyleCnt="0"/>
+      <dgm:spPr/>
+    </dgm:pt>
+    <dgm:pt modelId="{FEDB206E-6904-4CD5-B33E-1BE0102771C9}" type="pres">
+      <dgm:prSet presAssocID="{9448F2D2-AFC9-46CF-ADF7-A00A7991DFAF}" presName="horzTwo" presStyleCnt="0"/>
+      <dgm:spPr/>
+    </dgm:pt>
+    <dgm:pt modelId="{D85C4C71-E383-4A8A-BEDB-5E05C9DE051A}" type="pres">
+      <dgm:prSet presAssocID="{A78F1C36-C927-41AF-9A98-1C756DDD583B}" presName="vertThree" presStyleCnt="0"/>
+      <dgm:spPr/>
+    </dgm:pt>
+    <dgm:pt modelId="{2948CD58-2F57-4D03-B71B-F4FDE068A6CF}" type="pres">
+      <dgm:prSet presAssocID="{A78F1C36-C927-41AF-9A98-1C756DDD583B}" presName="txThree" presStyleLbl="node3" presStyleIdx="2" presStyleCnt="4" custScaleX="32008">
+        <dgm:presLayoutVars>
+          <dgm:chPref val="3"/>
+        </dgm:presLayoutVars>
+      </dgm:prSet>
+      <dgm:spPr/>
+      <dgm:t>
+        <a:bodyPr/>
+        <a:lstStyle/>
+        <a:p>
+          <a:endParaRPr lang="en-US"/>
+        </a:p>
+      </dgm:t>
+    </dgm:pt>
+    <dgm:pt modelId="{E0CDAA83-B26F-4E23-A025-26A9E8808875}" type="pres">
+      <dgm:prSet presAssocID="{A78F1C36-C927-41AF-9A98-1C756DDD583B}" presName="parTransThree" presStyleCnt="0"/>
+      <dgm:spPr/>
+    </dgm:pt>
+    <dgm:pt modelId="{57F07006-452C-40B7-AD2C-9C3F75EB7058}" type="pres">
+      <dgm:prSet presAssocID="{A78F1C36-C927-41AF-9A98-1C756DDD583B}" presName="horzThree" presStyleCnt="0"/>
+      <dgm:spPr/>
+    </dgm:pt>
+    <dgm:pt modelId="{CC2954EF-2241-4F38-BB0B-9A115AA28D38}" type="pres">
+      <dgm:prSet presAssocID="{D21F2BFA-854F-4E47-83B6-3F87C682F1A2}" presName="vertFour" presStyleCnt="0">
+        <dgm:presLayoutVars>
+          <dgm:chPref val="3"/>
+        </dgm:presLayoutVars>
+      </dgm:prSet>
+      <dgm:spPr/>
+    </dgm:pt>
+    <dgm:pt modelId="{6A310E2E-2EBC-4537-ADB5-CEF594C2971C}" type="pres">
+      <dgm:prSet presAssocID="{D21F2BFA-854F-4E47-83B6-3F87C682F1A2}" presName="txFour" presStyleLbl="node4" presStyleIdx="2" presStyleCnt="4" custScaleX="32008">
+        <dgm:presLayoutVars>
+          <dgm:chPref val="3"/>
+        </dgm:presLayoutVars>
+      </dgm:prSet>
+      <dgm:spPr/>
+      <dgm:t>
+        <a:bodyPr/>
+        <a:lstStyle/>
+        <a:p>
+          <a:endParaRPr lang="de-AT"/>
+        </a:p>
+      </dgm:t>
+    </dgm:pt>
+    <dgm:pt modelId="{17C17782-8EB4-4157-AB57-B24EE62A50CE}" type="pres">
+      <dgm:prSet presAssocID="{D21F2BFA-854F-4E47-83B6-3F87C682F1A2}" presName="horzFour" presStyleCnt="0"/>
+      <dgm:spPr/>
+    </dgm:pt>
+    <dgm:pt modelId="{4DF7CFD9-3BDF-48E9-9037-571928C9354E}" type="pres">
+      <dgm:prSet presAssocID="{D09B32F2-DF1A-486D-A92A-2AB304DBFF9D}" presName="sibSpaceOne" presStyleCnt="0"/>
+      <dgm:spPr/>
+    </dgm:pt>
+    <dgm:pt modelId="{283CC4E5-DCBC-4F74-950D-766A01582E34}" type="pres">
+      <dgm:prSet presAssocID="{F43EF9CF-84B4-4AEF-ABAB-32140D173B6B}" presName="vertOne" presStyleCnt="0"/>
+      <dgm:spPr/>
+    </dgm:pt>
+    <dgm:pt modelId="{5CCE0927-2A9E-4E3A-924F-6587EAF26610}" type="pres">
+      <dgm:prSet presAssocID="{F43EF9CF-84B4-4AEF-ABAB-32140D173B6B}" presName="txOne" presStyleLbl="node0" presStyleIdx="2" presStyleCnt="3">
+        <dgm:presLayoutVars>
+          <dgm:chPref val="3"/>
+        </dgm:presLayoutVars>
+      </dgm:prSet>
+      <dgm:spPr/>
+      <dgm:t>
+        <a:bodyPr/>
+        <a:lstStyle/>
+        <a:p>
+          <a:endParaRPr lang="de-AT"/>
+        </a:p>
+      </dgm:t>
+    </dgm:pt>
+    <dgm:pt modelId="{9E6DE7E9-1881-42C0-9EDC-6F2481C1A2AE}" type="pres">
+      <dgm:prSet presAssocID="{F43EF9CF-84B4-4AEF-ABAB-32140D173B6B}" presName="parTransOne" presStyleCnt="0"/>
+      <dgm:spPr/>
+    </dgm:pt>
+    <dgm:pt modelId="{6DED27D5-7B5B-46B7-9E4D-CCFCCD2E24A4}" type="pres">
+      <dgm:prSet presAssocID="{F43EF9CF-84B4-4AEF-ABAB-32140D173B6B}" presName="horzOne" presStyleCnt="0"/>
+      <dgm:spPr/>
+    </dgm:pt>
+    <dgm:pt modelId="{A7F0B85C-F4FC-4E4C-B59E-737E846DEF3B}" type="pres">
+      <dgm:prSet presAssocID="{4791C35D-3098-470B-938C-0B120A6DB7B7}" presName="vertTwo" presStyleCnt="0"/>
+      <dgm:spPr/>
+    </dgm:pt>
+    <dgm:pt modelId="{40EF0274-ADCF-4AD4-943B-AC6FB71D8108}" type="pres">
+      <dgm:prSet presAssocID="{4791C35D-3098-470B-938C-0B120A6DB7B7}" presName="txTwo" presStyleLbl="node2" presStyleIdx="2" presStyleCnt="3">
+        <dgm:presLayoutVars>
+          <dgm:chPref val="3"/>
+        </dgm:presLayoutVars>
+      </dgm:prSet>
+      <dgm:spPr/>
+      <dgm:t>
+        <a:bodyPr/>
+        <a:lstStyle/>
+        <a:p>
+          <a:endParaRPr lang="de-AT"/>
+        </a:p>
+      </dgm:t>
+    </dgm:pt>
+    <dgm:pt modelId="{72A5BB02-E4B6-40CB-AF92-A2DCA1491ED5}" type="pres">
+      <dgm:prSet presAssocID="{4791C35D-3098-470B-938C-0B120A6DB7B7}" presName="parTransTwo" presStyleCnt="0"/>
+      <dgm:spPr/>
+    </dgm:pt>
+    <dgm:pt modelId="{FAACF353-5970-42D9-B907-EB0364D11875}" type="pres">
+      <dgm:prSet presAssocID="{4791C35D-3098-470B-938C-0B120A6DB7B7}" presName="horzTwo" presStyleCnt="0"/>
+      <dgm:spPr/>
+    </dgm:pt>
+    <dgm:pt modelId="{01DF2B92-B76F-4102-A9DB-780E193FDA8B}" type="pres">
+      <dgm:prSet presAssocID="{F53C1435-BF94-42E1-8937-473F872855A2}" presName="vertThree" presStyleCnt="0"/>
+      <dgm:spPr/>
+    </dgm:pt>
+    <dgm:pt modelId="{61A3D408-B13D-4AE4-9556-A18D497C76AC}" type="pres">
+      <dgm:prSet presAssocID="{F53C1435-BF94-42E1-8937-473F872855A2}" presName="txThree" presStyleLbl="node3" presStyleIdx="3" presStyleCnt="4">
+        <dgm:presLayoutVars>
+          <dgm:chPref val="3"/>
+        </dgm:presLayoutVars>
+      </dgm:prSet>
+      <dgm:spPr/>
+      <dgm:t>
+        <a:bodyPr/>
+        <a:lstStyle/>
+        <a:p>
+          <a:endParaRPr lang="en-US"/>
+        </a:p>
+      </dgm:t>
+    </dgm:pt>
+    <dgm:pt modelId="{99094956-CF22-4DF1-B05E-94DDD2CE745D}" type="pres">
+      <dgm:prSet presAssocID="{F53C1435-BF94-42E1-8937-473F872855A2}" presName="parTransThree" presStyleCnt="0"/>
+      <dgm:spPr/>
+    </dgm:pt>
+    <dgm:pt modelId="{FDBA9A7F-6B97-41DC-8168-B661E620C726}" type="pres">
+      <dgm:prSet presAssocID="{F53C1435-BF94-42E1-8937-473F872855A2}" presName="horzThree" presStyleCnt="0"/>
+      <dgm:spPr/>
+    </dgm:pt>
+    <dgm:pt modelId="{FC6720B9-730B-4EBA-9650-A3C7AA651057}" type="pres">
+      <dgm:prSet presAssocID="{EA5F09A7-07D2-4011-A960-52959C669295}" presName="vertFour" presStyleCnt="0">
+        <dgm:presLayoutVars>
+          <dgm:chPref val="3"/>
+        </dgm:presLayoutVars>
+      </dgm:prSet>
+      <dgm:spPr/>
+    </dgm:pt>
+    <dgm:pt modelId="{198A9F65-E99A-4453-A4D7-3EE86E5DAB91}" type="pres">
+      <dgm:prSet presAssocID="{EA5F09A7-07D2-4011-A960-52959C669295}" presName="txFour" presStyleLbl="node4" presStyleIdx="3" presStyleCnt="4">
+        <dgm:presLayoutVars>
+          <dgm:chPref val="3"/>
+        </dgm:presLayoutVars>
+      </dgm:prSet>
+      <dgm:spPr/>
+      <dgm:t>
+        <a:bodyPr/>
+        <a:lstStyle/>
+        <a:p>
+          <a:endParaRPr lang="de-AT"/>
+        </a:p>
+      </dgm:t>
+    </dgm:pt>
+    <dgm:pt modelId="{B441ADD5-1CB6-47B0-A3C9-72FED311A290}" type="pres">
+      <dgm:prSet presAssocID="{EA5F09A7-07D2-4011-A960-52959C669295}" presName="horzFour" presStyleCnt="0"/>
+      <dgm:spPr/>
+    </dgm:pt>
+  </dgm:ptLst>
+  <dgm:cxnLst>
+    <dgm:cxn modelId="{4D7F711C-3E4E-44BD-B2EC-3DBB67566565}" srcId="{D8F82E61-3FE6-4E85-BDB7-288A2D66BD7E}" destId="{A5FE8028-4E09-4FF0-8590-D1F72CE85571}" srcOrd="1" destOrd="0" parTransId="{6E7B3F58-6F51-4F96-9026-52339F55D288}" sibTransId="{D09B32F2-DF1A-486D-A92A-2AB304DBFF9D}"/>
+    <dgm:cxn modelId="{28EF7DFD-830A-4AB4-84E0-67CA7B9CC6D6}" srcId="{0A7D3160-FEFA-4373-B54C-460EDB11B289}" destId="{DC2A00CE-8CEA-49BF-84D7-BE5E60D43EBE}" srcOrd="0" destOrd="0" parTransId="{EBA90FDA-AA70-4B53-AEAA-C57AB32C82F3}" sibTransId="{D3426E31-7A5F-4F39-BFEF-E602A1CFD928}"/>
+    <dgm:cxn modelId="{5168EF92-7ABB-439E-B68D-5721177DBD9B}" type="presOf" srcId="{4791C35D-3098-470B-938C-0B120A6DB7B7}" destId="{40EF0274-ADCF-4AD4-943B-AC6FB71D8108}" srcOrd="0" destOrd="0" presId="urn:microsoft.com/office/officeart/2005/8/layout/architecture"/>
+    <dgm:cxn modelId="{3BE9151F-BA21-41C0-BB38-71DCF07DFE50}" srcId="{DC2A00CE-8CEA-49BF-84D7-BE5E60D43EBE}" destId="{785367D5-99DF-410E-AA55-BB0066F196E2}" srcOrd="0" destOrd="0" parTransId="{7786A8AA-0BDF-4B5E-AC46-91095B0836A9}" sibTransId="{57D0718E-FF3F-4B96-9FA1-6383534517BF}"/>
+    <dgm:cxn modelId="{CC11C8FE-42C8-4781-A7A3-DBE6361EDB37}" srcId="{4791C35D-3098-470B-938C-0B120A6DB7B7}" destId="{F53C1435-BF94-42E1-8937-473F872855A2}" srcOrd="0" destOrd="0" parTransId="{9258B7E7-56A1-4977-B6A7-C1E989D9909B}" sibTransId="{3051DDD7-63D7-4A1C-88E2-BF119C0A3040}"/>
+    <dgm:cxn modelId="{ACD0FCFB-1EC7-427C-9098-800711A4F5C0}" srcId="{A78F1C36-C927-41AF-9A98-1C756DDD583B}" destId="{D21F2BFA-854F-4E47-83B6-3F87C682F1A2}" srcOrd="0" destOrd="0" parTransId="{D68A5FA3-C21F-4E65-BF04-073459AA4BC5}" sibTransId="{203F2F1E-7B73-4F6F-B413-F8738F107211}"/>
+    <dgm:cxn modelId="{021A5309-0105-4A8C-84C6-B29FAD492B67}" srcId="{F53C1435-BF94-42E1-8937-473F872855A2}" destId="{EA5F09A7-07D2-4011-A960-52959C669295}" srcOrd="0" destOrd="0" parTransId="{7B2C973C-756F-4FDF-B0F7-44255A138D38}" sibTransId="{60498073-6598-456D-8C33-07F77CE2AC1D}"/>
+    <dgm:cxn modelId="{B4AE2720-E772-4401-8866-1C1584A1553C}" type="presOf" srcId="{785367D5-99DF-410E-AA55-BB0066F196E2}" destId="{E67BB626-1978-4576-BBC8-8D1DB5005ED1}" srcOrd="0" destOrd="0" presId="urn:microsoft.com/office/officeart/2005/8/layout/architecture"/>
+    <dgm:cxn modelId="{7EC69FBE-B8AA-463F-9444-7E6CCCB3B889}" srcId="{D8F82E61-3FE6-4E85-BDB7-288A2D66BD7E}" destId="{F43EF9CF-84B4-4AEF-ABAB-32140D173B6B}" srcOrd="2" destOrd="0" parTransId="{E01AEAFF-95B0-4AA4-AD4D-7E958E38CE14}" sibTransId="{772E609A-3E7A-4B90-844D-656D72BC3529}"/>
+    <dgm:cxn modelId="{B03C78B0-BA4E-4C7F-8D3D-BEF864E893A8}" type="presOf" srcId="{142DDCF0-E50D-47CE-AA66-87DD776A62B9}" destId="{25E1DF55-6969-4FDE-A694-DAB63EEE5DCD}" srcOrd="0" destOrd="0" presId="urn:microsoft.com/office/officeart/2005/8/layout/architecture"/>
+    <dgm:cxn modelId="{A00E7FC5-EF83-4E56-A74E-6B26E5B81BE7}" type="presOf" srcId="{EA5F09A7-07D2-4011-A960-52959C669295}" destId="{198A9F65-E99A-4453-A4D7-3EE86E5DAB91}" srcOrd="0" destOrd="0" presId="urn:microsoft.com/office/officeart/2005/8/layout/architecture"/>
+    <dgm:cxn modelId="{1522D03A-BB2B-4D75-A9BE-075AEACB2E9D}" type="presOf" srcId="{DC2A00CE-8CEA-49BF-84D7-BE5E60D43EBE}" destId="{ECCE19C1-42CF-4966-B2F2-45C7B164FA73}" srcOrd="0" destOrd="0" presId="urn:microsoft.com/office/officeart/2005/8/layout/architecture"/>
+    <dgm:cxn modelId="{F24B1D6B-E2E1-44A8-A403-0C642EA658B0}" srcId="{EE8AB0E6-5BCB-4815-8CEB-1BEF52836400}" destId="{142DDCF0-E50D-47CE-AA66-87DD776A62B9}" srcOrd="0" destOrd="0" parTransId="{4A9FC07A-DD8C-40B7-9B45-980AD8C46589}" sibTransId="{1A175DE7-6203-4E5B-AFFE-4AC221EEBC55}"/>
+    <dgm:cxn modelId="{F75281F8-ED8B-4174-877B-6150E0BBEF1F}" srcId="{9448F2D2-AFC9-46CF-ADF7-A00A7991DFAF}" destId="{A78F1C36-C927-41AF-9A98-1C756DDD583B}" srcOrd="0" destOrd="0" parTransId="{161DDB22-ABEB-4EF4-BE4A-C65B72E90BB0}" sibTransId="{E21FAC43-096B-4EDF-8C6A-791A9B0BB172}"/>
+    <dgm:cxn modelId="{C14EE58F-BCA1-4B4A-B281-350319BEE20C}" srcId="{F43EF9CF-84B4-4AEF-ABAB-32140D173B6B}" destId="{4791C35D-3098-470B-938C-0B120A6DB7B7}" srcOrd="0" destOrd="0" parTransId="{3DC0C80E-BEDB-4F9B-94F0-3AD38E399548}" sibTransId="{26DD8D85-AC6A-4BB4-81EB-39FA5EA47074}"/>
+    <dgm:cxn modelId="{68704871-F6A3-46CC-9824-C43A28FA71EC}" srcId="{A5FE8028-4E09-4FF0-8590-D1F72CE85571}" destId="{9448F2D2-AFC9-46CF-ADF7-A00A7991DFAF}" srcOrd="0" destOrd="0" parTransId="{7B515329-880E-40C1-A07B-E388B2B5D297}" sibTransId="{1C64A635-5552-4A71-8798-83BFB4778CF5}"/>
+    <dgm:cxn modelId="{6A22D5C5-E7B0-4C5F-B100-01690AE46832}" type="presOf" srcId="{A5FE8028-4E09-4FF0-8590-D1F72CE85571}" destId="{1DE03F44-B3B3-4161-B322-B57893F66CE7}" srcOrd="0" destOrd="0" presId="urn:microsoft.com/office/officeart/2005/8/layout/architecture"/>
+    <dgm:cxn modelId="{9D2A206E-365D-4D6D-94F3-A71EAF9B6E2A}" srcId="{EB83D27C-C543-41E5-9CA6-6EC4FA2443F2}" destId="{0A7D3160-FEFA-4373-B54C-460EDB11B289}" srcOrd="0" destOrd="0" parTransId="{80745199-284D-42E2-93E2-7918F39D8A76}" sibTransId="{A6D8398E-54E9-4FC1-B924-874E87172781}"/>
+    <dgm:cxn modelId="{37FAC365-C5FF-413B-A2F2-E2114666E7AB}" srcId="{0A7D3160-FEFA-4373-B54C-460EDB11B289}" destId="{EE8AB0E6-5BCB-4815-8CEB-1BEF52836400}" srcOrd="1" destOrd="0" parTransId="{DD782FC7-8D99-40C0-801F-DAB610E55845}" sibTransId="{04EE126D-9974-41FC-AC5E-B31F4FB7F5EC}"/>
+    <dgm:cxn modelId="{C77BFE25-4F2E-4035-A5EA-46A9E8CDD295}" type="presOf" srcId="{F43EF9CF-84B4-4AEF-ABAB-32140D173B6B}" destId="{5CCE0927-2A9E-4E3A-924F-6587EAF26610}" srcOrd="0" destOrd="0" presId="urn:microsoft.com/office/officeart/2005/8/layout/architecture"/>
+    <dgm:cxn modelId="{036F017A-B8AC-4CEA-875A-02709B76D1C8}" type="presOf" srcId="{EE8AB0E6-5BCB-4815-8CEB-1BEF52836400}" destId="{594D953B-11A8-43F5-A23F-53736AD999BD}" srcOrd="0" destOrd="0" presId="urn:microsoft.com/office/officeart/2005/8/layout/architecture"/>
+    <dgm:cxn modelId="{9775EBA3-3089-40D2-9B3A-41EFB203792A}" type="presOf" srcId="{F53C1435-BF94-42E1-8937-473F872855A2}" destId="{61A3D408-B13D-4AE4-9556-A18D497C76AC}" srcOrd="0" destOrd="0" presId="urn:microsoft.com/office/officeart/2005/8/layout/architecture"/>
+    <dgm:cxn modelId="{F63D07EA-1DEE-4D1A-BE86-12924915DC2C}" type="presOf" srcId="{9448F2D2-AFC9-46CF-ADF7-A00A7991DFAF}" destId="{83728475-A0E6-41C2-AC3A-1D9644FD95C7}" srcOrd="0" destOrd="0" presId="urn:microsoft.com/office/officeart/2005/8/layout/architecture"/>
+    <dgm:cxn modelId="{02E45768-1571-41CB-B45B-500C7E5CC241}" type="presOf" srcId="{D21F2BFA-854F-4E47-83B6-3F87C682F1A2}" destId="{6A310E2E-2EBC-4537-ADB5-CEF594C2971C}" srcOrd="0" destOrd="0" presId="urn:microsoft.com/office/officeart/2005/8/layout/architecture"/>
+    <dgm:cxn modelId="{7D225A3C-7870-477A-8EF8-2C672F047303}" type="presOf" srcId="{0A7D3160-FEFA-4373-B54C-460EDB11B289}" destId="{D1819ADE-2E73-4320-BF63-E3FA7DC69860}" srcOrd="0" destOrd="0" presId="urn:microsoft.com/office/officeart/2005/8/layout/architecture"/>
+    <dgm:cxn modelId="{EFD37722-5460-409E-BB68-B4831D4CC829}" srcId="{D8F82E61-3FE6-4E85-BDB7-288A2D66BD7E}" destId="{EB83D27C-C543-41E5-9CA6-6EC4FA2443F2}" srcOrd="0" destOrd="0" parTransId="{D5F78A55-195F-4830-9656-BB191B236715}" sibTransId="{3FF85790-AF0E-4582-A0EC-A35C5DC4C47C}"/>
+    <dgm:cxn modelId="{1E702BEF-347E-464E-8A08-FF7861B279DB}" type="presOf" srcId="{D8F82E61-3FE6-4E85-BDB7-288A2D66BD7E}" destId="{EEB9814A-9991-4BFD-B640-5B62D850843B}" srcOrd="0" destOrd="0" presId="urn:microsoft.com/office/officeart/2005/8/layout/architecture"/>
+    <dgm:cxn modelId="{D11811AE-D236-4F27-BB9B-010B9BCEE104}" type="presOf" srcId="{A78F1C36-C927-41AF-9A98-1C756DDD583B}" destId="{2948CD58-2F57-4D03-B71B-F4FDE068A6CF}" srcOrd="0" destOrd="0" presId="urn:microsoft.com/office/officeart/2005/8/layout/architecture"/>
+    <dgm:cxn modelId="{F73E5A65-B6B4-44B9-9090-62AB027455C2}" type="presOf" srcId="{EB83D27C-C543-41E5-9CA6-6EC4FA2443F2}" destId="{28A3D33C-CCF4-4FD4-9419-71754AB57851}" srcOrd="0" destOrd="0" presId="urn:microsoft.com/office/officeart/2005/8/layout/architecture"/>
+    <dgm:cxn modelId="{0CB2159E-90C1-4862-81C3-C387B2FFAEFC}" type="presParOf" srcId="{EEB9814A-9991-4BFD-B640-5B62D850843B}" destId="{20834E55-E907-4708-B284-5BF23E06BD6A}" srcOrd="0" destOrd="0" presId="urn:microsoft.com/office/officeart/2005/8/layout/architecture"/>
+    <dgm:cxn modelId="{B4FDAFC8-A919-4F7C-A89E-60BFA3AB1B08}" type="presParOf" srcId="{20834E55-E907-4708-B284-5BF23E06BD6A}" destId="{28A3D33C-CCF4-4FD4-9419-71754AB57851}" srcOrd="0" destOrd="0" presId="urn:microsoft.com/office/officeart/2005/8/layout/architecture"/>
+    <dgm:cxn modelId="{F1D0AB46-2533-45E7-ABE1-E147E1583645}" type="presParOf" srcId="{20834E55-E907-4708-B284-5BF23E06BD6A}" destId="{22B04D71-1164-4A77-B092-1E8C7430D6A1}" srcOrd="1" destOrd="0" presId="urn:microsoft.com/office/officeart/2005/8/layout/architecture"/>
+    <dgm:cxn modelId="{250B2364-22A5-4EA4-BBC6-6B5E43F7BCD3}" type="presParOf" srcId="{20834E55-E907-4708-B284-5BF23E06BD6A}" destId="{C43393AC-F40B-43AC-80F0-48F534D87D42}" srcOrd="2" destOrd="0" presId="urn:microsoft.com/office/officeart/2005/8/layout/architecture"/>
+    <dgm:cxn modelId="{B55D9D78-8447-4368-8200-7C04888B6899}" type="presParOf" srcId="{C43393AC-F40B-43AC-80F0-48F534D87D42}" destId="{2C121526-2F17-4B4C-8679-BD7899A05A45}" srcOrd="0" destOrd="0" presId="urn:microsoft.com/office/officeart/2005/8/layout/architecture"/>
+    <dgm:cxn modelId="{9688B267-2EE2-4490-AB50-0D889817C16E}" type="presParOf" srcId="{2C121526-2F17-4B4C-8679-BD7899A05A45}" destId="{D1819ADE-2E73-4320-BF63-E3FA7DC69860}" srcOrd="0" destOrd="0" presId="urn:microsoft.com/office/officeart/2005/8/layout/architecture"/>
+    <dgm:cxn modelId="{820541A1-3678-4AC3-97E4-A9F59D4483CA}" type="presParOf" srcId="{2C121526-2F17-4B4C-8679-BD7899A05A45}" destId="{28E28E89-C145-44A8-8AFE-7591599DB1DE}" srcOrd="1" destOrd="0" presId="urn:microsoft.com/office/officeart/2005/8/layout/architecture"/>
+    <dgm:cxn modelId="{5D41B84F-5923-44E5-932E-F68434E600FD}" type="presParOf" srcId="{2C121526-2F17-4B4C-8679-BD7899A05A45}" destId="{AE77753E-3D80-4C46-BC7E-E9FDF508EC97}" srcOrd="2" destOrd="0" presId="urn:microsoft.com/office/officeart/2005/8/layout/architecture"/>
+    <dgm:cxn modelId="{90450E20-EE56-4A7E-85CC-14115FD3A687}" type="presParOf" srcId="{AE77753E-3D80-4C46-BC7E-E9FDF508EC97}" destId="{9645A182-1C81-4211-9F10-7057110AD561}" srcOrd="0" destOrd="0" presId="urn:microsoft.com/office/officeart/2005/8/layout/architecture"/>
+    <dgm:cxn modelId="{00B6253D-EF34-40B4-A888-343D5C2B3128}" type="presParOf" srcId="{9645A182-1C81-4211-9F10-7057110AD561}" destId="{ECCE19C1-42CF-4966-B2F2-45C7B164FA73}" srcOrd="0" destOrd="0" presId="urn:microsoft.com/office/officeart/2005/8/layout/architecture"/>
+    <dgm:cxn modelId="{05C5380D-3738-4D35-A9E7-DEAC46159B33}" type="presParOf" srcId="{9645A182-1C81-4211-9F10-7057110AD561}" destId="{97D8AE25-2DBC-4166-90AB-8C041759CAD2}" srcOrd="1" destOrd="0" presId="urn:microsoft.com/office/officeart/2005/8/layout/architecture"/>
+    <dgm:cxn modelId="{49589B1C-1EE2-4C31-BAF3-1CDA80FD52A7}" type="presParOf" srcId="{9645A182-1C81-4211-9F10-7057110AD561}" destId="{01AF73C6-F82A-472A-BAE4-62DFB696E946}" srcOrd="2" destOrd="0" presId="urn:microsoft.com/office/officeart/2005/8/layout/architecture"/>
+    <dgm:cxn modelId="{DDDF0ACC-A91E-4640-8913-449240EDED18}" type="presParOf" srcId="{01AF73C6-F82A-472A-BAE4-62DFB696E946}" destId="{412E8D0F-30E1-4116-A8AD-9A3638E485BF}" srcOrd="0" destOrd="0" presId="urn:microsoft.com/office/officeart/2005/8/layout/architecture"/>
+    <dgm:cxn modelId="{2DD6DAFF-2C2C-4508-97D7-6AE5B4A89EBC}" type="presParOf" srcId="{412E8D0F-30E1-4116-A8AD-9A3638E485BF}" destId="{E67BB626-1978-4576-BBC8-8D1DB5005ED1}" srcOrd="0" destOrd="0" presId="urn:microsoft.com/office/officeart/2005/8/layout/architecture"/>
+    <dgm:cxn modelId="{98150614-1B45-4465-B297-3AC0DD0052A6}" type="presParOf" srcId="{412E8D0F-30E1-4116-A8AD-9A3638E485BF}" destId="{92D141A2-848E-47CE-9EF3-AF6A34596D80}" srcOrd="1" destOrd="0" presId="urn:microsoft.com/office/officeart/2005/8/layout/architecture"/>
+    <dgm:cxn modelId="{526500F5-50C1-4FF0-A05B-E6295C838C73}" type="presParOf" srcId="{AE77753E-3D80-4C46-BC7E-E9FDF508EC97}" destId="{319C8564-F64B-4A22-970D-8318A9A688E5}" srcOrd="1" destOrd="0" presId="urn:microsoft.com/office/officeart/2005/8/layout/architecture"/>
+    <dgm:cxn modelId="{ABC86CFA-26CE-41EF-B64F-9FFA2B98A13C}" type="presParOf" srcId="{AE77753E-3D80-4C46-BC7E-E9FDF508EC97}" destId="{F9C4DB43-448B-4846-B1A4-E7690FA431CD}" srcOrd="2" destOrd="0" presId="urn:microsoft.com/office/officeart/2005/8/layout/architecture"/>
+    <dgm:cxn modelId="{FF4AD0F5-2D8F-48BE-B121-CE0B7715D56A}" type="presParOf" srcId="{F9C4DB43-448B-4846-B1A4-E7690FA431CD}" destId="{594D953B-11A8-43F5-A23F-53736AD999BD}" srcOrd="0" destOrd="0" presId="urn:microsoft.com/office/officeart/2005/8/layout/architecture"/>
+    <dgm:cxn modelId="{71882B90-B1B1-497C-BD9F-F63BD3E0F2A1}" type="presParOf" srcId="{F9C4DB43-448B-4846-B1A4-E7690FA431CD}" destId="{B7BC224F-FBC2-4DB5-97E8-3C157E71E038}" srcOrd="1" destOrd="0" presId="urn:microsoft.com/office/officeart/2005/8/layout/architecture"/>
+    <dgm:cxn modelId="{11EAAC2E-99D8-46F4-AE4E-BE35EC591B85}" type="presParOf" srcId="{F9C4DB43-448B-4846-B1A4-E7690FA431CD}" destId="{97287DA6-2E58-441A-BA66-8CAF93D6CD06}" srcOrd="2" destOrd="0" presId="urn:microsoft.com/office/officeart/2005/8/layout/architecture"/>
+    <dgm:cxn modelId="{0160752F-EC42-4D26-BE27-606477E7F09B}" type="presParOf" srcId="{97287DA6-2E58-441A-BA66-8CAF93D6CD06}" destId="{0A8403ED-6DE2-43F5-BD21-6C814CDC3068}" srcOrd="0" destOrd="0" presId="urn:microsoft.com/office/officeart/2005/8/layout/architecture"/>
+    <dgm:cxn modelId="{F36C8543-BABC-467B-B5B9-7F5AAE2D1759}" type="presParOf" srcId="{0A8403ED-6DE2-43F5-BD21-6C814CDC3068}" destId="{25E1DF55-6969-4FDE-A694-DAB63EEE5DCD}" srcOrd="0" destOrd="0" presId="urn:microsoft.com/office/officeart/2005/8/layout/architecture"/>
+    <dgm:cxn modelId="{15682F73-BD89-420B-8824-9E7B53ABF737}" type="presParOf" srcId="{0A8403ED-6DE2-43F5-BD21-6C814CDC3068}" destId="{199245B7-828D-4B8E-9A39-4C461AD8D8F5}" srcOrd="1" destOrd="0" presId="urn:microsoft.com/office/officeart/2005/8/layout/architecture"/>
+    <dgm:cxn modelId="{09EB9857-AFE0-4B21-A83B-BB10A1C44AAA}" type="presParOf" srcId="{EEB9814A-9991-4BFD-B640-5B62D850843B}" destId="{A1DAEF44-D29D-4994-9994-7C10F2EB6284}" srcOrd="1" destOrd="0" presId="urn:microsoft.com/office/officeart/2005/8/layout/architecture"/>
+    <dgm:cxn modelId="{CAFAD723-96D9-40D9-9202-B1F300F84177}" type="presParOf" srcId="{EEB9814A-9991-4BFD-B640-5B62D850843B}" destId="{60AB9C85-4C01-4E0B-8596-7C3C790C7C04}" srcOrd="2" destOrd="0" presId="urn:microsoft.com/office/officeart/2005/8/layout/architecture"/>
+    <dgm:cxn modelId="{D37FCC0F-5958-45BA-809D-2594F44597EC}" type="presParOf" srcId="{60AB9C85-4C01-4E0B-8596-7C3C790C7C04}" destId="{1DE03F44-B3B3-4161-B322-B57893F66CE7}" srcOrd="0" destOrd="0" presId="urn:microsoft.com/office/officeart/2005/8/layout/architecture"/>
+    <dgm:cxn modelId="{BBECADF5-59E0-485A-B518-F2F28C0C0B5E}" type="presParOf" srcId="{60AB9C85-4C01-4E0B-8596-7C3C790C7C04}" destId="{BFC389E7-E18A-4D92-A5DC-3CA94417F689}" srcOrd="1" destOrd="0" presId="urn:microsoft.com/office/officeart/2005/8/layout/architecture"/>
+    <dgm:cxn modelId="{AA92EB55-FA69-424C-B8AC-75085BA60097}" type="presParOf" srcId="{60AB9C85-4C01-4E0B-8596-7C3C790C7C04}" destId="{10823695-E53B-43D4-8ADC-91F885704561}" srcOrd="2" destOrd="0" presId="urn:microsoft.com/office/officeart/2005/8/layout/architecture"/>
+    <dgm:cxn modelId="{368FEF22-DAC5-4C1B-A4CC-5B6CD612BBAD}" type="presParOf" srcId="{10823695-E53B-43D4-8ADC-91F885704561}" destId="{CD3124C0-0DAC-4D9E-ABD3-20C4E011B36E}" srcOrd="0" destOrd="0" presId="urn:microsoft.com/office/officeart/2005/8/layout/architecture"/>
+    <dgm:cxn modelId="{9D927BC0-27A9-4C6B-B9A6-44FEA080D3BE}" type="presParOf" srcId="{CD3124C0-0DAC-4D9E-ABD3-20C4E011B36E}" destId="{83728475-A0E6-41C2-AC3A-1D9644FD95C7}" srcOrd="0" destOrd="0" presId="urn:microsoft.com/office/officeart/2005/8/layout/architecture"/>
+    <dgm:cxn modelId="{19215E2E-8432-447B-BCFA-772C49B80250}" type="presParOf" srcId="{CD3124C0-0DAC-4D9E-ABD3-20C4E011B36E}" destId="{27D31D10-4A22-4286-8D88-D9BAC360E43E}" srcOrd="1" destOrd="0" presId="urn:microsoft.com/office/officeart/2005/8/layout/architecture"/>
+    <dgm:cxn modelId="{DC8918C1-4066-4907-AA41-A064ED7F373F}" type="presParOf" srcId="{CD3124C0-0DAC-4D9E-ABD3-20C4E011B36E}" destId="{FEDB206E-6904-4CD5-B33E-1BE0102771C9}" srcOrd="2" destOrd="0" presId="urn:microsoft.com/office/officeart/2005/8/layout/architecture"/>
+    <dgm:cxn modelId="{4F3DE027-8741-47D6-981D-F30E7141B6F3}" type="presParOf" srcId="{FEDB206E-6904-4CD5-B33E-1BE0102771C9}" destId="{D85C4C71-E383-4A8A-BEDB-5E05C9DE051A}" srcOrd="0" destOrd="0" presId="urn:microsoft.com/office/officeart/2005/8/layout/architecture"/>
+    <dgm:cxn modelId="{7C20582F-0563-4E38-BB40-E4A5048A8DB4}" type="presParOf" srcId="{D85C4C71-E383-4A8A-BEDB-5E05C9DE051A}" destId="{2948CD58-2F57-4D03-B71B-F4FDE068A6CF}" srcOrd="0" destOrd="0" presId="urn:microsoft.com/office/officeart/2005/8/layout/architecture"/>
+    <dgm:cxn modelId="{809459A4-DFC7-4CEB-816E-42E82956FFB8}" type="presParOf" srcId="{D85C4C71-E383-4A8A-BEDB-5E05C9DE051A}" destId="{E0CDAA83-B26F-4E23-A025-26A9E8808875}" srcOrd="1" destOrd="0" presId="urn:microsoft.com/office/officeart/2005/8/layout/architecture"/>
+    <dgm:cxn modelId="{913662A0-FEA3-43A9-B0A7-E8E9EF0A3FE4}" type="presParOf" srcId="{D85C4C71-E383-4A8A-BEDB-5E05C9DE051A}" destId="{57F07006-452C-40B7-AD2C-9C3F75EB7058}" srcOrd="2" destOrd="0" presId="urn:microsoft.com/office/officeart/2005/8/layout/architecture"/>
+    <dgm:cxn modelId="{41DC8BAA-3A57-43AF-89ED-11F43A9226CB}" type="presParOf" srcId="{57F07006-452C-40B7-AD2C-9C3F75EB7058}" destId="{CC2954EF-2241-4F38-BB0B-9A115AA28D38}" srcOrd="0" destOrd="0" presId="urn:microsoft.com/office/officeart/2005/8/layout/architecture"/>
+    <dgm:cxn modelId="{D29766DD-12E7-4400-A7C1-58206654268A}" type="presParOf" srcId="{CC2954EF-2241-4F38-BB0B-9A115AA28D38}" destId="{6A310E2E-2EBC-4537-ADB5-CEF594C2971C}" srcOrd="0" destOrd="0" presId="urn:microsoft.com/office/officeart/2005/8/layout/architecture"/>
+    <dgm:cxn modelId="{43B94C6D-31B0-4001-A5A6-347F72423CAF}" type="presParOf" srcId="{CC2954EF-2241-4F38-BB0B-9A115AA28D38}" destId="{17C17782-8EB4-4157-AB57-B24EE62A50CE}" srcOrd="1" destOrd="0" presId="urn:microsoft.com/office/officeart/2005/8/layout/architecture"/>
+    <dgm:cxn modelId="{E3036D9C-7697-4056-89EA-6E00A04FED44}" type="presParOf" srcId="{EEB9814A-9991-4BFD-B640-5B62D850843B}" destId="{4DF7CFD9-3BDF-48E9-9037-571928C9354E}" srcOrd="3" destOrd="0" presId="urn:microsoft.com/office/officeart/2005/8/layout/architecture"/>
+    <dgm:cxn modelId="{321A5A18-F63D-4561-BC9B-9782CA34A14F}" type="presParOf" srcId="{EEB9814A-9991-4BFD-B640-5B62D850843B}" destId="{283CC4E5-DCBC-4F74-950D-766A01582E34}" srcOrd="4" destOrd="0" presId="urn:microsoft.com/office/officeart/2005/8/layout/architecture"/>
+    <dgm:cxn modelId="{7F4EA851-9A11-468C-B105-05C1389EC7A5}" type="presParOf" srcId="{283CC4E5-DCBC-4F74-950D-766A01582E34}" destId="{5CCE0927-2A9E-4E3A-924F-6587EAF26610}" srcOrd="0" destOrd="0" presId="urn:microsoft.com/office/officeart/2005/8/layout/architecture"/>
+    <dgm:cxn modelId="{E071B215-B9FA-4161-B713-039A196F25C9}" type="presParOf" srcId="{283CC4E5-DCBC-4F74-950D-766A01582E34}" destId="{9E6DE7E9-1881-42C0-9EDC-6F2481C1A2AE}" srcOrd="1" destOrd="0" presId="urn:microsoft.com/office/officeart/2005/8/layout/architecture"/>
+    <dgm:cxn modelId="{2BB3B7AE-6CEC-4280-9F60-B9B46FB5EA64}" type="presParOf" srcId="{283CC4E5-DCBC-4F74-950D-766A01582E34}" destId="{6DED27D5-7B5B-46B7-9E4D-CCFCCD2E24A4}" srcOrd="2" destOrd="0" presId="urn:microsoft.com/office/officeart/2005/8/layout/architecture"/>
+    <dgm:cxn modelId="{353A4379-97A1-4A93-BC4A-E2B733D08575}" type="presParOf" srcId="{6DED27D5-7B5B-46B7-9E4D-CCFCCD2E24A4}" destId="{A7F0B85C-F4FC-4E4C-B59E-737E846DEF3B}" srcOrd="0" destOrd="0" presId="urn:microsoft.com/office/officeart/2005/8/layout/architecture"/>
+    <dgm:cxn modelId="{CF28838F-5450-4B79-9897-3E0AC282D0AC}" type="presParOf" srcId="{A7F0B85C-F4FC-4E4C-B59E-737E846DEF3B}" destId="{40EF0274-ADCF-4AD4-943B-AC6FB71D8108}" srcOrd="0" destOrd="0" presId="urn:microsoft.com/office/officeart/2005/8/layout/architecture"/>
+    <dgm:cxn modelId="{5FFD0E81-AE9F-430A-962B-4297862FF3F0}" type="presParOf" srcId="{A7F0B85C-F4FC-4E4C-B59E-737E846DEF3B}" destId="{72A5BB02-E4B6-40CB-AF92-A2DCA1491ED5}" srcOrd="1" destOrd="0" presId="urn:microsoft.com/office/officeart/2005/8/layout/architecture"/>
+    <dgm:cxn modelId="{2498DEA8-4F6C-49A1-85AF-C37CCED4802B}" type="presParOf" srcId="{A7F0B85C-F4FC-4E4C-B59E-737E846DEF3B}" destId="{FAACF353-5970-42D9-B907-EB0364D11875}" srcOrd="2" destOrd="0" presId="urn:microsoft.com/office/officeart/2005/8/layout/architecture"/>
+    <dgm:cxn modelId="{D5B9EA94-E113-4E34-9228-C90C4C2E5D22}" type="presParOf" srcId="{FAACF353-5970-42D9-B907-EB0364D11875}" destId="{01DF2B92-B76F-4102-A9DB-780E193FDA8B}" srcOrd="0" destOrd="0" presId="urn:microsoft.com/office/officeart/2005/8/layout/architecture"/>
+    <dgm:cxn modelId="{DF1152CD-73E4-4495-8A90-88DC40375E71}" type="presParOf" srcId="{01DF2B92-B76F-4102-A9DB-780E193FDA8B}" destId="{61A3D408-B13D-4AE4-9556-A18D497C76AC}" srcOrd="0" destOrd="0" presId="urn:microsoft.com/office/officeart/2005/8/layout/architecture"/>
+    <dgm:cxn modelId="{C2F7FA3D-D5F6-4ABB-AEC8-47607F3FB6FF}" type="presParOf" srcId="{01DF2B92-B76F-4102-A9DB-780E193FDA8B}" destId="{99094956-CF22-4DF1-B05E-94DDD2CE745D}" srcOrd="1" destOrd="0" presId="urn:microsoft.com/office/officeart/2005/8/layout/architecture"/>
+    <dgm:cxn modelId="{B0CE2D8D-7D16-4933-9592-466FD0CC26FB}" type="presParOf" srcId="{01DF2B92-B76F-4102-A9DB-780E193FDA8B}" destId="{FDBA9A7F-6B97-41DC-8168-B661E620C726}" srcOrd="2" destOrd="0" presId="urn:microsoft.com/office/officeart/2005/8/layout/architecture"/>
+    <dgm:cxn modelId="{2A9912C0-FFB4-4BFF-93F7-9E0ADD40E609}" type="presParOf" srcId="{FDBA9A7F-6B97-41DC-8168-B661E620C726}" destId="{FC6720B9-730B-4EBA-9650-A3C7AA651057}" srcOrd="0" destOrd="0" presId="urn:microsoft.com/office/officeart/2005/8/layout/architecture"/>
+    <dgm:cxn modelId="{07C065E9-6542-49C1-AAEA-81D764888539}" type="presParOf" srcId="{FC6720B9-730B-4EBA-9650-A3C7AA651057}" destId="{198A9F65-E99A-4453-A4D7-3EE86E5DAB91}" srcOrd="0" destOrd="0" presId="urn:microsoft.com/office/officeart/2005/8/layout/architecture"/>
+    <dgm:cxn modelId="{F5097311-D17C-4B4C-8BD9-796CD73B2944}" type="presParOf" srcId="{FC6720B9-730B-4EBA-9650-A3C7AA651057}" destId="{B441ADD5-1CB6-47B0-A3C9-72FED311A290}" srcOrd="1" destOrd="0" presId="urn:microsoft.com/office/officeart/2005/8/layout/architecture"/>
+  </dgm:cxnLst>
+  <dgm:bg/>
+  <dgm:whole/>
+  <dgm:extLst>
+    <a:ext uri="http://schemas.microsoft.com/office/drawing/2008/diagram">
+      <dsp:dataModelExt xmlns:dsp="http://schemas.microsoft.com/office/drawing/2008/diagram" relId="rId6" minVer="http://schemas.openxmlformats.org/drawingml/2006/diagram"/>
+    </a:ext>
+  </dgm:extLst>
+</dgm:dataModel>
+</file>
+
+<file path=ppt/diagrams/drawing1.xml><?xml version="1.0" encoding="utf-8"?>
+<dsp:drawing xmlns:dgm="http://schemas.openxmlformats.org/drawingml/2006/diagram" xmlns:dsp="http://schemas.microsoft.com/office/drawing/2008/diagram" xmlns:a="http://schemas.openxmlformats.org/drawingml/2006/main">
+  <dsp:spTree>
+    <dsp:nvGrpSpPr>
+      <dsp:cNvPr id="0" name=""/>
+      <dsp:cNvGrpSpPr/>
+    </dsp:nvGrpSpPr>
+    <dsp:grpSpPr/>
+    <dsp:sp modelId="{28A3D33C-CCF4-4FD4-9419-71754AB57851}">
+      <dsp:nvSpPr>
+        <dsp:cNvPr id="0" name=""/>
+        <dsp:cNvSpPr/>
+      </dsp:nvSpPr>
+      <dsp:spPr>
+        <a:xfrm>
+          <a:off x="5702" y="3339766"/>
+          <a:ext cx="4348567" cy="1010283"/>
+        </a:xfrm>
+        <a:prstGeom prst="roundRect">
+          <a:avLst>
+            <a:gd name="adj" fmla="val 10000"/>
+          </a:avLst>
+        </a:prstGeom>
+        <a:solidFill>
+          <a:schemeClr val="accent2"/>
+        </a:solidFill>
+        <a:ln w="12700" cap="flat" cmpd="sng" algn="ctr">
+          <a:solidFill>
+            <a:schemeClr val="lt1">
+              <a:hueOff val="0"/>
+              <a:satOff val="0"/>
+              <a:lumOff val="0"/>
+              <a:alphaOff val="0"/>
+            </a:schemeClr>
+          </a:solidFill>
+          <a:prstDash val="solid"/>
+          <a:miter lim="800000"/>
+        </a:ln>
+        <a:effectLst/>
+      </dsp:spPr>
+      <dsp:style>
+        <a:lnRef idx="2">
+          <a:scrgbClr r="0" g="0" b="0"/>
+        </a:lnRef>
+        <a:fillRef idx="1">
+          <a:scrgbClr r="0" g="0" b="0"/>
+        </a:fillRef>
+        <a:effectRef idx="0">
+          <a:scrgbClr r="0" g="0" b="0"/>
+        </a:effectRef>
+        <a:fontRef idx="minor">
+          <a:schemeClr val="lt1"/>
+        </a:fontRef>
+      </dsp:style>
+      <dsp:txBody>
+        <a:bodyPr spcFirstLastPara="0" vert="horz" wrap="square" lIns="167640" tIns="167640" rIns="167640" bIns="167640" numCol="1" spcCol="1270" anchor="ctr" anchorCtr="0">
+          <a:noAutofit/>
+        </a:bodyPr>
+        <a:lstStyle/>
+        <a:p>
+          <a:pPr lvl="0" algn="ctr" defTabSz="1955800">
+            <a:lnSpc>
+              <a:spcPct val="90000"/>
+            </a:lnSpc>
+            <a:spcBef>
+              <a:spcPct val="0"/>
+            </a:spcBef>
+            <a:spcAft>
+              <a:spcPct val="35000"/>
+            </a:spcAft>
+          </a:pPr>
+          <a:r>
+            <a:rPr lang="de-AT" sz="4400" kern="1200"/>
+            <a:t>Devices</a:t>
+          </a:r>
+        </a:p>
+      </dsp:txBody>
+      <dsp:txXfrm>
+        <a:off x="35292" y="3369356"/>
+        <a:ext cx="4289387" cy="951103"/>
+      </dsp:txXfrm>
+    </dsp:sp>
+    <dsp:sp modelId="{D1819ADE-2E73-4320-BF63-E3FA7DC69860}">
+      <dsp:nvSpPr>
+        <dsp:cNvPr id="0" name=""/>
+        <dsp:cNvSpPr/>
+      </dsp:nvSpPr>
+      <dsp:spPr>
+        <a:xfrm>
+          <a:off x="5702" y="2226940"/>
+          <a:ext cx="4348567" cy="1010283"/>
+        </a:xfrm>
+        <a:prstGeom prst="roundRect">
+          <a:avLst>
+            <a:gd name="adj" fmla="val 10000"/>
+          </a:avLst>
+        </a:prstGeom>
+        <a:solidFill>
+          <a:schemeClr val="accent3">
+            <a:hueOff val="0"/>
+            <a:satOff val="0"/>
+            <a:lumOff val="0"/>
+            <a:alphaOff val="0"/>
+          </a:schemeClr>
+        </a:solidFill>
+        <a:ln w="12700" cap="flat" cmpd="sng" algn="ctr">
+          <a:solidFill>
+            <a:schemeClr val="lt1">
+              <a:hueOff val="0"/>
+              <a:satOff val="0"/>
+              <a:lumOff val="0"/>
+              <a:alphaOff val="0"/>
+            </a:schemeClr>
+          </a:solidFill>
+          <a:prstDash val="solid"/>
+          <a:miter lim="800000"/>
+        </a:ln>
+        <a:effectLst/>
+      </dsp:spPr>
+      <dsp:style>
+        <a:lnRef idx="2">
+          <a:scrgbClr r="0" g="0" b="0"/>
+        </a:lnRef>
+        <a:fillRef idx="1">
+          <a:scrgbClr r="0" g="0" b="0"/>
+        </a:fillRef>
+        <a:effectRef idx="0">
+          <a:scrgbClr r="0" g="0" b="0"/>
+        </a:effectRef>
+        <a:fontRef idx="minor">
+          <a:schemeClr val="lt1"/>
+        </a:fontRef>
+      </dsp:style>
+      <dsp:txBody>
+        <a:bodyPr spcFirstLastPara="0" vert="horz" wrap="square" lIns="167640" tIns="167640" rIns="167640" bIns="167640" numCol="1" spcCol="1270" anchor="ctr" anchorCtr="0">
+          <a:noAutofit/>
+        </a:bodyPr>
+        <a:lstStyle/>
+        <a:p>
+          <a:pPr lvl="0" algn="ctr" defTabSz="1955800">
+            <a:lnSpc>
+              <a:spcPct val="90000"/>
+            </a:lnSpc>
+            <a:spcBef>
+              <a:spcPct val="0"/>
+            </a:spcBef>
+            <a:spcAft>
+              <a:spcPct val="35000"/>
+            </a:spcAft>
+          </a:pPr>
+          <a:r>
+            <a:rPr lang="de-AT" sz="4400" kern="1200"/>
+            <a:t>Core</a:t>
+          </a:r>
+        </a:p>
+      </dsp:txBody>
+      <dsp:txXfrm>
+        <a:off x="35292" y="2256530"/>
+        <a:ext cx="4289387" cy="951103"/>
+      </dsp:txXfrm>
+    </dsp:sp>
+    <dsp:sp modelId="{ECCE19C1-42CF-4966-B2F2-45C7B164FA73}">
+      <dsp:nvSpPr>
+        <dsp:cNvPr id="0" name=""/>
+        <dsp:cNvSpPr/>
+      </dsp:nvSpPr>
+      <dsp:spPr>
+        <a:xfrm>
+          <a:off x="5702" y="1114113"/>
+          <a:ext cx="2129563" cy="1010283"/>
+        </a:xfrm>
+        <a:prstGeom prst="roundRect">
+          <a:avLst>
+            <a:gd name="adj" fmla="val 10000"/>
+          </a:avLst>
+        </a:prstGeom>
+        <a:solidFill>
+          <a:schemeClr val="accent4">
+            <a:hueOff val="0"/>
+            <a:satOff val="0"/>
+            <a:lumOff val="0"/>
+            <a:alphaOff val="0"/>
+          </a:schemeClr>
+        </a:solidFill>
+        <a:ln w="12700" cap="flat" cmpd="sng" algn="ctr">
+          <a:solidFill>
+            <a:schemeClr val="lt1">
+              <a:hueOff val="0"/>
+              <a:satOff val="0"/>
+              <a:lumOff val="0"/>
+              <a:alphaOff val="0"/>
+            </a:schemeClr>
+          </a:solidFill>
+          <a:prstDash val="solid"/>
+          <a:miter lim="800000"/>
+        </a:ln>
+        <a:effectLst/>
+      </dsp:spPr>
+      <dsp:style>
+        <a:lnRef idx="2">
+          <a:scrgbClr r="0" g="0" b="0"/>
+        </a:lnRef>
+        <a:fillRef idx="1">
+          <a:scrgbClr r="0" g="0" b="0"/>
+        </a:fillRef>
+        <a:effectRef idx="0">
+          <a:scrgbClr r="0" g="0" b="0"/>
+        </a:effectRef>
+        <a:fontRef idx="minor">
+          <a:schemeClr val="lt1"/>
+        </a:fontRef>
+      </dsp:style>
+      <dsp:txBody>
+        <a:bodyPr spcFirstLastPara="0" vert="horz" wrap="square" lIns="99060" tIns="99060" rIns="99060" bIns="99060" numCol="1" spcCol="1270" anchor="ctr" anchorCtr="0">
+          <a:noAutofit/>
+        </a:bodyPr>
+        <a:lstStyle/>
+        <a:p>
+          <a:pPr lvl="0" algn="ctr" defTabSz="1155700">
+            <a:lnSpc>
+              <a:spcPct val="90000"/>
+            </a:lnSpc>
+            <a:spcBef>
+              <a:spcPct val="0"/>
+            </a:spcBef>
+            <a:spcAft>
+              <a:spcPct val="35000"/>
+            </a:spcAft>
+          </a:pPr>
+          <a:r>
+            <a:rPr lang="de-AT" sz="2600" kern="1200"/>
+            <a:t>Physics Hand</a:t>
+          </a:r>
+        </a:p>
+      </dsp:txBody>
+      <dsp:txXfrm>
+        <a:off x="35292" y="1143703"/>
+        <a:ext cx="2070383" cy="951103"/>
+      </dsp:txXfrm>
+    </dsp:sp>
+    <dsp:sp modelId="{E67BB626-1978-4576-BBC8-8D1DB5005ED1}">
+      <dsp:nvSpPr>
+        <dsp:cNvPr id="0" name=""/>
+        <dsp:cNvSpPr/>
+      </dsp:nvSpPr>
+      <dsp:spPr>
+        <a:xfrm>
+          <a:off x="5702" y="1287"/>
+          <a:ext cx="2129563" cy="1010283"/>
+        </a:xfrm>
+        <a:prstGeom prst="roundRect">
+          <a:avLst>
+            <a:gd name="adj" fmla="val 10000"/>
+          </a:avLst>
+        </a:prstGeom>
+        <a:solidFill>
+          <a:schemeClr val="accent5">
+            <a:hueOff val="0"/>
+            <a:satOff val="0"/>
+            <a:lumOff val="0"/>
+            <a:alphaOff val="0"/>
+          </a:schemeClr>
+        </a:solidFill>
+        <a:ln w="12700" cap="flat" cmpd="sng" algn="ctr">
+          <a:solidFill>
+            <a:schemeClr val="lt1">
+              <a:hueOff val="0"/>
+              <a:satOff val="0"/>
+              <a:lumOff val="0"/>
+              <a:alphaOff val="0"/>
+            </a:schemeClr>
+          </a:solidFill>
+          <a:prstDash val="solid"/>
+          <a:miter lim="800000"/>
+        </a:ln>
+        <a:effectLst/>
+      </dsp:spPr>
+      <dsp:style>
+        <a:lnRef idx="2">
+          <a:scrgbClr r="0" g="0" b="0"/>
+        </a:lnRef>
+        <a:fillRef idx="1">
+          <a:scrgbClr r="0" g="0" b="0"/>
+        </a:fillRef>
+        <a:effectRef idx="0">
+          <a:scrgbClr r="0" g="0" b="0"/>
+        </a:effectRef>
+        <a:fontRef idx="minor">
+          <a:schemeClr val="lt1"/>
+        </a:fontRef>
+      </dsp:style>
+      <dsp:txBody>
+        <a:bodyPr spcFirstLastPara="0" vert="horz" wrap="square" lIns="99060" tIns="99060" rIns="99060" bIns="99060" numCol="1" spcCol="1270" anchor="ctr" anchorCtr="0">
+          <a:noAutofit/>
+        </a:bodyPr>
+        <a:lstStyle/>
+        <a:p>
+          <a:pPr lvl="0" algn="ctr" defTabSz="1155700">
+            <a:lnSpc>
+              <a:spcPct val="90000"/>
+            </a:lnSpc>
+            <a:spcBef>
+              <a:spcPct val="0"/>
+            </a:spcBef>
+            <a:spcAft>
+              <a:spcPct val="35000"/>
+            </a:spcAft>
+          </a:pPr>
+          <a:r>
+            <a:rPr lang="de-AT" sz="2600" kern="1200" dirty="0"/>
+            <a:t>Hand </a:t>
+          </a:r>
+          <a:r>
+            <a:rPr lang="de-AT" sz="2600" kern="1200" dirty="0" err="1"/>
+            <a:t>Renderer</a:t>
+          </a:r>
+          <a:endParaRPr lang="de-AT" sz="2600" kern="1200" dirty="0"/>
+        </a:p>
+      </dsp:txBody>
+      <dsp:txXfrm>
+        <a:off x="35292" y="30877"/>
+        <a:ext cx="2070383" cy="951103"/>
+      </dsp:txXfrm>
+    </dsp:sp>
+    <dsp:sp modelId="{594D953B-11A8-43F5-A23F-53736AD999BD}">
+      <dsp:nvSpPr>
+        <dsp:cNvPr id="0" name=""/>
+        <dsp:cNvSpPr/>
+      </dsp:nvSpPr>
+      <dsp:spPr>
+        <a:xfrm>
+          <a:off x="2224707" y="1114113"/>
+          <a:ext cx="2129563" cy="1010283"/>
+        </a:xfrm>
+        <a:prstGeom prst="roundRect">
+          <a:avLst>
+            <a:gd name="adj" fmla="val 10000"/>
+          </a:avLst>
+        </a:prstGeom>
+        <a:solidFill>
+          <a:schemeClr val="accent4">
+            <a:hueOff val="0"/>
+            <a:satOff val="0"/>
+            <a:lumOff val="0"/>
+            <a:alphaOff val="0"/>
+          </a:schemeClr>
+        </a:solidFill>
+        <a:ln w="12700" cap="flat" cmpd="sng" algn="ctr">
+          <a:solidFill>
+            <a:schemeClr val="lt1">
+              <a:hueOff val="0"/>
+              <a:satOff val="0"/>
+              <a:lumOff val="0"/>
+              <a:alphaOff val="0"/>
+            </a:schemeClr>
+          </a:solidFill>
+          <a:prstDash val="solid"/>
+          <a:miter lim="800000"/>
+        </a:ln>
+        <a:effectLst/>
+      </dsp:spPr>
+      <dsp:style>
+        <a:lnRef idx="2">
+          <a:scrgbClr r="0" g="0" b="0"/>
+        </a:lnRef>
+        <a:fillRef idx="1">
+          <a:scrgbClr r="0" g="0" b="0"/>
+        </a:fillRef>
+        <a:effectRef idx="0">
+          <a:scrgbClr r="0" g="0" b="0"/>
+        </a:effectRef>
+        <a:fontRef idx="minor">
+          <a:schemeClr val="lt1"/>
+        </a:fontRef>
+      </dsp:style>
+      <dsp:txBody>
+        <a:bodyPr spcFirstLastPara="0" vert="horz" wrap="square" lIns="99060" tIns="99060" rIns="99060" bIns="99060" numCol="1" spcCol="1270" anchor="ctr" anchorCtr="0">
+          <a:noAutofit/>
+        </a:bodyPr>
+        <a:lstStyle/>
+        <a:p>
+          <a:pPr lvl="0" algn="ctr" defTabSz="1155700">
+            <a:lnSpc>
+              <a:spcPct val="90000"/>
+            </a:lnSpc>
+            <a:spcBef>
+              <a:spcPct val="0"/>
+            </a:spcBef>
+            <a:spcAft>
+              <a:spcPct val="35000"/>
+            </a:spcAft>
+          </a:pPr>
+          <a:r>
+            <a:rPr lang="de-AT" sz="2600" kern="1200"/>
+            <a:t>Physics World</a:t>
+          </a:r>
+        </a:p>
+      </dsp:txBody>
+      <dsp:txXfrm>
+        <a:off x="2254297" y="1143703"/>
+        <a:ext cx="2070383" cy="951103"/>
+      </dsp:txXfrm>
+    </dsp:sp>
+    <dsp:sp modelId="{25E1DF55-6969-4FDE-A694-DAB63EEE5DCD}">
+      <dsp:nvSpPr>
+        <dsp:cNvPr id="0" name=""/>
+        <dsp:cNvSpPr/>
+      </dsp:nvSpPr>
+      <dsp:spPr>
+        <a:xfrm>
+          <a:off x="2224707" y="1287"/>
+          <a:ext cx="2129563" cy="1010283"/>
+        </a:xfrm>
+        <a:prstGeom prst="roundRect">
+          <a:avLst>
+            <a:gd name="adj" fmla="val 10000"/>
+          </a:avLst>
+        </a:prstGeom>
+        <a:solidFill>
+          <a:schemeClr val="accent5">
+            <a:hueOff val="0"/>
+            <a:satOff val="0"/>
+            <a:lumOff val="0"/>
+            <a:alphaOff val="0"/>
+          </a:schemeClr>
+        </a:solidFill>
+        <a:ln w="12700" cap="flat" cmpd="sng" algn="ctr">
+          <a:solidFill>
+            <a:schemeClr val="lt1">
+              <a:hueOff val="0"/>
+              <a:satOff val="0"/>
+              <a:lumOff val="0"/>
+              <a:alphaOff val="0"/>
+            </a:schemeClr>
+          </a:solidFill>
+          <a:prstDash val="solid"/>
+          <a:miter lim="800000"/>
+        </a:ln>
+        <a:effectLst/>
+      </dsp:spPr>
+      <dsp:style>
+        <a:lnRef idx="2">
+          <a:scrgbClr r="0" g="0" b="0"/>
+        </a:lnRef>
+        <a:fillRef idx="1">
+          <a:scrgbClr r="0" g="0" b="0"/>
+        </a:fillRef>
+        <a:effectRef idx="0">
+          <a:scrgbClr r="0" g="0" b="0"/>
+        </a:effectRef>
+        <a:fontRef idx="minor">
+          <a:schemeClr val="lt1"/>
+        </a:fontRef>
+      </dsp:style>
+      <dsp:txBody>
+        <a:bodyPr spcFirstLastPara="0" vert="horz" wrap="square" lIns="99060" tIns="99060" rIns="99060" bIns="99060" numCol="1" spcCol="1270" anchor="ctr" anchorCtr="0">
+          <a:noAutofit/>
+        </a:bodyPr>
+        <a:lstStyle/>
+        <a:p>
+          <a:pPr lvl="0" algn="ctr" defTabSz="1155700">
+            <a:lnSpc>
+              <a:spcPct val="90000"/>
+            </a:lnSpc>
+            <a:spcBef>
+              <a:spcPct val="0"/>
+            </a:spcBef>
+            <a:spcAft>
+              <a:spcPct val="35000"/>
+            </a:spcAft>
+          </a:pPr>
+          <a:r>
+            <a:rPr lang="de-AT" sz="2600" kern="1200"/>
+            <a:t>World Renderer</a:t>
+          </a:r>
+        </a:p>
+      </dsp:txBody>
+      <dsp:txXfrm>
+        <a:off x="2254297" y="30877"/>
+        <a:ext cx="2070383" cy="951103"/>
+      </dsp:txXfrm>
+    </dsp:sp>
+    <dsp:sp modelId="{1DE03F44-B3B3-4161-B322-B57893F66CE7}">
+      <dsp:nvSpPr>
+        <dsp:cNvPr id="0" name=""/>
+        <dsp:cNvSpPr/>
+      </dsp:nvSpPr>
+      <dsp:spPr>
+        <a:xfrm>
+          <a:off x="4712037" y="3339766"/>
+          <a:ext cx="681630" cy="1010283"/>
+        </a:xfrm>
+        <a:prstGeom prst="roundRect">
+          <a:avLst>
+            <a:gd name="adj" fmla="val 10000"/>
+          </a:avLst>
+        </a:prstGeom>
+        <a:noFill/>
+        <a:ln w="12700" cap="flat" cmpd="sng" algn="ctr">
+          <a:solidFill>
+            <a:schemeClr val="lt1">
+              <a:hueOff val="0"/>
+              <a:satOff val="0"/>
+              <a:lumOff val="0"/>
+              <a:alphaOff val="0"/>
+            </a:schemeClr>
+          </a:solidFill>
+          <a:prstDash val="solid"/>
+          <a:miter lim="800000"/>
+        </a:ln>
+        <a:effectLst/>
+      </dsp:spPr>
+      <dsp:style>
+        <a:lnRef idx="2">
+          <a:scrgbClr r="0" g="0" b="0"/>
+        </a:lnRef>
+        <a:fillRef idx="1">
+          <a:scrgbClr r="0" g="0" b="0"/>
+        </a:fillRef>
+        <a:effectRef idx="0">
+          <a:scrgbClr r="0" g="0" b="0"/>
+        </a:effectRef>
+        <a:fontRef idx="minor">
+          <a:schemeClr val="lt1"/>
+        </a:fontRef>
+      </dsp:style>
+      <dsp:txBody>
+        <a:bodyPr spcFirstLastPara="0" vert="horz" wrap="square" lIns="152400" tIns="152400" rIns="152400" bIns="152400" numCol="1" spcCol="1270" anchor="ctr" anchorCtr="0">
+          <a:noAutofit/>
+        </a:bodyPr>
+        <a:lstStyle/>
+        <a:p>
+          <a:pPr lvl="0" algn="ctr" defTabSz="1778000">
+            <a:lnSpc>
+              <a:spcPct val="90000"/>
+            </a:lnSpc>
+            <a:spcBef>
+              <a:spcPct val="0"/>
+            </a:spcBef>
+            <a:spcAft>
+              <a:spcPct val="35000"/>
+            </a:spcAft>
+          </a:pPr>
+          <a:r>
+            <a:rPr lang="de-AT" sz="4000" b="1" kern="1200" dirty="0">
+              <a:solidFill>
+                <a:schemeClr val="tx1"/>
+              </a:solidFill>
+              <a:sym typeface="Symbol" panose="05050102010706020507" pitchFamily="18" charset="2"/>
+            </a:rPr>
+            <a:t></a:t>
+          </a:r>
+          <a:r>
+            <a:rPr lang="de-AT" sz="4000" b="1" kern="1200" dirty="0">
+              <a:solidFill>
+                <a:schemeClr val="tx1"/>
+              </a:solidFill>
+            </a:rPr>
+            <a:t> </a:t>
+          </a:r>
+        </a:p>
+      </dsp:txBody>
+      <dsp:txXfrm>
+        <a:off x="4732001" y="3359730"/>
+        <a:ext cx="641702" cy="970355"/>
+      </dsp:txXfrm>
+    </dsp:sp>
+    <dsp:sp modelId="{83728475-A0E6-41C2-AC3A-1D9644FD95C7}">
+      <dsp:nvSpPr>
+        <dsp:cNvPr id="0" name=""/>
+        <dsp:cNvSpPr/>
+      </dsp:nvSpPr>
+      <dsp:spPr>
+        <a:xfrm>
+          <a:off x="4712369" y="2226940"/>
+          <a:ext cx="680964" cy="1010283"/>
+        </a:xfrm>
+        <a:prstGeom prst="roundRect">
+          <a:avLst>
+            <a:gd name="adj" fmla="val 10000"/>
+          </a:avLst>
+        </a:prstGeom>
+        <a:noFill/>
+        <a:ln w="12700" cap="flat" cmpd="sng" algn="ctr">
+          <a:solidFill>
+            <a:schemeClr val="lt1">
+              <a:hueOff val="0"/>
+              <a:satOff val="0"/>
+              <a:lumOff val="0"/>
+              <a:alphaOff val="0"/>
+            </a:schemeClr>
+          </a:solidFill>
+          <a:prstDash val="solid"/>
+          <a:miter lim="800000"/>
+        </a:ln>
+        <a:effectLst/>
+      </dsp:spPr>
+      <dsp:style>
+        <a:lnRef idx="2">
+          <a:scrgbClr r="0" g="0" b="0"/>
+        </a:lnRef>
+        <a:fillRef idx="1">
+          <a:scrgbClr r="0" g="0" b="0"/>
+        </a:fillRef>
+        <a:effectRef idx="0">
+          <a:scrgbClr r="0" g="0" b="0"/>
+        </a:effectRef>
+        <a:fontRef idx="minor">
+          <a:schemeClr val="lt1"/>
+        </a:fontRef>
+      </dsp:style>
+      <dsp:txBody>
+        <a:bodyPr spcFirstLastPara="0" vert="horz" wrap="square" lIns="68580" tIns="68580" rIns="68580" bIns="68580" numCol="1" spcCol="1270" anchor="ctr" anchorCtr="0">
+          <a:noAutofit/>
+        </a:bodyPr>
+        <a:lstStyle/>
+        <a:p>
+          <a:pPr lvl="0" algn="ctr" defTabSz="800100">
+            <a:lnSpc>
+              <a:spcPct val="90000"/>
+            </a:lnSpc>
+            <a:spcBef>
+              <a:spcPct val="0"/>
+            </a:spcBef>
+            <a:spcAft>
+              <a:spcPct val="35000"/>
+            </a:spcAft>
+          </a:pPr>
+          <a:endParaRPr lang="de-AT" sz="1800" b="1" kern="1200">
+            <a:solidFill>
+              <a:schemeClr val="tx1"/>
+            </a:solidFill>
+          </a:endParaRPr>
+        </a:p>
+      </dsp:txBody>
+      <dsp:txXfrm>
+        <a:off x="4732314" y="2246885"/>
+        <a:ext cx="641074" cy="970393"/>
+      </dsp:txXfrm>
+    </dsp:sp>
+    <dsp:sp modelId="{2948CD58-2F57-4D03-B71B-F4FDE068A6CF}">
+      <dsp:nvSpPr>
+        <dsp:cNvPr id="0" name=""/>
+        <dsp:cNvSpPr/>
+      </dsp:nvSpPr>
+      <dsp:spPr>
+        <a:xfrm>
+          <a:off x="4713034" y="1114113"/>
+          <a:ext cx="679635" cy="1010283"/>
+        </a:xfrm>
+        <a:prstGeom prst="roundRect">
+          <a:avLst>
+            <a:gd name="adj" fmla="val 10000"/>
+          </a:avLst>
+        </a:prstGeom>
+        <a:noFill/>
+        <a:ln w="12700" cap="flat" cmpd="sng" algn="ctr">
+          <a:solidFill>
+            <a:schemeClr val="lt1">
+              <a:hueOff val="0"/>
+              <a:satOff val="0"/>
+              <a:lumOff val="0"/>
+              <a:alphaOff val="0"/>
+            </a:schemeClr>
+          </a:solidFill>
+          <a:prstDash val="solid"/>
+          <a:miter lim="800000"/>
+        </a:ln>
+        <a:effectLst/>
+      </dsp:spPr>
+      <dsp:style>
+        <a:lnRef idx="2">
+          <a:scrgbClr r="0" g="0" b="0"/>
+        </a:lnRef>
+        <a:fillRef idx="1">
+          <a:scrgbClr r="0" g="0" b="0"/>
+        </a:fillRef>
+        <a:effectRef idx="0">
+          <a:scrgbClr r="0" g="0" b="0"/>
+        </a:effectRef>
+        <a:fontRef idx="minor">
+          <a:schemeClr val="lt1"/>
+        </a:fontRef>
+      </dsp:style>
+      <dsp:txBody>
+        <a:bodyPr spcFirstLastPara="0" vert="horz" wrap="square" lIns="152400" tIns="152400" rIns="152400" bIns="152400" numCol="1" spcCol="1270" anchor="ctr" anchorCtr="0">
+          <a:noAutofit/>
+        </a:bodyPr>
+        <a:lstStyle/>
+        <a:p>
+          <a:pPr lvl="0" algn="ctr" defTabSz="1778000">
+            <a:lnSpc>
+              <a:spcPct val="90000"/>
+            </a:lnSpc>
+            <a:spcBef>
+              <a:spcPct val="0"/>
+            </a:spcBef>
+            <a:spcAft>
+              <a:spcPct val="35000"/>
+            </a:spcAft>
+          </a:pPr>
+          <a:r>
+            <a:rPr lang="de-AT" sz="4000" b="1" kern="1200" dirty="0">
+              <a:solidFill>
+                <a:schemeClr val="tx1"/>
+              </a:solidFill>
+              <a:sym typeface="Symbol" panose="05050102010706020507" pitchFamily="18" charset="2"/>
+            </a:rPr>
+            <a:t></a:t>
+          </a:r>
+          <a:endParaRPr lang="de-AT" sz="4000" b="1" kern="1200" dirty="0">
+            <a:solidFill>
+              <a:schemeClr val="tx1"/>
+            </a:solidFill>
+          </a:endParaRPr>
+        </a:p>
+      </dsp:txBody>
+      <dsp:txXfrm>
+        <a:off x="4732940" y="1134019"/>
+        <a:ext cx="639823" cy="970471"/>
+      </dsp:txXfrm>
+    </dsp:sp>
+    <dsp:sp modelId="{6A310E2E-2EBC-4537-ADB5-CEF594C2971C}">
+      <dsp:nvSpPr>
+        <dsp:cNvPr id="0" name=""/>
+        <dsp:cNvSpPr/>
+      </dsp:nvSpPr>
+      <dsp:spPr>
+        <a:xfrm>
+          <a:off x="4713034" y="1287"/>
+          <a:ext cx="679635" cy="1010283"/>
+        </a:xfrm>
+        <a:prstGeom prst="roundRect">
+          <a:avLst>
+            <a:gd name="adj" fmla="val 10000"/>
+          </a:avLst>
+        </a:prstGeom>
+        <a:noFill/>
+        <a:ln w="12700" cap="flat" cmpd="sng" algn="ctr">
+          <a:solidFill>
+            <a:schemeClr val="lt1">
+              <a:hueOff val="0"/>
+              <a:satOff val="0"/>
+              <a:lumOff val="0"/>
+              <a:alphaOff val="0"/>
+            </a:schemeClr>
+          </a:solidFill>
+          <a:prstDash val="solid"/>
+          <a:miter lim="800000"/>
+        </a:ln>
+        <a:effectLst/>
+      </dsp:spPr>
+      <dsp:style>
+        <a:lnRef idx="2">
+          <a:scrgbClr r="0" g="0" b="0"/>
+        </a:lnRef>
+        <a:fillRef idx="1">
+          <a:scrgbClr r="0" g="0" b="0"/>
+        </a:fillRef>
+        <a:effectRef idx="0">
+          <a:scrgbClr r="0" g="0" b="0"/>
+        </a:effectRef>
+        <a:fontRef idx="minor">
+          <a:schemeClr val="lt1"/>
+        </a:fontRef>
+      </dsp:style>
+      <dsp:txBody>
+        <a:bodyPr spcFirstLastPara="0" vert="horz" wrap="square" lIns="152400" tIns="152400" rIns="152400" bIns="152400" numCol="1" spcCol="1270" anchor="ctr" anchorCtr="0">
+          <a:noAutofit/>
+        </a:bodyPr>
+        <a:lstStyle/>
+        <a:p>
+          <a:pPr lvl="0" algn="ctr" defTabSz="1778000">
+            <a:lnSpc>
+              <a:spcPct val="90000"/>
+            </a:lnSpc>
+            <a:spcBef>
+              <a:spcPct val="0"/>
+            </a:spcBef>
+            <a:spcAft>
+              <a:spcPct val="35000"/>
+            </a:spcAft>
+          </a:pPr>
+          <a:r>
+            <a:rPr lang="de-AT" sz="4000" b="1" kern="1200" dirty="0">
+              <a:solidFill>
+                <a:schemeClr val="tx1"/>
+              </a:solidFill>
+              <a:sym typeface="Symbol" panose="05050102010706020507" pitchFamily="18" charset="2"/>
+            </a:rPr>
+            <a:t></a:t>
+          </a:r>
+          <a:endParaRPr lang="de-AT" sz="4000" b="1" kern="1200" dirty="0">
+            <a:solidFill>
+              <a:schemeClr val="tx1"/>
+            </a:solidFill>
+          </a:endParaRPr>
+        </a:p>
+      </dsp:txBody>
+      <dsp:txXfrm>
+        <a:off x="4732940" y="21193"/>
+        <a:ext cx="639823" cy="970471"/>
+      </dsp:txXfrm>
+    </dsp:sp>
+    <dsp:sp modelId="{5CCE0927-2A9E-4E3A-924F-6587EAF26610}">
+      <dsp:nvSpPr>
+        <dsp:cNvPr id="0" name=""/>
+        <dsp:cNvSpPr/>
+      </dsp:nvSpPr>
+      <dsp:spPr>
+        <a:xfrm>
+          <a:off x="5751434" y="3339766"/>
+          <a:ext cx="2129563" cy="1010283"/>
+        </a:xfrm>
+        <a:prstGeom prst="roundRect">
+          <a:avLst>
+            <a:gd name="adj" fmla="val 10000"/>
+          </a:avLst>
+        </a:prstGeom>
+        <a:solidFill>
+          <a:schemeClr val="accent2"/>
+        </a:solidFill>
+        <a:ln w="12700" cap="flat" cmpd="sng" algn="ctr">
+          <a:solidFill>
+            <a:schemeClr val="lt1">
+              <a:hueOff val="0"/>
+              <a:satOff val="0"/>
+              <a:lumOff val="0"/>
+              <a:alphaOff val="0"/>
+            </a:schemeClr>
+          </a:solidFill>
+          <a:prstDash val="solid"/>
+          <a:miter lim="800000"/>
+        </a:ln>
+        <a:effectLst/>
+      </dsp:spPr>
+      <dsp:style>
+        <a:lnRef idx="2">
+          <a:scrgbClr r="0" g="0" b="0"/>
+        </a:lnRef>
+        <a:fillRef idx="1">
+          <a:scrgbClr r="0" g="0" b="0"/>
+        </a:fillRef>
+        <a:effectRef idx="0">
+          <a:scrgbClr r="0" g="0" b="0"/>
+        </a:effectRef>
+        <a:fontRef idx="minor">
+          <a:schemeClr val="lt1"/>
+        </a:fontRef>
+      </dsp:style>
+      <dsp:txBody>
+        <a:bodyPr spcFirstLastPara="0" vert="horz" wrap="square" lIns="167640" tIns="167640" rIns="167640" bIns="167640" numCol="1" spcCol="1270" anchor="ctr" anchorCtr="0">
+          <a:noAutofit/>
+        </a:bodyPr>
+        <a:lstStyle/>
+        <a:p>
+          <a:pPr lvl="0" algn="ctr" defTabSz="1955800">
+            <a:lnSpc>
+              <a:spcPct val="90000"/>
+            </a:lnSpc>
+            <a:spcBef>
+              <a:spcPct val="0"/>
+            </a:spcBef>
+            <a:spcAft>
+              <a:spcPct val="35000"/>
+            </a:spcAft>
+          </a:pPr>
+          <a:r>
+            <a:rPr lang="de-AT" sz="4400" kern="1200">
+              <a:solidFill>
+                <a:schemeClr val="bg1"/>
+              </a:solidFill>
+            </a:rPr>
+            <a:t>Leap</a:t>
+          </a:r>
+        </a:p>
+      </dsp:txBody>
+      <dsp:txXfrm>
+        <a:off x="5781024" y="3369356"/>
+        <a:ext cx="2070383" cy="951103"/>
+      </dsp:txXfrm>
+    </dsp:sp>
+    <dsp:sp modelId="{40EF0274-ADCF-4AD4-943B-AC6FB71D8108}">
+      <dsp:nvSpPr>
+        <dsp:cNvPr id="0" name=""/>
+        <dsp:cNvSpPr/>
+      </dsp:nvSpPr>
+      <dsp:spPr>
+        <a:xfrm>
+          <a:off x="5751434" y="2226940"/>
+          <a:ext cx="2129563" cy="1010283"/>
+        </a:xfrm>
+        <a:prstGeom prst="roundRect">
+          <a:avLst>
+            <a:gd name="adj" fmla="val 10000"/>
+          </a:avLst>
+        </a:prstGeom>
+        <a:noFill/>
+        <a:ln w="12700" cap="flat" cmpd="sng" algn="ctr">
+          <a:solidFill>
+            <a:schemeClr val="lt1">
+              <a:hueOff val="0"/>
+              <a:satOff val="0"/>
+              <a:lumOff val="0"/>
+              <a:alphaOff val="0"/>
+            </a:schemeClr>
+          </a:solidFill>
+          <a:prstDash val="solid"/>
+          <a:miter lim="800000"/>
+        </a:ln>
+        <a:effectLst/>
+      </dsp:spPr>
+      <dsp:style>
+        <a:lnRef idx="2">
+          <a:scrgbClr r="0" g="0" b="0"/>
+        </a:lnRef>
+        <a:fillRef idx="1">
+          <a:scrgbClr r="0" g="0" b="0"/>
+        </a:fillRef>
+        <a:effectRef idx="0">
+          <a:scrgbClr r="0" g="0" b="0"/>
+        </a:effectRef>
+        <a:fontRef idx="minor">
+          <a:schemeClr val="lt1"/>
+        </a:fontRef>
+      </dsp:style>
+      <dsp:txBody>
+        <a:bodyPr spcFirstLastPara="0" vert="horz" wrap="square" lIns="167640" tIns="167640" rIns="167640" bIns="167640" numCol="1" spcCol="1270" anchor="ctr" anchorCtr="0">
+          <a:noAutofit/>
+        </a:bodyPr>
+        <a:lstStyle/>
+        <a:p>
+          <a:pPr lvl="0" algn="ctr" defTabSz="1955800">
+            <a:lnSpc>
+              <a:spcPct val="90000"/>
+            </a:lnSpc>
+            <a:spcBef>
+              <a:spcPct val="0"/>
+            </a:spcBef>
+            <a:spcAft>
+              <a:spcPct val="35000"/>
+            </a:spcAft>
+          </a:pPr>
+          <a:r>
+            <a:rPr lang="de-AT" sz="4400" kern="1200">
+              <a:noFill/>
+            </a:rPr>
+            <a:t> </a:t>
+          </a:r>
+        </a:p>
+      </dsp:txBody>
+      <dsp:txXfrm>
+        <a:off x="5781024" y="2256530"/>
+        <a:ext cx="2070383" cy="951103"/>
+      </dsp:txXfrm>
+    </dsp:sp>
+    <dsp:sp modelId="{61A3D408-B13D-4AE4-9556-A18D497C76AC}">
+      <dsp:nvSpPr>
+        <dsp:cNvPr id="0" name=""/>
+        <dsp:cNvSpPr/>
+      </dsp:nvSpPr>
+      <dsp:spPr>
+        <a:xfrm>
+          <a:off x="5751434" y="1114113"/>
+          <a:ext cx="2129563" cy="1010283"/>
+        </a:xfrm>
+        <a:prstGeom prst="roundRect">
+          <a:avLst>
+            <a:gd name="adj" fmla="val 10000"/>
+          </a:avLst>
+        </a:prstGeom>
+        <a:solidFill>
+          <a:schemeClr val="accent4">
+            <a:hueOff val="0"/>
+            <a:satOff val="0"/>
+            <a:lumOff val="0"/>
+            <a:alphaOff val="0"/>
+          </a:schemeClr>
+        </a:solidFill>
+        <a:ln w="12700" cap="flat" cmpd="sng" algn="ctr">
+          <a:solidFill>
+            <a:schemeClr val="lt1">
+              <a:hueOff val="0"/>
+              <a:satOff val="0"/>
+              <a:lumOff val="0"/>
+              <a:alphaOff val="0"/>
+            </a:schemeClr>
+          </a:solidFill>
+          <a:prstDash val="solid"/>
+          <a:miter lim="800000"/>
+        </a:ln>
+        <a:effectLst/>
+      </dsp:spPr>
+      <dsp:style>
+        <a:lnRef idx="2">
+          <a:scrgbClr r="0" g="0" b="0"/>
+        </a:lnRef>
+        <a:fillRef idx="1">
+          <a:scrgbClr r="0" g="0" b="0"/>
+        </a:fillRef>
+        <a:effectRef idx="0">
+          <a:scrgbClr r="0" g="0" b="0"/>
+        </a:effectRef>
+        <a:fontRef idx="minor">
+          <a:schemeClr val="lt1"/>
+        </a:fontRef>
+      </dsp:style>
+      <dsp:txBody>
+        <a:bodyPr spcFirstLastPara="0" vert="horz" wrap="square" lIns="99060" tIns="99060" rIns="99060" bIns="99060" numCol="1" spcCol="1270" anchor="ctr" anchorCtr="0">
+          <a:noAutofit/>
+        </a:bodyPr>
+        <a:lstStyle/>
+        <a:p>
+          <a:pPr lvl="0" algn="ctr" defTabSz="1155700">
+            <a:lnSpc>
+              <a:spcPct val="90000"/>
+            </a:lnSpc>
+            <a:spcBef>
+              <a:spcPct val="0"/>
+            </a:spcBef>
+            <a:spcAft>
+              <a:spcPct val="35000"/>
+            </a:spcAft>
+          </a:pPr>
+          <a:r>
+            <a:rPr lang="de-AT" sz="2600" kern="1200">
+              <a:sym typeface="Symbol" panose="05050102010706020507" pitchFamily="18" charset="2"/>
+            </a:rPr>
+            <a:t>Bullet</a:t>
+          </a:r>
+          <a:endParaRPr lang="de-AT" sz="2600" kern="1200"/>
+        </a:p>
+      </dsp:txBody>
+      <dsp:txXfrm>
+        <a:off x="5781024" y="1143703"/>
+        <a:ext cx="2070383" cy="951103"/>
+      </dsp:txXfrm>
+    </dsp:sp>
+    <dsp:sp modelId="{198A9F65-E99A-4453-A4D7-3EE86E5DAB91}">
+      <dsp:nvSpPr>
+        <dsp:cNvPr id="0" name=""/>
+        <dsp:cNvSpPr/>
+      </dsp:nvSpPr>
+      <dsp:spPr>
+        <a:xfrm>
+          <a:off x="5751434" y="1287"/>
+          <a:ext cx="2129563" cy="1010283"/>
+        </a:xfrm>
+        <a:prstGeom prst="roundRect">
+          <a:avLst>
+            <a:gd name="adj" fmla="val 10000"/>
+          </a:avLst>
+        </a:prstGeom>
+        <a:solidFill>
+          <a:schemeClr val="accent5">
+            <a:hueOff val="0"/>
+            <a:satOff val="0"/>
+            <a:lumOff val="0"/>
+            <a:alphaOff val="0"/>
+          </a:schemeClr>
+        </a:solidFill>
+        <a:ln w="12700" cap="flat" cmpd="sng" algn="ctr">
+          <a:solidFill>
+            <a:schemeClr val="lt1">
+              <a:hueOff val="0"/>
+              <a:satOff val="0"/>
+              <a:lumOff val="0"/>
+              <a:alphaOff val="0"/>
+            </a:schemeClr>
+          </a:solidFill>
+          <a:prstDash val="solid"/>
+          <a:miter lim="800000"/>
+        </a:ln>
+        <a:effectLst/>
+      </dsp:spPr>
+      <dsp:style>
+        <a:lnRef idx="2">
+          <a:scrgbClr r="0" g="0" b="0"/>
+        </a:lnRef>
+        <a:fillRef idx="1">
+          <a:scrgbClr r="0" g="0" b="0"/>
+        </a:fillRef>
+        <a:effectRef idx="0">
+          <a:scrgbClr r="0" g="0" b="0"/>
+        </a:effectRef>
+        <a:fontRef idx="minor">
+          <a:schemeClr val="lt1"/>
+        </a:fontRef>
+      </dsp:style>
+      <dsp:txBody>
+        <a:bodyPr spcFirstLastPara="0" vert="horz" wrap="square" lIns="99060" tIns="99060" rIns="99060" bIns="99060" numCol="1" spcCol="1270" anchor="ctr" anchorCtr="0">
+          <a:noAutofit/>
+        </a:bodyPr>
+        <a:lstStyle/>
+        <a:p>
+          <a:pPr lvl="0" algn="ctr" defTabSz="1155700">
+            <a:lnSpc>
+              <a:spcPct val="90000"/>
+            </a:lnSpc>
+            <a:spcBef>
+              <a:spcPct val="0"/>
+            </a:spcBef>
+            <a:spcAft>
+              <a:spcPct val="35000"/>
+            </a:spcAft>
+          </a:pPr>
+          <a:r>
+            <a:rPr lang="de-AT" sz="2600" kern="1200">
+              <a:sym typeface="Symbol" panose="05050102010706020507" pitchFamily="18" charset="2"/>
+            </a:rPr>
+            <a:t>DirectX</a:t>
+          </a:r>
+          <a:endParaRPr lang="de-AT" sz="2600" kern="1200"/>
+        </a:p>
+      </dsp:txBody>
+      <dsp:txXfrm>
+        <a:off x="5781024" y="30877"/>
+        <a:ext cx="2070383" cy="951103"/>
+      </dsp:txXfrm>
+    </dsp:sp>
+  </dsp:spTree>
+</dsp:drawing>
+</file>
+
+<file path=ppt/diagrams/layout1.xml><?xml version="1.0" encoding="utf-8"?>
+<dgm:layoutDef xmlns:dgm="http://schemas.openxmlformats.org/drawingml/2006/diagram" xmlns:a="http://schemas.openxmlformats.org/drawingml/2006/main" uniqueId="urn:microsoft.com/office/officeart/2005/8/layout/architecture">
+  <dgm:title val="Architecture Layout"/>
+  <dgm:desc val="Use to show hierarchical relationships that build from the bottom up. This layout works well for showing architectural components or objects that build on other objects."/>
+  <dgm:catLst>
+    <dgm:cat type="hierarchy" pri="4500"/>
+    <dgm:cat type="list" pri="24500"/>
+    <dgm:cat type="relationship" pri="10500"/>
+    <dgm:cat type="officeonline" pri="7000"/>
+  </dgm:catLst>
+  <dgm:sampData>
+    <dgm:dataModel>
+      <dgm:ptLst>
+        <dgm:pt modelId="0" type="doc"/>
+        <dgm:pt modelId="1">
+          <dgm:prSet phldr="1"/>
+        </dgm:pt>
+        <dgm:pt modelId="2">
+          <dgm:prSet phldr="1"/>
+        </dgm:pt>
+        <dgm:pt modelId="21">
+          <dgm:prSet phldr="1"/>
+        </dgm:pt>
+        <dgm:pt modelId="22">
+          <dgm:prSet phldr="1"/>
+        </dgm:pt>
+        <dgm:pt modelId="3">
+          <dgm:prSet phldr="1"/>
+        </dgm:pt>
+        <dgm:pt modelId="31">
+          <dgm:prSet phldr="1"/>
+        </dgm:pt>
+      </dgm:ptLst>
+      <dgm:cxnLst>
+        <dgm:cxn modelId="4" srcId="0" destId="1" srcOrd="0" destOrd="0"/>
+        <dgm:cxn modelId="5" srcId="1" destId="2" srcOrd="0" destOrd="0"/>
+        <dgm:cxn modelId="6" srcId="1" destId="3" srcOrd="1" destOrd="0"/>
+        <dgm:cxn modelId="23" srcId="2" destId="21" srcOrd="0" destOrd="0"/>
+        <dgm:cxn modelId="24" srcId="2" destId="22" srcOrd="1" destOrd="0"/>
+        <dgm:cxn modelId="33" srcId="3" destId="31" srcOrd="0" destOrd="0"/>
+      </dgm:cxnLst>
+      <dgm:bg/>
+      <dgm:whole/>
+    </dgm:dataModel>
+  </dgm:sampData>
+  <dgm:styleData>
+    <dgm:dataModel>
+      <dgm:ptLst>
+        <dgm:pt modelId="0" type="doc"/>
+        <dgm:pt modelId="1"/>
+        <dgm:pt modelId="11"/>
+        <dgm:pt modelId="12"/>
+      </dgm:ptLst>
+      <dgm:cxnLst>
+        <dgm:cxn modelId="2" srcId="0" destId="1" srcOrd="0" destOrd="0"/>
+        <dgm:cxn modelId="13" srcId="1" destId="11" srcOrd="0" destOrd="0"/>
+        <dgm:cxn modelId="14" srcId="1" destId="12" srcOrd="1" destOrd="0"/>
+      </dgm:cxnLst>
+      <dgm:bg/>
+      <dgm:whole/>
+    </dgm:dataModel>
+  </dgm:styleData>
+  <dgm:clrData>
+    <dgm:dataModel>
+      <dgm:ptLst>
+        <dgm:pt modelId="0" type="doc"/>
+        <dgm:pt modelId="1"/>
+        <dgm:pt modelId="2"/>
+        <dgm:pt modelId="21"/>
+        <dgm:pt modelId="211"/>
+        <dgm:pt modelId="3"/>
+        <dgm:pt modelId="31"/>
+        <dgm:pt modelId="311"/>
+      </dgm:ptLst>
+      <dgm:cxnLst>
+        <dgm:cxn modelId="4" srcId="0" destId="1" srcOrd="0" destOrd="0"/>
+        <dgm:cxn modelId="5" srcId="1" destId="2" srcOrd="0" destOrd="0"/>
+        <dgm:cxn modelId="6" srcId="1" destId="3" srcOrd="1" destOrd="0"/>
+        <dgm:cxn modelId="23" srcId="2" destId="21" srcOrd="0" destOrd="0"/>
+        <dgm:cxn modelId="24" srcId="21" destId="211" srcOrd="0" destOrd="0"/>
+        <dgm:cxn modelId="33" srcId="3" destId="31" srcOrd="0" destOrd="0"/>
+        <dgm:cxn modelId="34" srcId="31" destId="311" srcOrd="0" destOrd="0"/>
+      </dgm:cxnLst>
+      <dgm:bg/>
+      <dgm:whole/>
+    </dgm:dataModel>
+  </dgm:clrData>
+  <dgm:layoutNode name="Name0">
+    <dgm:varLst>
+      <dgm:chPref val="1"/>
+      <dgm:dir/>
+      <dgm:animOne val="branch"/>
+      <dgm:animLvl val="lvl"/>
+      <dgm:resizeHandles/>
+    </dgm:varLst>
+    <dgm:choose name="Name1">
+      <dgm:if name="Name2" func="var" arg="dir" op="equ" val="norm">
+        <dgm:alg type="lin">
+          <dgm:param type="linDir" val="fromL"/>
+          <dgm:param type="nodeVertAlign" val="b"/>
+        </dgm:alg>
+      </dgm:if>
+      <dgm:else name="Name3">
+        <dgm:alg type="lin">
+          <dgm:param type="linDir" val="fromR"/>
+          <dgm:param type="nodeVertAlign" val="b"/>
+        </dgm:alg>
+      </dgm:else>
+    </dgm:choose>
+    <dgm:shape xmlns:r="http://schemas.openxmlformats.org/officeDocument/2006/relationships" r:blip="">
+      <dgm:adjLst/>
+    </dgm:shape>
+    <dgm:presOf/>
+    <dgm:constrLst>
+      <dgm:constr type="w" for="ch" forName="vertOne" refType="w"/>
+      <dgm:constr type="w" for="des" forName="horzOne" refType="w"/>
+      <dgm:constr type="w" for="des" forName="txOne" refType="w"/>
+      <dgm:constr type="w" for="des" forName="vertTwo" refType="w"/>
+      <dgm:constr type="w" for="des" forName="horzTwo" refType="w"/>
+      <dgm:constr type="w" for="des" forName="txTwo" refType="w"/>
+      <dgm:constr type="w" for="des" forName="vertThree" refType="w"/>
+      <dgm:constr type="w" for="des" forName="horzThree" refType="w"/>
+      <dgm:constr type="w" for="des" forName="txThree" refType="w"/>
+      <dgm:constr type="w" for="des" forName="vertFour" refType="w"/>
+      <dgm:constr type="w" for="des" forName="horzFour" refType="w"/>
+      <dgm:constr type="w" for="des" forName="txFour" refType="w"/>
+      <dgm:constr type="h" for="des" ptType="node" op="equ"/>
+      <dgm:constr type="h" for="des" forName="txOne" refType="h"/>
+      <dgm:constr type="userH" for="des" ptType="node" refType="h" refFor="des" refForName="txOne"/>
+      <dgm:constr type="primFontSz" for="des" forName="txOne" val="65"/>
+      <dgm:constr type="primFontSz" for="des" forName="txTwo" val="65"/>
+      <dgm:constr type="primFontSz" for="des" forName="txTwo" refType="primFontSz" refFor="des" refForName="txOne" op="lte"/>
+      <dgm:constr type="primFontSz" for="des" forName="txThree" val="65"/>
+      <dgm:constr type="primFontSz" for="des" forName="txThree" refType="primFontSz" refFor="des" refForName="txOne" op="lte"/>
+      <dgm:constr type="primFontSz" for="des" forName="txThree" refType="primFontSz" refFor="des" refForName="txTwo" op="lte"/>
+      <dgm:constr type="primFontSz" for="des" forName="txFour" val="65"/>
+      <dgm:constr type="primFontSz" for="des" forName="txFour" refType="primFontSz" refFor="des" refForName="txOne" op="lte"/>
+      <dgm:constr type="primFontSz" for="des" forName="txFour" refType="primFontSz" refFor="des" refForName="txTwo" op="lte"/>
+      <dgm:constr type="primFontSz" for="des" forName="txFour" refType="primFontSz" refFor="des" refForName="txThree" op="lte"/>
+      <dgm:constr type="w" for="des" forName="sibSpaceOne" refType="w" fact="0.168"/>
+      <dgm:constr type="w" for="des" forName="sibSpaceTwo" refType="w" refFor="des" refForName="sibSpaceOne" op="equ" fact="0.5"/>
+      <dgm:constr type="w" for="des" forName="sibSpaceThree" refType="w" refFor="des" refForName="sibSpaceTwo" op="equ" fact="0.5"/>
+      <dgm:constr type="w" for="des" forName="sibSpaceFour" refType="w" refFor="des" refForName="sibSpaceThree" op="equ" fact="0.5"/>
+      <dgm:constr type="h" for="des" forName="parTransOne" refType="w" fact="0.056"/>
+      <dgm:constr type="h" for="des" forName="parTransTwo" refType="h" refFor="des" refForName="parTransOne" op="equ"/>
+      <dgm:constr type="h" for="des" forName="parTransThree" refType="h" refFor="des" refForName="parTransTwo" op="equ"/>
+      <dgm:constr type="h" for="des" forName="parTransFour" refType="h" refFor="des" refForName="parTransThree" op="equ"/>
+    </dgm:constrLst>
+    <dgm:ruleLst/>
+    <dgm:forEach name="Name4" axis="ch" ptType="node">
+      <dgm:layoutNode name="vertOne">
+        <dgm:alg type="lin">
+          <dgm:param type="linDir" val="fromB"/>
+        </dgm:alg>
+        <dgm:shape xmlns:r="http://schemas.openxmlformats.org/officeDocument/2006/relationships" r:blip="">
+          <dgm:adjLst/>
+        </dgm:shape>
+        <dgm:presOf/>
+        <dgm:constrLst>
+          <dgm:constr type="w" for="ch" forName="txOne" refType="w" refFor="ch" refForName="horzOne" op="gte"/>
+        </dgm:constrLst>
+        <dgm:ruleLst/>
+        <dgm:layoutNode name="txOne" styleLbl="node0">
+          <dgm:varLst>
+            <dgm:chPref val="3"/>
+          </dgm:varLst>
+          <dgm:alg type="tx"/>
+          <dgm:shape xmlns:r="http://schemas.openxmlformats.org/officeDocument/2006/relationships" type="roundRect" r:blip="">
+            <dgm:adjLst>
+              <dgm:adj idx="1" val="0.1"/>
+            </dgm:adjLst>
+          </dgm:shape>
+          <dgm:presOf axis="self"/>
+          <dgm:constrLst>
+            <dgm:constr type="tMarg" refType="primFontSz" fact="0.3"/>
+            <dgm:constr type="bMarg" refType="primFontSz" fact="0.3"/>
+            <dgm:constr type="lMarg" refType="primFontSz" fact="0.3"/>
+            <dgm:constr type="rMarg" refType="primFontSz" fact="0.3"/>
+          </dgm:constrLst>
+          <dgm:ruleLst>
+            <dgm:rule type="primFontSz" val="5" fact="NaN" max="NaN"/>
+          </dgm:ruleLst>
+        </dgm:layoutNode>
+        <dgm:choose name="Name5">
+          <dgm:if name="Name6" axis="des" ptType="node" func="cnt" op="gt" val="0">
+            <dgm:layoutNode name="parTransOne">
+              <dgm:alg type="sp"/>
+              <dgm:shape xmlns:r="http://schemas.openxmlformats.org/officeDocument/2006/relationships" r:blip="">
+                <dgm:adjLst/>
+              </dgm:shape>
+              <dgm:presOf/>
+              <dgm:constrLst/>
+              <dgm:ruleLst/>
+            </dgm:layoutNode>
+          </dgm:if>
+          <dgm:else name="Name7"/>
+        </dgm:choose>
+        <dgm:layoutNode name="horzOne">
+          <dgm:choose name="Name8">
+            <dgm:if name="Name9" func="var" arg="dir" op="equ" val="norm">
+              <dgm:alg type="lin">
+                <dgm:param type="linDir" val="fromL"/>
+                <dgm:param type="nodeVertAlign" val="b"/>
+              </dgm:alg>
+            </dgm:if>
+            <dgm:else name="Name10">
+              <dgm:alg type="lin">
+                <dgm:param type="linDir" val="fromR"/>
+                <dgm:param type="nodeVertAlign" val="b"/>
+              </dgm:alg>
+            </dgm:else>
+          </dgm:choose>
+          <dgm:shape xmlns:r="http://schemas.openxmlformats.org/officeDocument/2006/relationships" r:blip="">
+            <dgm:adjLst/>
+          </dgm:shape>
+          <dgm:presOf/>
+          <dgm:constrLst/>
+          <dgm:ruleLst>
+            <dgm:rule type="w" val="INF" fact="NaN" max="NaN"/>
+          </dgm:ruleLst>
+          <dgm:forEach name="Name11" axis="ch" ptType="node">
+            <dgm:layoutNode name="vertTwo">
+              <dgm:alg type="lin">
+                <dgm:param type="linDir" val="fromB"/>
+              </dgm:alg>
+              <dgm:shape xmlns:r="http://schemas.openxmlformats.org/officeDocument/2006/relationships" r:blip="">
+                <dgm:adjLst/>
+              </dgm:shape>
+              <dgm:presOf/>
+              <dgm:constrLst>
+                <dgm:constr type="w" for="ch" forName="txTwo" refType="w" refFor="ch" refForName="horzTwo" op="gte"/>
+              </dgm:constrLst>
+              <dgm:ruleLst/>
+              <dgm:layoutNode name="txTwo">
+                <dgm:varLst>
+                  <dgm:chPref val="3"/>
+                </dgm:varLst>
+                <dgm:alg type="tx"/>
+                <dgm:shape xmlns:r="http://schemas.openxmlformats.org/officeDocument/2006/relationships" type="roundRect" r:blip="">
+                  <dgm:adjLst>
+                    <dgm:adj idx="1" val="0.1"/>
+                  </dgm:adjLst>
+                </dgm:shape>
+                <dgm:presOf axis="self"/>
+                <dgm:constrLst>
+                  <dgm:constr type="userH"/>
+                  <dgm:constr type="h" refType="userH"/>
+                  <dgm:constr type="tMarg" refType="primFontSz" fact="0.3"/>
+                  <dgm:constr type="bMarg" refType="primFontSz" fact="0.3"/>
+                  <dgm:constr type="lMarg" refType="primFontSz" fact="0.3"/>
+                  <dgm:constr type="rMarg" refType="primFontSz" fact="0.3"/>
+                </dgm:constrLst>
+                <dgm:ruleLst>
+                  <dgm:rule type="primFontSz" val="5" fact="NaN" max="NaN"/>
+                </dgm:ruleLst>
+              </dgm:layoutNode>
+              <dgm:choose name="Name12">
+                <dgm:if name="Name13" axis="des" ptType="node" func="cnt" op="gt" val="0">
+                  <dgm:layoutNode name="parTransTwo">
+                    <dgm:alg type="sp"/>
+                    <dgm:shape xmlns:r="http://schemas.openxmlformats.org/officeDocument/2006/relationships" r:blip="">
+                      <dgm:adjLst/>
+                    </dgm:shape>
+                    <dgm:presOf/>
+                    <dgm:constrLst/>
+                    <dgm:ruleLst/>
+                  </dgm:layoutNode>
+                </dgm:if>
+                <dgm:else name="Name14"/>
+              </dgm:choose>
+              <dgm:layoutNode name="horzTwo">
+                <dgm:choose name="Name15">
+                  <dgm:if name="Name16" func="var" arg="dir" op="equ" val="norm">
+                    <dgm:alg type="lin">
+                      <dgm:param type="linDir" val="fromL"/>
+                      <dgm:param type="nodeVertAlign" val="b"/>
+                    </dgm:alg>
+                  </dgm:if>
+                  <dgm:else name="Name17">
+                    <dgm:alg type="lin">
+                      <dgm:param type="linDir" val="fromR"/>
+                      <dgm:param type="nodeVertAlign" val="b"/>
+                    </dgm:alg>
+                  </dgm:else>
+                </dgm:choose>
+                <dgm:shape xmlns:r="http://schemas.openxmlformats.org/officeDocument/2006/relationships" r:blip="">
+                  <dgm:adjLst/>
+                </dgm:shape>
+                <dgm:presOf/>
+                <dgm:constrLst/>
+                <dgm:ruleLst>
+                  <dgm:rule type="w" val="INF" fact="NaN" max="NaN"/>
+                </dgm:ruleLst>
+                <dgm:forEach name="Name18" axis="ch" ptType="node">
+                  <dgm:layoutNode name="vertThree">
+                    <dgm:alg type="lin">
+                      <dgm:param type="linDir" val="fromB"/>
+                    </dgm:alg>
+                    <dgm:shape xmlns:r="http://schemas.openxmlformats.org/officeDocument/2006/relationships" r:blip="">
+                      <dgm:adjLst/>
+                    </dgm:shape>
+                    <dgm:presOf/>
+                    <dgm:constrLst>
+                      <dgm:constr type="w" for="ch" forName="txThree" refType="w" refFor="ch" refForName="horzThree" op="gte"/>
+                    </dgm:constrLst>
+                    <dgm:ruleLst/>
+                    <dgm:layoutNode name="txThree">
+                      <dgm:varLst>
+                        <dgm:chPref val="3"/>
+                      </dgm:varLst>
+                      <dgm:alg type="tx"/>
+                      <dgm:shape xmlns:r="http://schemas.openxmlformats.org/officeDocument/2006/relationships" type="roundRect" r:blip="">
+                        <dgm:adjLst>
+                          <dgm:adj idx="1" val="0.1"/>
+                        </dgm:adjLst>
+                      </dgm:shape>
+                      <dgm:presOf axis="self"/>
+                      <dgm:constrLst>
+                        <dgm:constr type="userH"/>
+                        <dgm:constr type="h" refType="userH"/>
+                        <dgm:constr type="tMarg" refType="primFontSz" fact="0.3"/>
+                        <dgm:constr type="bMarg" refType="primFontSz" fact="0.3"/>
+                        <dgm:constr type="lMarg" refType="primFontSz" fact="0.3"/>
+                        <dgm:constr type="rMarg" refType="primFontSz" fact="0.3"/>
+                      </dgm:constrLst>
+                      <dgm:ruleLst>
+                        <dgm:rule type="primFontSz" val="5" fact="NaN" max="NaN"/>
+                      </dgm:ruleLst>
+                    </dgm:layoutNode>
+                    <dgm:choose name="Name19">
+                      <dgm:if name="Name20" axis="des" ptType="node" func="cnt" op="gt" val="0">
+                        <dgm:layoutNode name="parTransThree">
+                          <dgm:alg type="sp"/>
+                          <dgm:shape xmlns:r="http://schemas.openxmlformats.org/officeDocument/2006/relationships" r:blip="">
+                            <dgm:adjLst/>
+                          </dgm:shape>
+                          <dgm:presOf/>
+                          <dgm:constrLst/>
+                          <dgm:ruleLst/>
+                        </dgm:layoutNode>
+                      </dgm:if>
+                      <dgm:else name="Name21"/>
+                    </dgm:choose>
+                    <dgm:layoutNode name="horzThree">
+                      <dgm:choose name="Name22">
+                        <dgm:if name="Name23" func="var" arg="dir" op="equ" val="norm">
+                          <dgm:alg type="lin">
+                            <dgm:param type="linDir" val="fromL"/>
+                            <dgm:param type="nodeVertAlign" val="b"/>
+                          </dgm:alg>
+                        </dgm:if>
+                        <dgm:else name="Name24">
+                          <dgm:alg type="lin">
+                            <dgm:param type="linDir" val="fromR"/>
+                            <dgm:param type="nodeVertAlign" val="b"/>
+                          </dgm:alg>
+                        </dgm:else>
+                      </dgm:choose>
+                      <dgm:shape xmlns:r="http://schemas.openxmlformats.org/officeDocument/2006/relationships" r:blip="">
+                        <dgm:adjLst/>
+                      </dgm:shape>
+                      <dgm:presOf/>
+                      <dgm:constrLst/>
+                      <dgm:ruleLst>
+                        <dgm:rule type="w" val="INF" fact="NaN" max="NaN"/>
+                      </dgm:ruleLst>
+                      <dgm:forEach name="repeat" axis="ch" ptType="node">
+                        <dgm:layoutNode name="vertFour">
+                          <dgm:varLst>
+                            <dgm:chPref val="3"/>
+                          </dgm:varLst>
+                          <dgm:alg type="lin">
+                            <dgm:param type="linDir" val="fromB"/>
+                          </dgm:alg>
+                          <dgm:shape xmlns:r="http://schemas.openxmlformats.org/officeDocument/2006/relationships" r:blip="">
+                            <dgm:adjLst/>
+                          </dgm:shape>
+                          <dgm:presOf/>
+                          <dgm:constrLst>
+                            <dgm:constr type="w" for="ch" forName="txFour" refType="w" refFor="ch" refForName="horzFour" op="gte"/>
+                          </dgm:constrLst>
+                          <dgm:ruleLst/>
+                          <dgm:layoutNode name="txFour">
+                            <dgm:varLst>
+                              <dgm:chPref val="3"/>
+                            </dgm:varLst>
+                            <dgm:alg type="tx"/>
+                            <dgm:shape xmlns:r="http://schemas.openxmlformats.org/officeDocument/2006/relationships" type="roundRect" r:blip="">
+                              <dgm:adjLst>
+                                <dgm:adj idx="1" val="0.1"/>
+                              </dgm:adjLst>
+                            </dgm:shape>
+                            <dgm:presOf axis="self"/>
+                            <dgm:constrLst>
+                              <dgm:constr type="userH"/>
+                              <dgm:constr type="h" refType="userH"/>
+                              <dgm:constr type="tMarg" refType="primFontSz" fact="0.3"/>
+                              <dgm:constr type="bMarg" refType="primFontSz" fact="0.3"/>
+                              <dgm:constr type="lMarg" refType="primFontSz" fact="0.3"/>
+                              <dgm:constr type="rMarg" refType="primFontSz" fact="0.3"/>
+                            </dgm:constrLst>
+                            <dgm:ruleLst>
+                              <dgm:rule type="primFontSz" val="5" fact="NaN" max="NaN"/>
+                            </dgm:ruleLst>
+                          </dgm:layoutNode>
+                          <dgm:choose name="Name25">
+                            <dgm:if name="Name26" axis="des" ptType="node" func="cnt" op="gt" val="0">
+                              <dgm:layoutNode name="parTransFour">
+                                <dgm:alg type="sp"/>
+                                <dgm:shape xmlns:r="http://schemas.openxmlformats.org/officeDocument/2006/relationships" r:blip="">
+                                  <dgm:adjLst/>
+                                </dgm:shape>
+                                <dgm:presOf/>
+                                <dgm:constrLst/>
+                                <dgm:ruleLst/>
+                              </dgm:layoutNode>
+                            </dgm:if>
+                            <dgm:else name="Name27"/>
+                          </dgm:choose>
+                          <dgm:layoutNode name="horzFour">
+                            <dgm:choose name="Name28">
+                              <dgm:if name="Name29" func="var" arg="dir" op="equ" val="norm">
+                                <dgm:alg type="lin">
+                                  <dgm:param type="linDir" val="fromL"/>
+                                  <dgm:param type="nodeVertAlign" val="b"/>
+                                </dgm:alg>
+                              </dgm:if>
+                              <dgm:else name="Name30">
+                                <dgm:alg type="lin">
+                                  <dgm:param type="linDir" val="fromR"/>
+                                  <dgm:param type="nodeVertAlign" val="b"/>
+                                </dgm:alg>
+                              </dgm:else>
+                            </dgm:choose>
+                            <dgm:shape xmlns:r="http://schemas.openxmlformats.org/officeDocument/2006/relationships" r:blip="">
+                              <dgm:adjLst/>
+                            </dgm:shape>
+                            <dgm:presOf/>
+                            <dgm:constrLst/>
+                            <dgm:ruleLst>
+                              <dgm:rule type="w" val="INF" fact="NaN" max="NaN"/>
+                            </dgm:ruleLst>
+                            <dgm:forEach name="Name31" ref="repeat"/>
+                          </dgm:layoutNode>
+                        </dgm:layoutNode>
+                        <dgm:choose name="Name32">
+                          <dgm:if name="Name33" axis="self" ptType="node" func="revPos" op="gte" val="2">
+                            <dgm:forEach name="Name34" axis="followSib" ptType="sibTrans" cnt="1">
+                              <dgm:layoutNode name="sibSpaceFour">
+                                <dgm:alg type="sp"/>
+                                <dgm:shape xmlns:r="http://schemas.openxmlformats.org/officeDocument/2006/relationships" r:blip="">
+                                  <dgm:adjLst/>
+                                </dgm:shape>
+                                <dgm:presOf/>
+                                <dgm:constrLst/>
+                                <dgm:ruleLst/>
+                              </dgm:layoutNode>
+                            </dgm:forEach>
+                          </dgm:if>
+                          <dgm:else name="Name35"/>
+                        </dgm:choose>
+                      </dgm:forEach>
+                    </dgm:layoutNode>
+                  </dgm:layoutNode>
+                  <dgm:choose name="Name36">
+                    <dgm:if name="Name37" axis="self" ptType="node" func="revPos" op="gte" val="2">
+                      <dgm:forEach name="Name38" axis="followSib" ptType="sibTrans" cnt="1">
+                        <dgm:layoutNode name="sibSpaceThree">
+                          <dgm:alg type="sp"/>
+                          <dgm:shape xmlns:r="http://schemas.openxmlformats.org/officeDocument/2006/relationships" r:blip="">
+                            <dgm:adjLst/>
+                          </dgm:shape>
+                          <dgm:presOf/>
+                          <dgm:constrLst/>
+                          <dgm:ruleLst/>
+                        </dgm:layoutNode>
+                      </dgm:forEach>
+                    </dgm:if>
+                    <dgm:else name="Name39"/>
+                  </dgm:choose>
+                </dgm:forEach>
+              </dgm:layoutNode>
+            </dgm:layoutNode>
+            <dgm:choose name="Name40">
+              <dgm:if name="Name41" axis="self" ptType="node" func="revPos" op="gte" val="2">
+                <dgm:forEach name="Name42" axis="followSib" ptType="sibTrans" cnt="1">
+                  <dgm:layoutNode name="sibSpaceTwo">
+                    <dgm:alg type="sp"/>
+                    <dgm:shape xmlns:r="http://schemas.openxmlformats.org/officeDocument/2006/relationships" r:blip="">
+                      <dgm:adjLst/>
+                    </dgm:shape>
+                    <dgm:presOf/>
+                    <dgm:constrLst/>
+                    <dgm:ruleLst/>
+                  </dgm:layoutNode>
+                </dgm:forEach>
+              </dgm:if>
+              <dgm:else name="Name43"/>
+            </dgm:choose>
+          </dgm:forEach>
+        </dgm:layoutNode>
+      </dgm:layoutNode>
+      <dgm:choose name="Name44">
+        <dgm:if name="Name45" axis="self" ptType="node" func="revPos" op="gte" val="2">
+          <dgm:forEach name="Name46" axis="followSib" ptType="sibTrans" cnt="1">
+            <dgm:layoutNode name="sibSpaceOne">
+              <dgm:alg type="sp"/>
+              <dgm:shape xmlns:r="http://schemas.openxmlformats.org/officeDocument/2006/relationships" r:blip="">
+                <dgm:adjLst/>
+              </dgm:shape>
+              <dgm:presOf/>
+              <dgm:constrLst/>
+              <dgm:ruleLst/>
+            </dgm:layoutNode>
+          </dgm:forEach>
+        </dgm:if>
+        <dgm:else name="Name47"/>
+      </dgm:choose>
+    </dgm:forEach>
+  </dgm:layoutNode>
+</dgm:layoutDef>
+</file>
+
+<file path=ppt/diagrams/quickStyle1.xml><?xml version="1.0" encoding="utf-8"?>
+<dgm:styleDef xmlns:dgm="http://schemas.openxmlformats.org/drawingml/2006/diagram" xmlns:a="http://schemas.openxmlformats.org/drawingml/2006/main" uniqueId="urn:microsoft.com/office/officeart/2005/8/quickstyle/simple1">
+  <dgm:title val=""/>
+  <dgm:desc val=""/>
+  <dgm:catLst>
+    <dgm:cat type="simple" pri="10100"/>
+  </dgm:catLst>
+  <dgm:scene3d>
+    <a:camera prst="orthographicFront"/>
+    <a:lightRig rig="threePt" dir="t"/>
+  </dgm:scene3d>
+  <dgm:styleLbl name="node0">
+    <dgm:scene3d>
+      <a:camera prst="orthographicFront"/>
+      <a:lightRig rig="threePt" dir="t"/>
+    </dgm:scene3d>
+    <dgm:sp3d/>
+    <dgm:txPr/>
+    <dgm:style>
+      <a:lnRef idx="2">
+        <a:scrgbClr r="0" g="0" b="0"/>
+      </a:lnRef>
+      <a:fillRef idx="1">
+        <a:scrgbClr r="0" g="0" b="0"/>
+      </a:fillRef>
+      <a:effectRef idx="0">
+        <a:scrgbClr r="0" g="0" b="0"/>
+      </a:effectRef>
+      <a:fontRef idx="minor">
+        <a:schemeClr val="lt1"/>
+      </a:fontRef>
+    </dgm:style>
+  </dgm:styleLbl>
+  <dgm:styleLbl name="lnNode1">
+    <dgm:scene3d>
+      <a:camera prst="orthographicFront"/>
+      <a:lightRig rig="threePt" dir="t"/>
+    </dgm:scene3d>
+    <dgm:sp3d/>
+    <dgm:txPr/>
+    <dgm:style>
+      <a:lnRef idx="2">
+        <a:scrgbClr r="0" g="0" b="0"/>
+      </a:lnRef>
+      <a:fillRef idx="1">
+        <a:scrgbClr r="0" g="0" b="0"/>
+      </a:fillRef>
+      <a:effectRef idx="0">
+        <a:scrgbClr r="0" g="0" b="0"/>
+      </a:effectRef>
+      <a:fontRef idx="minor">
+        <a:schemeClr val="lt1"/>
+      </a:fontRef>
+    </dgm:style>
+  </dgm:styleLbl>
+  <dgm:styleLbl name="vennNode1">
+    <dgm:scene3d>
+      <a:camera prst="orthographicFront"/>
+      <a:lightRig rig="threePt" dir="t"/>
+    </dgm:scene3d>
+    <dgm:sp3d/>
+    <dgm:txPr/>
+    <dgm:style>
+      <a:lnRef idx="2">
+        <a:scrgbClr r="0" g="0" b="0"/>
+      </a:lnRef>
+      <a:fillRef idx="1">
+        <a:scrgbClr r="0" g="0" b="0"/>
+      </a:fillRef>
+      <a:effectRef idx="0">
+        <a:scrgbClr r="0" g="0" b="0"/>
+      </a:effectRef>
+      <a:fontRef idx="minor">
+        <a:schemeClr val="tx1"/>
+      </a:fontRef>
+    </dgm:style>
+  </dgm:styleLbl>
+  <dgm:styleLbl name="alignNode1">
+    <dgm:scene3d>
+      <a:camera prst="orthographicFront"/>
+      <a:lightRig rig="threePt" dir="t"/>
+    </dgm:scene3d>
+    <dgm:sp3d/>
+    <dgm:txPr/>
+    <dgm:style>
+      <a:lnRef idx="2">
+        <a:scrgbClr r="0" g="0" b="0"/>
+      </a:lnRef>
+      <a:fillRef idx="1">
+        <a:scrgbClr r="0" g="0" b="0"/>
+      </a:fillRef>
+      <a:effectRef idx="0">
+        <a:scrgbClr r="0" g="0" b="0"/>
+      </a:effectRef>
+      <a:fontRef idx="minor">
+        <a:schemeClr val="lt1"/>
+      </a:fontRef>
+    </dgm:style>
+  </dgm:styleLbl>
+  <dgm:styleLbl name="node1">
+    <dgm:scene3d>
+      <a:camera prst="orthographicFront"/>
+      <a:lightRig rig="threePt" dir="t"/>
+    </dgm:scene3d>
+    <dgm:sp3d/>
+    <dgm:txPr/>
+    <dgm:style>
+      <a:lnRef idx="2">
+        <a:scrgbClr r="0" g="0" b="0"/>
+      </a:lnRef>
+      <a:fillRef idx="1">
+        <a:scrgbClr r="0" g="0" b="0"/>
+      </a:fillRef>
+      <a:effectRef idx="0">
+        <a:scrgbClr r="0" g="0" b="0"/>
+      </a:effectRef>
+      <a:fontRef idx="minor">
+        <a:schemeClr val="lt1"/>
+      </a:fontRef>
+    </dgm:style>
+  </dgm:styleLbl>
+  <dgm:styleLbl name="node2">
+    <dgm:scene3d>
+      <a:camera prst="orthographicFront"/>
+      <a:lightRig rig="threePt" dir="t"/>
+    </dgm:scene3d>
+    <dgm:sp3d/>
+    <dgm:txPr/>
+    <dgm:style>
+      <a:lnRef idx="2">
+        <a:scrgbClr r="0" g="0" b="0"/>
+      </a:lnRef>
+      <a:fillRef idx="1">
+        <a:scrgbClr r="0" g="0" b="0"/>
+      </a:fillRef>
+      <a:effectRef idx="0">
+        <a:scrgbClr r="0" g="0" b="0"/>
+      </a:effectRef>
+      <a:fontRef idx="minor">
+        <a:schemeClr val="lt1"/>
+      </a:fontRef>
+    </dgm:style>
+  </dgm:styleLbl>
+  <dgm:styleLbl name="node3">
+    <dgm:scene3d>
+      <a:camera prst="orthographicFront"/>
+      <a:lightRig rig="threePt" dir="t"/>
+    </dgm:scene3d>
+    <dgm:sp3d/>
+    <dgm:txPr/>
+    <dgm:style>
+      <a:lnRef idx="2">
+        <a:scrgbClr r="0" g="0" b="0"/>
+      </a:lnRef>
+      <a:fillRef idx="1">
+        <a:scrgbClr r="0" g="0" b="0"/>
+      </a:fillRef>
+      <a:effectRef idx="0">
+        <a:scrgbClr r="0" g="0" b="0"/>
+      </a:effectRef>
+      <a:fontRef idx="minor">
+        <a:schemeClr val="lt1"/>
+      </a:fontRef>
+    </dgm:style>
+  </dgm:styleLbl>
+  <dgm:styleLbl name="node4">
+    <dgm:scene3d>
+      <a:camera prst="orthographicFront"/>
+      <a:lightRig rig="threePt" dir="t"/>
+    </dgm:scene3d>
+    <dgm:sp3d/>
+    <dgm:txPr/>
+    <dgm:style>
+      <a:lnRef idx="2">
+        <a:scrgbClr r="0" g="0" b="0"/>
+      </a:lnRef>
+      <a:fillRef idx="1">
+        <a:scrgbClr r="0" g="0" b="0"/>
+      </a:fillRef>
+      <a:effectRef idx="0">
+        <a:scrgbClr r="0" g="0" b="0"/>
+      </a:effectRef>
+      <a:fontRef idx="minor">
+        <a:schemeClr val="lt1"/>
+      </a:fontRef>
+    </dgm:style>
+  </dgm:styleLbl>
+  <dgm:styleLbl name="fgImgPlace1">
+    <dgm:scene3d>
+      <a:camera prst="orthographicFront"/>
+      <a:lightRig rig="threePt" dir="t"/>
+    </dgm:scene3d>
+    <dgm:sp3d/>
+    <dgm:txPr/>
+    <dgm:style>
+      <a:lnRef idx="2">
+        <a:scrgbClr r="0" g="0" b="0"/>
+      </a:lnRef>
+      <a:fillRef idx="1">
+        <a:scrgbClr r="0" g="0" b="0"/>
+      </a:fillRef>
+      <a:effectRef idx="0">
+        <a:scrgbClr r="0" g="0" b="0"/>
+      </a:effectRef>
+      <a:fontRef idx="minor"/>
+    </dgm:style>
+  </dgm:styleLbl>
+  <dgm:styleLbl name="alignImgPlace1">
+    <dgm:scene3d>
+      <a:camera prst="orthographicFront"/>
+      <a:lightRig rig="threePt" dir="t"/>
+    </dgm:scene3d>
+    <dgm:sp3d/>
+    <dgm:txPr/>
+    <dgm:style>
+      <a:lnRef idx="2">
+        <a:scrgbClr r="0" g="0" b="0"/>
+      </a:lnRef>
+      <a:fillRef idx="1">
+        <a:scrgbClr r="0" g="0" b="0"/>
+      </a:fillRef>
+      <a:effectRef idx="0">
+        <a:scrgbClr r="0" g="0" b="0"/>
+      </a:effectRef>
+      <a:fontRef idx="minor"/>
+    </dgm:style>
+  </dgm:styleLbl>
+  <dgm:styleLbl name="bgImgPlace1">
+    <dgm:scene3d>
+      <a:camera prst="orthographicFront"/>
+      <a:lightRig rig="threePt" dir="t"/>
+    </dgm:scene3d>
+    <dgm:sp3d/>
+    <dgm:txPr/>
+    <dgm:style>
+      <a:lnRef idx="2">
+        <a:scrgbClr r="0" g="0" b="0"/>
+      </a:lnRef>
+      <a:fillRef idx="1">
+        <a:scrgbClr r="0" g="0" b="0"/>
+      </a:fillRef>
+      <a:effectRef idx="0">
+        <a:scrgbClr r="0" g="0" b="0"/>
+      </a:effectRef>
+      <a:fontRef idx="minor"/>
+    </dgm:style>
+  </dgm:styleLbl>
+  <dgm:styleLbl name="sibTrans2D1">
+    <dgm:scene3d>
+      <a:camera prst="orthographicFront"/>
+      <a:lightRig rig="threePt" dir="t"/>
+    </dgm:scene3d>
+    <dgm:sp3d/>
+    <dgm:txPr/>
+    <dgm:style>
+      <a:lnRef idx="0">
+        <a:scrgbClr r="0" g="0" b="0"/>
+      </a:lnRef>
+      <a:fillRef idx="1">
+        <a:scrgbClr r="0" g="0" b="0"/>
+      </a:fillRef>
+      <a:effectRef idx="0">
+        <a:scrgbClr r="0" g="0" b="0"/>
+      </a:effectRef>
+      <a:fontRef idx="minor">
+        <a:schemeClr val="lt1"/>
+      </a:fontRef>
+    </dgm:style>
+  </dgm:styleLbl>
+  <dgm:styleLbl name="fgSibTrans2D1">
+    <dgm:scene3d>
+      <a:camera prst="orthographicFront"/>
+      <a:lightRig rig="threePt" dir="t"/>
+    </dgm:scene3d>
+    <dgm:sp3d/>
+    <dgm:txPr/>
+    <dgm:style>
+      <a:lnRef idx="0">
+        <a:scrgbClr r="0" g="0" b="0"/>
+      </a:lnRef>
+      <a:fillRef idx="1">
+        <a:scrgbClr r="0" g="0" b="0"/>
+      </a:fillRef>
+      <a:effectRef idx="0">
+        <a:scrgbClr r="0" g="0" b="0"/>
+      </a:effectRef>
+      <a:fontRef idx="minor">
+        <a:schemeClr val="lt1"/>
+      </a:fontRef>
+    </dgm:style>
+  </dgm:styleLbl>
+  <dgm:styleLbl name="bgSibTrans2D1">
+    <dgm:scene3d>
+      <a:camera prst="orthographicFront"/>
+      <a:lightRig rig="threePt" dir="t"/>
+    </dgm:scene3d>
+    <dgm:sp3d/>
+    <dgm:txPr/>
+    <dgm:style>
+      <a:lnRef idx="0">
+        <a:scrgbClr r="0" g="0" b="0"/>
+      </a:lnRef>
+      <a:fillRef idx="1">
+        <a:scrgbClr r="0" g="0" b="0"/>
+      </a:fillRef>
+      <a:effectRef idx="0">
+        <a:scrgbClr r="0" g="0" b="0"/>
+      </a:effectRef>
+      <a:fontRef idx="minor">
+        <a:schemeClr val="lt1"/>
+      </a:fontRef>
+    </dgm:style>
+  </dgm:styleLbl>
+  <dgm:styleLbl name="sibTrans1D1">
+    <dgm:scene3d>
+      <a:camera prst="orthographicFront"/>
+      <a:lightRig rig="threePt" dir="t"/>
+    </dgm:scene3d>
+    <dgm:sp3d/>
+    <dgm:txPr/>
+    <dgm:style>
+      <a:lnRef idx="1">
+        <a:scrgbClr r="0" g="0" b="0"/>
+      </a:lnRef>
+      <a:fillRef idx="0">
+        <a:scrgbClr r="0" g="0" b="0"/>
+      </a:fillRef>
+      <a:effectRef idx="0">
+        <a:scrgbClr r="0" g="0" b="0"/>
+      </a:effectRef>
+      <a:fontRef idx="minor"/>
+    </dgm:style>
+  </dgm:styleLbl>
+  <dgm:styleLbl name="callout">
+    <dgm:scene3d>
+      <a:camera prst="orthographicFront"/>
+      <a:lightRig rig="threePt" dir="t"/>
+    </dgm:scene3d>
+    <dgm:sp3d/>
+    <dgm:txPr/>
+    <dgm:style>
+      <a:lnRef idx="2">
+        <a:scrgbClr r="0" g="0" b="0"/>
+      </a:lnRef>
+      <a:fillRef idx="1">
+        <a:scrgbClr r="0" g="0" b="0"/>
+      </a:fillRef>
+      <a:effectRef idx="0">
+        <a:scrgbClr r="0" g="0" b="0"/>
+      </a:effectRef>
+      <a:fontRef idx="minor"/>
+    </dgm:style>
+  </dgm:styleLbl>
+  <dgm:styleLbl name="asst0">
+    <dgm:scene3d>
+      <a:camera prst="orthographicFront"/>
+      <a:lightRig rig="threePt" dir="t"/>
+    </dgm:scene3d>
+    <dgm:sp3d/>
+    <dgm:txPr/>
+    <dgm:style>
+      <a:lnRef idx="2">
+        <a:scrgbClr r="0" g="0" b="0"/>
+      </a:lnRef>
+      <a:fillRef idx="1">
+        <a:scrgbClr r="0" g="0" b="0"/>
+      </a:fillRef>
+      <a:effectRef idx="0">
+        <a:scrgbClr r="0" g="0" b="0"/>
+      </a:effectRef>
+      <a:fontRef idx="minor">
+        <a:schemeClr val="lt1"/>
+      </a:fontRef>
+    </dgm:style>
+  </dgm:styleLbl>
+  <dgm:styleLbl name="asst1">
+    <dgm:scene3d>
+      <a:camera prst="orthographicFront"/>
+      <a:lightRig rig="threePt" dir="t"/>
+    </dgm:scene3d>
+    <dgm:sp3d/>
+    <dgm:txPr/>
+    <dgm:style>
+      <a:lnRef idx="2">
+        <a:scrgbClr r="0" g="0" b="0"/>
+      </a:lnRef>
+      <a:fillRef idx="1">
+        <a:scrgbClr r="0" g="0" b="0"/>
+      </a:fillRef>
+      <a:effectRef idx="0">
+        <a:scrgbClr r="0" g="0" b="0"/>
+      </a:effectRef>
+      <a:fontRef idx="minor">
+        <a:schemeClr val="lt1"/>
+      </a:fontRef>
+    </dgm:style>
+  </dgm:styleLbl>
+  <dgm:styleLbl name="asst2">
+    <dgm:scene3d>
+      <a:camera prst="orthographicFront"/>
+      <a:lightRig rig="threePt" dir="t"/>
+    </dgm:scene3d>
+    <dgm:sp3d/>
+    <dgm:txPr/>
+    <dgm:style>
+      <a:lnRef idx="2">
+        <a:scrgbClr r="0" g="0" b="0"/>
+      </a:lnRef>
+      <a:fillRef idx="1">
+        <a:scrgbClr r="0" g="0" b="0"/>
+      </a:fillRef>
+      <a:effectRef idx="0">
+        <a:scrgbClr r="0" g="0" b="0"/>
+      </a:effectRef>
+      <a:fontRef idx="minor">
+        <a:schemeClr val="lt1"/>
+      </a:fontRef>
+    </dgm:style>
+  </dgm:styleLbl>
+  <dgm:styleLbl name="asst3">
+    <dgm:scene3d>
+      <a:camera prst="orthographicFront"/>
+      <a:lightRig rig="threePt" dir="t"/>
+    </dgm:scene3d>
+    <dgm:sp3d/>
+    <dgm:txPr/>
+    <dgm:style>
+      <a:lnRef idx="2">
+        <a:scrgbClr r="0" g="0" b="0"/>
+      </a:lnRef>
+      <a:fillRef idx="1">
+        <a:scrgbClr r="0" g="0" b="0"/>
+      </a:fillRef>
+      <a:effectRef idx="0">
+        <a:scrgbClr r="0" g="0" b="0"/>
+      </a:effectRef>
+      <a:fontRef idx="minor">
+        <a:schemeClr val="lt1"/>
+      </a:fontRef>
+    </dgm:style>
+  </dgm:styleLbl>
+  <dgm:styleLbl name="asst4">
+    <dgm:scene3d>
+      <a:camera prst="orthographicFront"/>
+      <a:lightRig rig="threePt" dir="t"/>
+    </dgm:scene3d>
+    <dgm:sp3d/>
+    <dgm:txPr/>
+    <dgm:style>
+      <a:lnRef idx="2">
+        <a:scrgbClr r="0" g="0" b="0"/>
+      </a:lnRef>
+      <a:fillRef idx="1">
+        <a:scrgbClr r="0" g="0" b="0"/>
+      </a:fillRef>
+      <a:effectRef idx="0">
+        <a:scrgbClr r="0" g="0" b="0"/>
+      </a:effectRef>
+      <a:fontRef idx="minor">
+        <a:schemeClr val="lt1"/>
+      </a:fontRef>
+    </dgm:style>
+  </dgm:styleLbl>
+  <dgm:styleLbl name="parChTrans2D1">
+    <dgm:scene3d>
+      <a:camera prst="orthographicFront"/>
+      <a:lightRig rig="threePt" dir="t"/>
+    </dgm:scene3d>
+    <dgm:sp3d/>
+    <dgm:txPr/>
+    <dgm:style>
+      <a:lnRef idx="2">
+        <a:scrgbClr r="0" g="0" b="0"/>
+      </a:lnRef>
+      <a:fillRef idx="1">
+        <a:scrgbClr r="0" g="0" b="0"/>
+      </a:fillRef>
+      <a:effectRef idx="0">
+        <a:scrgbClr r="0" g="0" b="0"/>
+      </a:effectRef>
+      <a:fontRef idx="minor">
+        <a:schemeClr val="lt1"/>
+      </a:fontRef>
+    </dgm:style>
+  </dgm:styleLbl>
+  <dgm:styleLbl name="parChTrans2D2">
+    <dgm:scene3d>
+      <a:camera prst="orthographicFront"/>
+      <a:lightRig rig="threePt" dir="t"/>
+    </dgm:scene3d>
+    <dgm:sp3d/>
+    <dgm:txPr/>
+    <dgm:style>
+      <a:lnRef idx="2">
+        <a:scrgbClr r="0" g="0" b="0"/>
+      </a:lnRef>
+      <a:fillRef idx="1">
+        <a:scrgbClr r="0" g="0" b="0"/>
+      </a:fillRef>
+      <a:effectRef idx="0">
+        <a:scrgbClr r="0" g="0" b="0"/>
+      </a:effectRef>
+      <a:fontRef idx="minor">
+        <a:schemeClr val="lt1"/>
+      </a:fontRef>
+    </dgm:style>
+  </dgm:styleLbl>
+  <dgm:styleLbl name="parChTrans2D3">
+    <dgm:scene3d>
+      <a:camera prst="orthographicFront"/>
+      <a:lightRig rig="threePt" dir="t"/>
+    </dgm:scene3d>
+    <dgm:sp3d/>
+    <dgm:txPr/>
+    <dgm:style>
+      <a:lnRef idx="2">
+        <a:scrgbClr r="0" g="0" b="0"/>
+      </a:lnRef>
+      <a:fillRef idx="1">
+        <a:scrgbClr r="0" g="0" b="0"/>
+      </a:fillRef>
+      <a:effectRef idx="0">
+        <a:scrgbClr r="0" g="0" b="0"/>
+      </a:effectRef>
+      <a:fontRef idx="minor">
+        <a:schemeClr val="lt1"/>
+      </a:fontRef>
+    </dgm:style>
+  </dgm:styleLbl>
+  <dgm:styleLbl name="parChTrans2D4">
+    <dgm:scene3d>
+      <a:camera prst="orthographicFront"/>
+      <a:lightRig rig="threePt" dir="t"/>
+    </dgm:scene3d>
+    <dgm:sp3d/>
+    <dgm:txPr/>
+    <dgm:style>
+      <a:lnRef idx="2">
+        <a:scrgbClr r="0" g="0" b="0"/>
+      </a:lnRef>
+      <a:fillRef idx="1">
+        <a:scrgbClr r="0" g="0" b="0"/>
+      </a:fillRef>
+      <a:effectRef idx="0">
+        <a:scrgbClr r="0" g="0" b="0"/>
+      </a:effectRef>
+      <a:fontRef idx="minor">
+        <a:schemeClr val="lt1"/>
+      </a:fontRef>
+    </dgm:style>
+  </dgm:styleLbl>
+  <dgm:styleLbl name="parChTrans1D1">
+    <dgm:scene3d>
+      <a:camera prst="orthographicFront"/>
+      <a:lightRig rig="threePt" dir="t"/>
+    </dgm:scene3d>
+    <dgm:sp3d/>
+    <dgm:txPr/>
+    <dgm:style>
+      <a:lnRef idx="2">
+        <a:scrgbClr r="0" g="0" b="0"/>
+      </a:lnRef>
+      <a:fillRef idx="0">
+        <a:scrgbClr r="0" g="0" b="0"/>
+      </a:fillRef>
+      <a:effectRef idx="0">
+        <a:scrgbClr r="0" g="0" b="0"/>
+      </a:effectRef>
+      <a:fontRef idx="minor"/>
+    </dgm:style>
+  </dgm:styleLbl>
+  <dgm:styleLbl name="parChTrans1D2">
+    <dgm:scene3d>
+      <a:camera prst="orthographicFront"/>
+      <a:lightRig rig="threePt" dir="t"/>
+    </dgm:scene3d>
+    <dgm:sp3d/>
+    <dgm:txPr/>
+    <dgm:style>
+      <a:lnRef idx="2">
+        <a:scrgbClr r="0" g="0" b="0"/>
+      </a:lnRef>
+      <a:fillRef idx="0">
+        <a:scrgbClr r="0" g="0" b="0"/>
+      </a:fillRef>
+      <a:effectRef idx="0">
+        <a:scrgbClr r="0" g="0" b="0"/>
+      </a:effectRef>
+      <a:fontRef idx="minor"/>
+    </dgm:style>
+  </dgm:styleLbl>
+  <dgm:styleLbl name="parChTrans1D3">
+    <dgm:scene3d>
+      <a:camera prst="orthographicFront"/>
+      <a:lightRig rig="threePt" dir="t"/>
+    </dgm:scene3d>
+    <dgm:sp3d/>
+    <dgm:txPr/>
+    <dgm:style>
+      <a:lnRef idx="2">
+        <a:scrgbClr r="0" g="0" b="0"/>
+      </a:lnRef>
+      <a:fillRef idx="0">
+        <a:scrgbClr r="0" g="0" b="0"/>
+      </a:fillRef>
+      <a:effectRef idx="0">
+        <a:scrgbClr r="0" g="0" b="0"/>
+      </a:effectRef>
+      <a:fontRef idx="minor"/>
+    </dgm:style>
+  </dgm:styleLbl>
+  <dgm:styleLbl name="parChTrans1D4">
+    <dgm:scene3d>
+      <a:camera prst="orthographicFront"/>
+      <a:lightRig rig="threePt" dir="t"/>
+    </dgm:scene3d>
+    <dgm:sp3d/>
+    <dgm:txPr/>
+    <dgm:style>
+      <a:lnRef idx="2">
+        <a:scrgbClr r="0" g="0" b="0"/>
+      </a:lnRef>
+      <a:fillRef idx="0">
+        <a:scrgbClr r="0" g="0" b="0"/>
+      </a:fillRef>
+      <a:effectRef idx="0">
+        <a:scrgbClr r="0" g="0" b="0"/>
+      </a:effectRef>
+      <a:fontRef idx="minor"/>
+    </dgm:style>
+  </dgm:styleLbl>
+  <dgm:styleLbl name="fgAcc1">
+    <dgm:scene3d>
+      <a:camera prst="orthographicFront"/>
+      <a:lightRig rig="threePt" dir="t"/>
+    </dgm:scene3d>
+    <dgm:sp3d/>
+    <dgm:txPr/>
+    <dgm:style>
+      <a:lnRef idx="2">
+        <a:scrgbClr r="0" g="0" b="0"/>
+      </a:lnRef>
+      <a:fillRef idx="1">
+        <a:scrgbClr r="0" g="0" b="0"/>
+      </a:fillRef>
+      <a:effectRef idx="0">
+        <a:scrgbClr r="0" g="0" b="0"/>
+      </a:effectRef>
+      <a:fontRef idx="minor"/>
+    </dgm:style>
+  </dgm:styleLbl>
+  <dgm:styleLbl name="conFgAcc1">
+    <dgm:scene3d>
+      <a:camera prst="orthographicFront"/>
+      <a:lightRig rig="threePt" dir="t"/>
+    </dgm:scene3d>
+    <dgm:sp3d/>
+    <dgm:txPr/>
+    <dgm:style>
+      <a:lnRef idx="2">
+        <a:scrgbClr r="0" g="0" b="0"/>
+      </a:lnRef>
+      <a:fillRef idx="1">
+        <a:scrgbClr r="0" g="0" b="0"/>
+      </a:fillRef>
+      <a:effectRef idx="0">
+        <a:scrgbClr r="0" g="0" b="0"/>
+      </a:effectRef>
+      <a:fontRef idx="minor"/>
+    </dgm:style>
+  </dgm:styleLbl>
+  <dgm:styleLbl name="alignAcc1">
+    <dgm:scene3d>
+      <a:camera prst="orthographicFront"/>
+      <a:lightRig rig="threePt" dir="t"/>
+    </dgm:scene3d>
+    <dgm:sp3d/>
+    <dgm:txPr/>
+    <dgm:style>
+      <a:lnRef idx="2">
+        <a:scrgbClr r="0" g="0" b="0"/>
+      </a:lnRef>
+      <a:fillRef idx="1">
+        <a:scrgbClr r="0" g="0" b="0"/>
+      </a:fillRef>
+      <a:effectRef idx="0">
+        <a:scrgbClr r="0" g="0" b="0"/>
+      </a:effectRef>
+      <a:fontRef idx="minor"/>
+    </dgm:style>
+  </dgm:styleLbl>
+  <dgm:styleLbl name="trAlignAcc1">
+    <dgm:scene3d>
+      <a:camera prst="orthographicFront"/>
+      <a:lightRig rig="threePt" dir="t"/>
+    </dgm:scene3d>
+    <dgm:sp3d/>
+    <dgm:txPr/>
+    <dgm:style>
+      <a:lnRef idx="1">
+        <a:scrgbClr r="0" g="0" b="0"/>
+      </a:lnRef>
+      <a:fillRef idx="1">
+        <a:scrgbClr r="0" g="0" b="0"/>
+      </a:fillRef>
+      <a:effectRef idx="0">
+        <a:scrgbClr r="0" g="0" b="0"/>
+      </a:effectRef>
+      <a:fontRef idx="minor"/>
+    </dgm:style>
+  </dgm:styleLbl>
+  <dgm:styleLbl name="bgAcc1">
+    <dgm:scene3d>
+      <a:camera prst="orthographicFront"/>
+      <a:lightRig rig="threePt" dir="t"/>
+    </dgm:scene3d>
+    <dgm:sp3d/>
+    <dgm:txPr/>
+    <dgm:style>
+      <a:lnRef idx="2">
+        <a:scrgbClr r="0" g="0" b="0"/>
+      </a:lnRef>
+      <a:fillRef idx="1">
+        <a:scrgbClr r="0" g="0" b="0"/>
+      </a:fillRef>
+      <a:effectRef idx="0">
+        <a:scrgbClr r="0" g="0" b="0"/>
+      </a:effectRef>
+      <a:fontRef idx="minor"/>
+    </dgm:style>
+  </dgm:styleLbl>
+  <dgm:styleLbl name="solidFgAcc1">
+    <dgm:scene3d>
+      <a:camera prst="orthographicFront"/>
+      <a:lightRig rig="threePt" dir="t"/>
+    </dgm:scene3d>
+    <dgm:sp3d/>
+    <dgm:txPr/>
+    <dgm:style>
+      <a:lnRef idx="2">
+        <a:scrgbClr r="0" g="0" b="0"/>
+      </a:lnRef>
+      <a:fillRef idx="1">
+        <a:scrgbClr r="0" g="0" b="0"/>
+      </a:fillRef>
+      <a:effectRef idx="0">
+        <a:scrgbClr r="0" g="0" b="0"/>
+      </a:effectRef>
+      <a:fontRef idx="minor"/>
+    </dgm:style>
+  </dgm:styleLbl>
+  <dgm:styleLbl name="solidAlignAcc1">
+    <dgm:scene3d>
+      <a:camera prst="orthographicFront"/>
+      <a:lightRig rig="threePt" dir="t"/>
+    </dgm:scene3d>
+    <dgm:sp3d/>
+    <dgm:txPr/>
+    <dgm:style>
+      <a:lnRef idx="2">
+        <a:scrgbClr r="0" g="0" b="0"/>
+      </a:lnRef>
+      <a:fillRef idx="1">
+        <a:scrgbClr r="0" g="0" b="0"/>
+      </a:fillRef>
+      <a:effectRef idx="0">
+        <a:scrgbClr r="0" g="0" b="0"/>
+      </a:effectRef>
+      <a:fontRef idx="minor"/>
+    </dgm:style>
+  </dgm:styleLbl>
+  <dgm:styleLbl name="solidBgAcc1">
+    <dgm:scene3d>
+      <a:camera prst="orthographicFront"/>
+      <a:lightRig rig="threePt" dir="t"/>
+    </dgm:scene3d>
+    <dgm:sp3d/>
+    <dgm:txPr/>
+    <dgm:style>
+      <a:lnRef idx="2">
+        <a:scrgbClr r="0" g="0" b="0"/>
+      </a:lnRef>
+      <a:fillRef idx="1">
+        <a:scrgbClr r="0" g="0" b="0"/>
+      </a:fillRef>
+      <a:effectRef idx="0">
+        <a:scrgbClr r="0" g="0" b="0"/>
+      </a:effectRef>
+      <a:fontRef idx="minor"/>
+    </dgm:style>
+  </dgm:styleLbl>
+  <dgm:styleLbl name="fgAccFollowNode1">
+    <dgm:scene3d>
+      <a:camera prst="orthographicFront"/>
+      <a:lightRig rig="threePt" dir="t"/>
+    </dgm:scene3d>
+    <dgm:sp3d/>
+    <dgm:txPr/>
+    <dgm:style>
+      <a:lnRef idx="2">
+        <a:scrgbClr r="0" g="0" b="0"/>
+      </a:lnRef>
+      <a:fillRef idx="1">
+        <a:scrgbClr r="0" g="0" b="0"/>
+      </a:fillRef>
+      <a:effectRef idx="0">
+        <a:scrgbClr r="0" g="0" b="0"/>
+      </a:effectRef>
+      <a:fontRef idx="minor"/>
+    </dgm:style>
+  </dgm:styleLbl>
+  <dgm:styleLbl name="alignAccFollowNode1">
+    <dgm:scene3d>
+      <a:camera prst="orthographicFront"/>
+      <a:lightRig rig="threePt" dir="t"/>
+    </dgm:scene3d>
+    <dgm:sp3d/>
+    <dgm:txPr/>
+    <dgm:style>
+      <a:lnRef idx="2">
+        <a:scrgbClr r="0" g="0" b="0"/>
+      </a:lnRef>
+      <a:fillRef idx="1">
+        <a:scrgbClr r="0" g="0" b="0"/>
+      </a:fillRef>
+      <a:effectRef idx="0">
+        <a:scrgbClr r="0" g="0" b="0"/>
+      </a:effectRef>
+      <a:fontRef idx="minor"/>
+    </dgm:style>
+  </dgm:styleLbl>
+  <dgm:styleLbl name="bgAccFollowNode1">
+    <dgm:scene3d>
+      <a:camera prst="orthographicFront"/>
+      <a:lightRig rig="threePt" dir="t"/>
+    </dgm:scene3d>
+    <dgm:sp3d/>
+    <dgm:txPr/>
+    <dgm:style>
+      <a:lnRef idx="2">
+        <a:scrgbClr r="0" g="0" b="0"/>
+      </a:lnRef>
+      <a:fillRef idx="1">
+        <a:scrgbClr r="0" g="0" b="0"/>
+      </a:fillRef>
+      <a:effectRef idx="0">
+        <a:scrgbClr r="0" g="0" b="0"/>
+      </a:effectRef>
+      <a:fontRef idx="minor"/>
+    </dgm:style>
+  </dgm:styleLbl>
+  <dgm:styleLbl name="fgAcc0">
+    <dgm:scene3d>
+      <a:camera prst="orthographicFront"/>
+      <a:lightRig rig="threePt" dir="t"/>
+    </dgm:scene3d>
+    <dgm:sp3d/>
+    <dgm:txPr/>
+    <dgm:style>
+      <a:lnRef idx="2">
+        <a:scrgbClr r="0" g="0" b="0"/>
+      </a:lnRef>
+      <a:fillRef idx="1">
+        <a:scrgbClr r="0" g="0" b="0"/>
+      </a:fillRef>
+      <a:effectRef idx="0">
+        <a:scrgbClr r="0" g="0" b="0"/>
+      </a:effectRef>
+      <a:fontRef idx="minor"/>
+    </dgm:style>
+  </dgm:styleLbl>
+  <dgm:styleLbl name="fgAcc2">
+    <dgm:scene3d>
+      <a:camera prst="orthographicFront"/>
+      <a:lightRig rig="threePt" dir="t"/>
+    </dgm:scene3d>
+    <dgm:sp3d/>
+    <dgm:txPr/>
+    <dgm:style>
+      <a:lnRef idx="2">
+        <a:scrgbClr r="0" g="0" b="0"/>
+      </a:lnRef>
+      <a:fillRef idx="1">
+        <a:scrgbClr r="0" g="0" b="0"/>
+      </a:fillRef>
+      <a:effectRef idx="0">
+        <a:scrgbClr r="0" g="0" b="0"/>
+      </a:effectRef>
+      <a:fontRef idx="minor"/>
+    </dgm:style>
+  </dgm:styleLbl>
+  <dgm:styleLbl name="fgAcc3">
+    <dgm:scene3d>
+      <a:camera prst="orthographicFront"/>
+      <a:lightRig rig="threePt" dir="t"/>
+    </dgm:scene3d>
+    <dgm:sp3d/>
+    <dgm:txPr/>
+    <dgm:style>
+      <a:lnRef idx="2">
+        <a:scrgbClr r="0" g="0" b="0"/>
+      </a:lnRef>
+      <a:fillRef idx="1">
+        <a:scrgbClr r="0" g="0" b="0"/>
+      </a:fillRef>
+      <a:effectRef idx="0">
+        <a:scrgbClr r="0" g="0" b="0"/>
+      </a:effectRef>
+      <a:fontRef idx="minor"/>
+    </dgm:style>
+  </dgm:styleLbl>
+  <dgm:styleLbl name="fgAcc4">
+    <dgm:scene3d>
+      <a:camera prst="orthographicFront"/>
+      <a:lightRig rig="threePt" dir="t"/>
+    </dgm:scene3d>
+    <dgm:sp3d/>
+    <dgm:txPr/>
+    <dgm:style>
+      <a:lnRef idx="2">
+        <a:scrgbClr r="0" g="0" b="0"/>
+      </a:lnRef>
+      <a:fillRef idx="1">
+        <a:scrgbClr r="0" g="0" b="0"/>
+      </a:fillRef>
+      <a:effectRef idx="0">
+        <a:scrgbClr r="0" g="0" b="0"/>
+      </a:effectRef>
+      <a:fontRef idx="minor"/>
+    </dgm:style>
+  </dgm:styleLbl>
+  <dgm:styleLbl name="bgShp">
+    <dgm:scene3d>
+      <a:camera prst="orthographicFront"/>
+      <a:lightRig rig="threePt" dir="t"/>
+    </dgm:scene3d>
+    <dgm:sp3d/>
+    <dgm:txPr/>
+    <dgm:style>
+      <a:lnRef idx="0">
+        <a:scrgbClr r="0" g="0" b="0"/>
+      </a:lnRef>
+      <a:fillRef idx="1">
+        <a:scrgbClr r="0" g="0" b="0"/>
+      </a:fillRef>
+      <a:effectRef idx="0">
+        <a:scrgbClr r="0" g="0" b="0"/>
+      </a:effectRef>
+      <a:fontRef idx="minor"/>
+    </dgm:style>
+  </dgm:styleLbl>
+  <dgm:styleLbl name="dkBgShp">
+    <dgm:scene3d>
+      <a:camera prst="orthographicFront"/>
+      <a:lightRig rig="threePt" dir="t"/>
+    </dgm:scene3d>
+    <dgm:sp3d/>
+    <dgm:txPr/>
+    <dgm:style>
+      <a:lnRef idx="0">
+        <a:scrgbClr r="0" g="0" b="0"/>
+      </a:lnRef>
+      <a:fillRef idx="1">
+        <a:scrgbClr r="0" g="0" b="0"/>
+      </a:fillRef>
+      <a:effectRef idx="0">
+        <a:scrgbClr r="0" g="0" b="0"/>
+      </a:effectRef>
+      <a:fontRef idx="minor"/>
+    </dgm:style>
+  </dgm:styleLbl>
+  <dgm:styleLbl name="trBgShp">
+    <dgm:scene3d>
+      <a:camera prst="orthographicFront"/>
+      <a:lightRig rig="threePt" dir="t"/>
+    </dgm:scene3d>
+    <dgm:sp3d/>
+    <dgm:txPr/>
+    <dgm:style>
+      <a:lnRef idx="0">
+        <a:scrgbClr r="0" g="0" b="0"/>
+      </a:lnRef>
+      <a:fillRef idx="1">
+        <a:scrgbClr r="0" g="0" b="0"/>
+      </a:fillRef>
+      <a:effectRef idx="0">
+        <a:scrgbClr r="0" g="0" b="0"/>
+      </a:effectRef>
+      <a:fontRef idx="minor"/>
+    </dgm:style>
+  </dgm:styleLbl>
+  <dgm:styleLbl name="fgShp">
+    <dgm:scene3d>
+      <a:camera prst="orthographicFront"/>
+      <a:lightRig rig="threePt" dir="t"/>
+    </dgm:scene3d>
+    <dgm:sp3d/>
+    <dgm:txPr/>
+    <dgm:style>
+      <a:lnRef idx="2">
+        <a:scrgbClr r="0" g="0" b="0"/>
+      </a:lnRef>
+      <a:fillRef idx="1">
+        <a:scrgbClr r="0" g="0" b="0"/>
+      </a:fillRef>
+      <a:effectRef idx="0">
+        <a:scrgbClr r="0" g="0" b="0"/>
+      </a:effectRef>
+      <a:fontRef idx="minor"/>
+    </dgm:style>
+  </dgm:styleLbl>
+  <dgm:styleLbl name="revTx">
+    <dgm:scene3d>
+      <a:camera prst="orthographicFront"/>
+      <a:lightRig rig="threePt" dir="t"/>
+    </dgm:scene3d>
+    <dgm:sp3d/>
+    <dgm:txPr/>
+    <dgm:style>
+      <a:lnRef idx="0">
+        <a:scrgbClr r="0" g="0" b="0"/>
+      </a:lnRef>
+      <a:fillRef idx="0">
+        <a:scrgbClr r="0" g="0" b="0"/>
+      </a:fillRef>
+      <a:effectRef idx="0">
+        <a:scrgbClr r="0" g="0" b="0"/>
+      </a:effectRef>
+      <a:fontRef idx="minor"/>
+    </dgm:style>
+  </dgm:styleLbl>
+</dgm:styleDef>
 </file>
 
 <file path=ppt/slideLayouts/slideLayout1.xml><?xml version="1.0" encoding="utf-8"?>
@@ -244,7 +4853,7 @@
           <a:p>
             <a:fld id="{21559E26-E64C-4242-8045-E180EEF6D92B}" type="datetimeFigureOut">
               <a:rPr lang="en-US" smtClean="0"/>
-              <a:t>6/24/2014</a:t>
+              <a:t>6/25/2014</a:t>
             </a:fld>
             <a:endParaRPr lang="en-US"/>
           </a:p>
@@ -414,7 +5023,7 @@
           <a:p>
             <a:fld id="{21559E26-E64C-4242-8045-E180EEF6D92B}" type="datetimeFigureOut">
               <a:rPr lang="en-US" smtClean="0"/>
-              <a:t>6/24/2014</a:t>
+              <a:t>6/25/2014</a:t>
             </a:fld>
             <a:endParaRPr lang="en-US"/>
           </a:p>
@@ -594,7 +5203,7 @@
           <a:p>
             <a:fld id="{21559E26-E64C-4242-8045-E180EEF6D92B}" type="datetimeFigureOut">
               <a:rPr lang="en-US" smtClean="0"/>
-              <a:t>6/24/2014</a:t>
+              <a:t>6/25/2014</a:t>
             </a:fld>
             <a:endParaRPr lang="en-US"/>
           </a:p>
@@ -764,7 +5373,7 @@
           <a:p>
             <a:fld id="{21559E26-E64C-4242-8045-E180EEF6D92B}" type="datetimeFigureOut">
               <a:rPr lang="en-US" smtClean="0"/>
-              <a:t>6/24/2014</a:t>
+              <a:t>6/25/2014</a:t>
             </a:fld>
             <a:endParaRPr lang="en-US"/>
           </a:p>
@@ -1008,7 +5617,7 @@
           <a:p>
             <a:fld id="{21559E26-E64C-4242-8045-E180EEF6D92B}" type="datetimeFigureOut">
               <a:rPr lang="en-US" smtClean="0"/>
-              <a:t>6/24/2014</a:t>
+              <a:t>6/25/2014</a:t>
             </a:fld>
             <a:endParaRPr lang="en-US"/>
           </a:p>
@@ -1240,7 +5849,7 @@
           <a:p>
             <a:fld id="{21559E26-E64C-4242-8045-E180EEF6D92B}" type="datetimeFigureOut">
               <a:rPr lang="en-US" smtClean="0"/>
-              <a:t>6/24/2014</a:t>
+              <a:t>6/25/2014</a:t>
             </a:fld>
             <a:endParaRPr lang="en-US"/>
           </a:p>
@@ -1607,7 +6216,7 @@
           <a:p>
             <a:fld id="{21559E26-E64C-4242-8045-E180EEF6D92B}" type="datetimeFigureOut">
               <a:rPr lang="en-US" smtClean="0"/>
-              <a:t>6/24/2014</a:t>
+              <a:t>6/25/2014</a:t>
             </a:fld>
             <a:endParaRPr lang="en-US"/>
           </a:p>
@@ -1725,7 +6334,7 @@
           <a:p>
             <a:fld id="{21559E26-E64C-4242-8045-E180EEF6D92B}" type="datetimeFigureOut">
               <a:rPr lang="en-US" smtClean="0"/>
-              <a:t>6/24/2014</a:t>
+              <a:t>6/25/2014</a:t>
             </a:fld>
             <a:endParaRPr lang="en-US"/>
           </a:p>
@@ -1820,7 +6429,7 @@
           <a:p>
             <a:fld id="{21559E26-E64C-4242-8045-E180EEF6D92B}" type="datetimeFigureOut">
               <a:rPr lang="en-US" smtClean="0"/>
-              <a:t>6/24/2014</a:t>
+              <a:t>6/25/2014</a:t>
             </a:fld>
             <a:endParaRPr lang="en-US"/>
           </a:p>
@@ -2097,7 +6706,7 @@
           <a:p>
             <a:fld id="{21559E26-E64C-4242-8045-E180EEF6D92B}" type="datetimeFigureOut">
               <a:rPr lang="en-US" smtClean="0"/>
-              <a:t>6/24/2014</a:t>
+              <a:t>6/25/2014</a:t>
             </a:fld>
             <a:endParaRPr lang="en-US"/>
           </a:p>
@@ -2354,7 +6963,7 @@
           <a:p>
             <a:fld id="{21559E26-E64C-4242-8045-E180EEF6D92B}" type="datetimeFigureOut">
               <a:rPr lang="en-US" smtClean="0"/>
-              <a:t>6/24/2014</a:t>
+              <a:t>6/25/2014</a:t>
             </a:fld>
             <a:endParaRPr lang="en-US"/>
           </a:p>
@@ -2567,7 +7176,7 @@
           <a:p>
             <a:fld id="{21559E26-E64C-4242-8045-E180EEF6D92B}" type="datetimeFigureOut">
               <a:rPr lang="en-US" smtClean="0"/>
-              <a:t>6/24/2014</a:t>
+              <a:t>6/25/2014</a:t>
             </a:fld>
             <a:endParaRPr lang="en-US"/>
           </a:p>
@@ -3011,16 +7620,8 @@
           <a:lstStyle/>
           <a:p>
             <a:r>
-              <a:rPr lang="de-DE" dirty="0"/>
-              <a:t>Fingertracking und physikalisch </a:t>
-            </a:r>
-            <a:r>
               <a:rPr lang="de-DE" dirty="0" smtClean="0"/>
-              <a:t>akkurate </a:t>
-            </a:r>
-            <a:r>
-              <a:rPr lang="de-DE" dirty="0"/>
-              <a:t>Interaktion mit einer 3D Szene</a:t>
+              <a:t>Fingertracking und physikalisch akkurate Interaktion mit einer 3D Szene</a:t>
             </a:r>
             <a:endParaRPr lang="en-US" dirty="0"/>
           </a:p>
@@ -3030,6 +7631,384 @@
     <p:extLst>
       <p:ext uri="{BB962C8B-B14F-4D97-AF65-F5344CB8AC3E}">
         <p14:creationId xmlns:p14="http://schemas.microsoft.com/office/powerpoint/2010/main" val="1897823650"/>
+      </p:ext>
+    </p:extLst>
+  </p:cSld>
+  <p:clrMapOvr>
+    <a:masterClrMapping/>
+  </p:clrMapOvr>
+</p:sld>
+</file>
+
+<file path=ppt/slides/slide10.xml><?xml version="1.0" encoding="utf-8"?>
+<p:sld xmlns:a="http://schemas.openxmlformats.org/drawingml/2006/main" xmlns:r="http://schemas.openxmlformats.org/officeDocument/2006/relationships" xmlns:p="http://schemas.openxmlformats.org/presentationml/2006/main">
+  <p:cSld>
+    <p:spTree>
+      <p:nvGrpSpPr>
+        <p:cNvPr id="1" name=""/>
+        <p:cNvGrpSpPr/>
+        <p:nvPr/>
+      </p:nvGrpSpPr>
+      <p:grpSpPr>
+        <a:xfrm>
+          <a:off x="0" y="0"/>
+          <a:ext cx="0" cy="0"/>
+          <a:chOff x="0" y="0"/>
+          <a:chExt cx="0" cy="0"/>
+        </a:xfrm>
+      </p:grpSpPr>
+      <p:sp>
+        <p:nvSpPr>
+          <p:cNvPr id="2" name="Title 1"/>
+          <p:cNvSpPr>
+            <a:spLocks noGrp="1"/>
+          </p:cNvSpPr>
+          <p:nvPr>
+            <p:ph type="title"/>
+          </p:nvPr>
+        </p:nvSpPr>
+        <p:spPr/>
+        <p:txBody>
+          <a:bodyPr/>
+          <a:lstStyle/>
+          <a:p>
+            <a:r>
+              <a:rPr lang="de-AT" dirty="0" smtClean="0"/>
+              <a:t>Szenen – Ball und Schüsseln</a:t>
+            </a:r>
+            <a:endParaRPr lang="en-US" dirty="0"/>
+          </a:p>
+        </p:txBody>
+      </p:sp>
+      <p:pic>
+        <p:nvPicPr>
+          <p:cNvPr id="4" name="Content Placeholder 3"/>
+          <p:cNvPicPr>
+            <a:picLocks noGrp="1" noChangeAspect="1"/>
+          </p:cNvPicPr>
+          <p:nvPr>
+            <p:ph idx="1"/>
+          </p:nvPr>
+        </p:nvPicPr>
+        <p:blipFill>
+          <a:blip r:embed="rId2">
+            <a:extLst>
+              <a:ext uri="{28A0092B-C50C-407E-A947-70E740481C1C}">
+                <a14:useLocalDpi xmlns:a14="http://schemas.microsoft.com/office/drawing/2010/main" val="0"/>
+              </a:ext>
+            </a:extLst>
+          </a:blip>
+          <a:stretch>
+            <a:fillRect/>
+          </a:stretch>
+        </p:blipFill>
+        <p:spPr>
+          <a:xfrm>
+            <a:off x="1186086" y="1825625"/>
+            <a:ext cx="6771827" cy="4351338"/>
+          </a:xfrm>
+        </p:spPr>
+      </p:pic>
+    </p:spTree>
+    <p:extLst>
+      <p:ext uri="{BB962C8B-B14F-4D97-AF65-F5344CB8AC3E}">
+        <p14:creationId xmlns:p14="http://schemas.microsoft.com/office/powerpoint/2010/main" val="274721957"/>
+      </p:ext>
+    </p:extLst>
+  </p:cSld>
+  <p:clrMapOvr>
+    <a:masterClrMapping/>
+  </p:clrMapOvr>
+</p:sld>
+</file>
+
+<file path=ppt/slides/slide11.xml><?xml version="1.0" encoding="utf-8"?>
+<p:sld xmlns:a="http://schemas.openxmlformats.org/drawingml/2006/main" xmlns:r="http://schemas.openxmlformats.org/officeDocument/2006/relationships" xmlns:p="http://schemas.openxmlformats.org/presentationml/2006/main">
+  <p:cSld>
+    <p:spTree>
+      <p:nvGrpSpPr>
+        <p:cNvPr id="1" name=""/>
+        <p:cNvGrpSpPr/>
+        <p:nvPr/>
+      </p:nvGrpSpPr>
+      <p:grpSpPr>
+        <a:xfrm>
+          <a:off x="0" y="0"/>
+          <a:ext cx="0" cy="0"/>
+          <a:chOff x="0" y="0"/>
+          <a:chExt cx="0" cy="0"/>
+        </a:xfrm>
+      </p:grpSpPr>
+      <p:sp>
+        <p:nvSpPr>
+          <p:cNvPr id="2" name="Title 1"/>
+          <p:cNvSpPr>
+            <a:spLocks noGrp="1"/>
+          </p:cNvSpPr>
+          <p:nvPr>
+            <p:ph type="title"/>
+          </p:nvPr>
+        </p:nvSpPr>
+        <p:spPr/>
+        <p:txBody>
+          <a:bodyPr/>
+          <a:lstStyle/>
+          <a:p>
+            <a:r>
+              <a:rPr lang="de-AT" dirty="0" smtClean="0"/>
+              <a:t>Szenen - Schalter</a:t>
+            </a:r>
+            <a:endParaRPr lang="en-US" dirty="0"/>
+          </a:p>
+        </p:txBody>
+      </p:sp>
+      <p:pic>
+        <p:nvPicPr>
+          <p:cNvPr id="4" name="Content Placeholder 3"/>
+          <p:cNvPicPr>
+            <a:picLocks noGrp="1" noChangeAspect="1"/>
+          </p:cNvPicPr>
+          <p:nvPr>
+            <p:ph idx="1"/>
+          </p:nvPr>
+        </p:nvPicPr>
+        <p:blipFill>
+          <a:blip r:embed="rId2">
+            <a:extLst>
+              <a:ext uri="{28A0092B-C50C-407E-A947-70E740481C1C}">
+                <a14:useLocalDpi xmlns:a14="http://schemas.microsoft.com/office/drawing/2010/main" val="0"/>
+              </a:ext>
+            </a:extLst>
+          </a:blip>
+          <a:stretch>
+            <a:fillRect/>
+          </a:stretch>
+        </p:blipFill>
+        <p:spPr>
+          <a:xfrm>
+            <a:off x="1504522" y="1991238"/>
+            <a:ext cx="6134956" cy="4020111"/>
+          </a:xfrm>
+        </p:spPr>
+      </p:pic>
+    </p:spTree>
+    <p:extLst>
+      <p:ext uri="{BB962C8B-B14F-4D97-AF65-F5344CB8AC3E}">
+        <p14:creationId xmlns:p14="http://schemas.microsoft.com/office/powerpoint/2010/main" val="4162957779"/>
+      </p:ext>
+    </p:extLst>
+  </p:cSld>
+  <p:clrMapOvr>
+    <a:masterClrMapping/>
+  </p:clrMapOvr>
+</p:sld>
+</file>
+
+<file path=ppt/slides/slide12.xml><?xml version="1.0" encoding="utf-8"?>
+<p:sld xmlns:a="http://schemas.openxmlformats.org/drawingml/2006/main" xmlns:r="http://schemas.openxmlformats.org/officeDocument/2006/relationships" xmlns:p="http://schemas.openxmlformats.org/presentationml/2006/main">
+  <p:cSld>
+    <p:spTree>
+      <p:nvGrpSpPr>
+        <p:cNvPr id="1" name=""/>
+        <p:cNvGrpSpPr/>
+        <p:nvPr/>
+      </p:nvGrpSpPr>
+      <p:grpSpPr>
+        <a:xfrm>
+          <a:off x="0" y="0"/>
+          <a:ext cx="0" cy="0"/>
+          <a:chOff x="0" y="0"/>
+          <a:chExt cx="0" cy="0"/>
+        </a:xfrm>
+      </p:grpSpPr>
+      <p:sp>
+        <p:nvSpPr>
+          <p:cNvPr id="2" name="Title 1"/>
+          <p:cNvSpPr>
+            <a:spLocks noGrp="1"/>
+          </p:cNvSpPr>
+          <p:nvPr>
+            <p:ph type="title"/>
+          </p:nvPr>
+        </p:nvSpPr>
+        <p:spPr/>
+        <p:txBody>
+          <a:bodyPr/>
+          <a:lstStyle/>
+          <a:p>
+            <a:r>
+              <a:rPr lang="de-AT" dirty="0" smtClean="0"/>
+              <a:t>Szenen - </a:t>
+            </a:r>
+            <a:r>
+              <a:rPr lang="de-AT" dirty="0" err="1" smtClean="0"/>
+              <a:t>Jenga</a:t>
+            </a:r>
+            <a:endParaRPr lang="en-US" dirty="0"/>
+          </a:p>
+        </p:txBody>
+      </p:sp>
+      <p:pic>
+        <p:nvPicPr>
+          <p:cNvPr id="4" name="Content Placeholder 3"/>
+          <p:cNvPicPr>
+            <a:picLocks noGrp="1" noChangeAspect="1"/>
+          </p:cNvPicPr>
+          <p:nvPr>
+            <p:ph idx="1"/>
+          </p:nvPr>
+        </p:nvPicPr>
+        <p:blipFill>
+          <a:blip r:embed="rId2">
+            <a:extLst>
+              <a:ext uri="{28A0092B-C50C-407E-A947-70E740481C1C}">
+                <a14:useLocalDpi xmlns:a14="http://schemas.microsoft.com/office/drawing/2010/main" val="0"/>
+              </a:ext>
+            </a:extLst>
+          </a:blip>
+          <a:stretch>
+            <a:fillRect/>
+          </a:stretch>
+        </p:blipFill>
+        <p:spPr>
+          <a:xfrm>
+            <a:off x="998685" y="1825625"/>
+            <a:ext cx="7146630" cy="4351338"/>
+          </a:xfrm>
+        </p:spPr>
+      </p:pic>
+    </p:spTree>
+    <p:extLst>
+      <p:ext uri="{BB962C8B-B14F-4D97-AF65-F5344CB8AC3E}">
+        <p14:creationId xmlns:p14="http://schemas.microsoft.com/office/powerpoint/2010/main" val="772177201"/>
+      </p:ext>
+    </p:extLst>
+  </p:cSld>
+  <p:clrMapOvr>
+    <a:masterClrMapping/>
+  </p:clrMapOvr>
+</p:sld>
+</file>
+
+<file path=ppt/slides/slide13.xml><?xml version="1.0" encoding="utf-8"?>
+<p:sld xmlns:a="http://schemas.openxmlformats.org/drawingml/2006/main" xmlns:r="http://schemas.openxmlformats.org/officeDocument/2006/relationships" xmlns:p="http://schemas.openxmlformats.org/presentationml/2006/main">
+  <p:cSld>
+    <p:spTree>
+      <p:nvGrpSpPr>
+        <p:cNvPr id="1" name=""/>
+        <p:cNvGrpSpPr/>
+        <p:nvPr/>
+      </p:nvGrpSpPr>
+      <p:grpSpPr>
+        <a:xfrm>
+          <a:off x="0" y="0"/>
+          <a:ext cx="0" cy="0"/>
+          <a:chOff x="0" y="0"/>
+          <a:chExt cx="0" cy="0"/>
+        </a:xfrm>
+      </p:grpSpPr>
+      <p:sp>
+        <p:nvSpPr>
+          <p:cNvPr id="2" name="Title 1"/>
+          <p:cNvSpPr>
+            <a:spLocks noGrp="1"/>
+          </p:cNvSpPr>
+          <p:nvPr>
+            <p:ph type="title"/>
+          </p:nvPr>
+        </p:nvSpPr>
+        <p:spPr/>
+        <p:txBody>
+          <a:bodyPr/>
+          <a:lstStyle/>
+          <a:p>
+            <a:r>
+              <a:rPr lang="de-AT" dirty="0" smtClean="0"/>
+              <a:t>Probleme</a:t>
+            </a:r>
+            <a:endParaRPr lang="en-US" dirty="0"/>
+          </a:p>
+        </p:txBody>
+      </p:sp>
+      <p:sp>
+        <p:nvSpPr>
+          <p:cNvPr id="3" name="Content Placeholder 2"/>
+          <p:cNvSpPr>
+            <a:spLocks noGrp="1"/>
+          </p:cNvSpPr>
+          <p:nvPr>
+            <p:ph idx="1"/>
+          </p:nvPr>
+        </p:nvSpPr>
+        <p:spPr/>
+        <p:txBody>
+          <a:bodyPr/>
+          <a:lstStyle/>
+          <a:p>
+            <a:r>
+              <a:rPr lang="de-AT" dirty="0" smtClean="0"/>
+              <a:t>Interaktion</a:t>
+            </a:r>
+          </a:p>
+          <a:p>
+            <a:pPr lvl="1"/>
+            <a:r>
+              <a:rPr lang="de-AT" dirty="0" smtClean="0"/>
+              <a:t>Orientierung im 3D Raum, besonders Tiefe</a:t>
+            </a:r>
+          </a:p>
+          <a:p>
+            <a:pPr lvl="1"/>
+            <a:r>
+              <a:rPr lang="de-AT" dirty="0" smtClean="0"/>
+              <a:t>Haptisches </a:t>
+            </a:r>
+            <a:r>
+              <a:rPr lang="de-AT" dirty="0"/>
+              <a:t>F</a:t>
+            </a:r>
+            <a:r>
+              <a:rPr lang="de-AT" dirty="0" smtClean="0"/>
+              <a:t>eedback</a:t>
+            </a:r>
+          </a:p>
+          <a:p>
+            <a:pPr lvl="1"/>
+            <a:r>
+              <a:rPr lang="de-AT" dirty="0" smtClean="0"/>
+              <a:t>Bewegungen durch Objekte hindurch</a:t>
+            </a:r>
+          </a:p>
+          <a:p>
+            <a:r>
+              <a:rPr lang="de-AT" dirty="0" smtClean="0"/>
+              <a:t>Implementierung</a:t>
+            </a:r>
+          </a:p>
+          <a:p>
+            <a:pPr lvl="1"/>
+            <a:r>
+              <a:rPr lang="de-AT" dirty="0" smtClean="0"/>
+              <a:t>Bullet schlecht dokumentiert</a:t>
+            </a:r>
+          </a:p>
+          <a:p>
+            <a:pPr lvl="1"/>
+            <a:r>
+              <a:rPr lang="de-AT" dirty="0" err="1" smtClean="0"/>
+              <a:t>SharpDX</a:t>
+            </a:r>
+            <a:r>
+              <a:rPr lang="de-AT" dirty="0" smtClean="0"/>
+              <a:t> Visualisierung aufwändig</a:t>
+            </a:r>
+          </a:p>
+        </p:txBody>
+      </p:sp>
+    </p:spTree>
+    <p:extLst>
+      <p:ext uri="{BB962C8B-B14F-4D97-AF65-F5344CB8AC3E}">
+        <p14:creationId xmlns:p14="http://schemas.microsoft.com/office/powerpoint/2010/main" val="2153258819"/>
       </p:ext>
     </p:extLst>
   </p:cSld>
@@ -3071,6 +8050,10 @@
           <a:bodyPr/>
           <a:lstStyle/>
           <a:p>
+            <a:r>
+              <a:rPr lang="de-AT" dirty="0" smtClean="0"/>
+              <a:t>Methodik</a:t>
+            </a:r>
             <a:endParaRPr lang="en-US" dirty="0"/>
           </a:p>
         </p:txBody>
@@ -3090,83 +8073,74 @@
           <a:bodyPr/>
           <a:lstStyle/>
           <a:p>
-            <a:endParaRPr lang="en-US" dirty="0"/>
-          </a:p>
-        </p:txBody>
-      </p:sp>
-    </p:spTree>
-    <p:extLst>
-      <p:ext uri="{BB962C8B-B14F-4D97-AF65-F5344CB8AC3E}">
-        <p14:creationId xmlns:p14="http://schemas.microsoft.com/office/powerpoint/2010/main" val="1395854628"/>
-      </p:ext>
-    </p:extLst>
-  </p:cSld>
-  <p:clrMapOvr>
-    <a:masterClrMapping/>
-  </p:clrMapOvr>
-</p:sld>
-</file>
-
-<file path=ppt/slides/slide3.xml><?xml version="1.0" encoding="utf-8"?>
-<p:sld xmlns:a="http://schemas.openxmlformats.org/drawingml/2006/main" xmlns:r="http://schemas.openxmlformats.org/officeDocument/2006/relationships" xmlns:p="http://schemas.openxmlformats.org/presentationml/2006/main">
-  <p:cSld>
-    <p:spTree>
-      <p:nvGrpSpPr>
-        <p:cNvPr id="1" name=""/>
-        <p:cNvGrpSpPr/>
-        <p:nvPr/>
-      </p:nvGrpSpPr>
-      <p:grpSpPr>
-        <a:xfrm>
-          <a:off x="0" y="0"/>
-          <a:ext cx="0" cy="0"/>
-          <a:chOff x="0" y="0"/>
-          <a:chExt cx="0" cy="0"/>
-        </a:xfrm>
-      </p:grpSpPr>
-      <p:sp>
-        <p:nvSpPr>
-          <p:cNvPr id="2" name="Title 1"/>
-          <p:cNvSpPr>
-            <a:spLocks noGrp="1"/>
-          </p:cNvSpPr>
-          <p:nvPr>
-            <p:ph type="title"/>
-          </p:nvPr>
-        </p:nvSpPr>
-        <p:spPr/>
-        <p:txBody>
-          <a:bodyPr/>
-          <a:lstStyle/>
-          <a:p>
             <a:r>
               <a:rPr lang="de-AT" dirty="0" smtClean="0"/>
-              <a:t>Finger </a:t>
-            </a:r>
-            <a:r>
-              <a:rPr lang="de-AT" dirty="0" err="1" smtClean="0"/>
-              <a:t>tracking</a:t>
-            </a:r>
-            <a:endParaRPr lang="en-US" dirty="0"/>
-          </a:p>
-        </p:txBody>
-      </p:sp>
-      <p:sp>
-        <p:nvSpPr>
-          <p:cNvPr id="3" name="Content Placeholder 2"/>
-          <p:cNvSpPr>
-            <a:spLocks noGrp="1"/>
-          </p:cNvSpPr>
-          <p:nvPr>
-            <p:ph idx="1"/>
-          </p:nvPr>
-        </p:nvSpPr>
-        <p:spPr/>
-        <p:txBody>
-          <a:bodyPr/>
-          <a:lstStyle/>
-          <a:p>
-            <a:endParaRPr lang="en-US"/>
+              <a:t>Demoframework</a:t>
+            </a:r>
+          </a:p>
+          <a:p>
+            <a:r>
+              <a:rPr lang="de-AT" dirty="0" smtClean="0"/>
+              <a:t>Aufbau diverser Test </a:t>
+            </a:r>
+            <a:r>
+              <a:rPr lang="de-AT" dirty="0" smtClean="0"/>
+              <a:t>S</a:t>
+            </a:r>
+            <a:r>
+              <a:rPr lang="de-AT" dirty="0" smtClean="0"/>
+              <a:t>zenarien</a:t>
+            </a:r>
+          </a:p>
+          <a:p>
+            <a:pPr lvl="1"/>
+            <a:r>
+              <a:rPr lang="de-AT" dirty="0" smtClean="0"/>
+              <a:t>Objekte</a:t>
+            </a:r>
+          </a:p>
+          <a:p>
+            <a:pPr lvl="2"/>
+            <a:r>
+              <a:rPr lang="de-AT" dirty="0" smtClean="0"/>
+              <a:t>verschieben</a:t>
+            </a:r>
+          </a:p>
+          <a:p>
+            <a:pPr lvl="2"/>
+            <a:r>
+              <a:rPr lang="de-AT" dirty="0" smtClean="0"/>
+              <a:t>greifen</a:t>
+            </a:r>
+          </a:p>
+          <a:p>
+            <a:pPr lvl="2"/>
+            <a:r>
+              <a:rPr lang="de-AT" dirty="0" smtClean="0"/>
+              <a:t>werfen</a:t>
+            </a:r>
+            <a:endParaRPr lang="de-AT" dirty="0" smtClean="0"/>
+          </a:p>
+          <a:p>
+            <a:pPr lvl="2"/>
+            <a:r>
+              <a:rPr lang="de-AT" dirty="0" smtClean="0"/>
+              <a:t>in die Hand nehmen</a:t>
+            </a:r>
+          </a:p>
+          <a:p>
+            <a:pPr lvl="1"/>
+            <a:r>
+              <a:rPr lang="de-AT" dirty="0" smtClean="0"/>
+              <a:t>Geschick und Feinmotorik</a:t>
+            </a:r>
+          </a:p>
+          <a:p>
+            <a:r>
+              <a:rPr lang="de-AT" dirty="0" smtClean="0"/>
+              <a:t>Evaluierung</a:t>
+            </a:r>
+            <a:endParaRPr lang="de-AT" dirty="0" smtClean="0"/>
           </a:p>
         </p:txBody>
       </p:sp>
@@ -3183,7 +8157,7 @@
 </p:sld>
 </file>
 
-<file path=ppt/slides/slide4.xml><?xml version="1.0" encoding="utf-8"?>
+<file path=ppt/slides/slide3.xml><?xml version="1.0" encoding="utf-8"?>
 <p:sld xmlns:a="http://schemas.openxmlformats.org/drawingml/2006/main" xmlns:r="http://schemas.openxmlformats.org/officeDocument/2006/relationships" xmlns:p="http://schemas.openxmlformats.org/presentationml/2006/main">
   <p:cSld>
     <p:spTree>
@@ -3310,7 +8284,7 @@
 </p:sld>
 </file>
 
-<file path=ppt/slides/slide5.xml><?xml version="1.0" encoding="utf-8"?>
+<file path=ppt/slides/slide4.xml><?xml version="1.0" encoding="utf-8"?>
 <p:sld xmlns:a="http://schemas.openxmlformats.org/drawingml/2006/main" xmlns:r="http://schemas.openxmlformats.org/officeDocument/2006/relationships" xmlns:p="http://schemas.openxmlformats.org/presentationml/2006/main">
   <p:cSld>
     <p:spTree>
@@ -3343,8 +8317,8 @@
           <a:lstStyle/>
           <a:p>
             <a:r>
-              <a:rPr lang="de-AT" dirty="0" err="1" smtClean="0"/>
-              <a:t>Physics</a:t>
+              <a:rPr lang="de-AT" dirty="0" smtClean="0"/>
+              <a:t>Physik</a:t>
             </a:r>
             <a:endParaRPr lang="en-US" dirty="0"/>
           </a:p>
@@ -3451,6 +8425,88 @@
 </p:sld>
 </file>
 
+<file path=ppt/slides/slide5.xml><?xml version="1.0" encoding="utf-8"?>
+<p:sld xmlns:a="http://schemas.openxmlformats.org/drawingml/2006/main" xmlns:r="http://schemas.openxmlformats.org/officeDocument/2006/relationships" xmlns:p="http://schemas.openxmlformats.org/presentationml/2006/main">
+  <p:cSld>
+    <p:spTree>
+      <p:nvGrpSpPr>
+        <p:cNvPr id="1" name=""/>
+        <p:cNvGrpSpPr/>
+        <p:nvPr/>
+      </p:nvGrpSpPr>
+      <p:grpSpPr>
+        <a:xfrm>
+          <a:off x="0" y="0"/>
+          <a:ext cx="0" cy="0"/>
+          <a:chOff x="0" y="0"/>
+          <a:chExt cx="0" cy="0"/>
+        </a:xfrm>
+      </p:grpSpPr>
+      <p:sp>
+        <p:nvSpPr>
+          <p:cNvPr id="2" name="Title 1"/>
+          <p:cNvSpPr>
+            <a:spLocks noGrp="1"/>
+          </p:cNvSpPr>
+          <p:nvPr>
+            <p:ph type="title"/>
+          </p:nvPr>
+        </p:nvSpPr>
+        <p:spPr/>
+        <p:txBody>
+          <a:bodyPr/>
+          <a:lstStyle/>
+          <a:p>
+            <a:r>
+              <a:rPr lang="de-AT" dirty="0" smtClean="0"/>
+              <a:t>Demo </a:t>
+            </a:r>
+            <a:r>
+              <a:rPr lang="de-AT" dirty="0" err="1" smtClean="0"/>
+              <a:t>Application</a:t>
+            </a:r>
+            <a:endParaRPr lang="en-US" dirty="0"/>
+          </a:p>
+        </p:txBody>
+      </p:sp>
+      <p:graphicFrame>
+        <p:nvGraphicFramePr>
+          <p:cNvPr id="5" name="Content Placeholder 4"/>
+          <p:cNvGraphicFramePr>
+            <a:graphicFrameLocks noGrp="1"/>
+          </p:cNvGraphicFramePr>
+          <p:nvPr>
+            <p:ph idx="1"/>
+            <p:extLst>
+              <p:ext uri="{D42A27DB-BD31-4B8C-83A1-F6EECF244321}">
+                <p14:modId xmlns:p14="http://schemas.microsoft.com/office/powerpoint/2010/main" val="1666874090"/>
+              </p:ext>
+            </p:extLst>
+          </p:nvPr>
+        </p:nvGraphicFramePr>
+        <p:xfrm>
+          <a:off x="628650" y="1825625"/>
+          <a:ext cx="7886700" cy="4351338"/>
+        </p:xfrm>
+        <a:graphic>
+          <a:graphicData uri="http://schemas.openxmlformats.org/drawingml/2006/diagram">
+            <dgm:relIds xmlns:dgm="http://schemas.openxmlformats.org/drawingml/2006/diagram" xmlns:r="http://schemas.openxmlformats.org/officeDocument/2006/relationships" r:dm="rId2" r:lo="rId3" r:qs="rId4" r:cs="rId5"/>
+          </a:graphicData>
+        </a:graphic>
+      </p:graphicFrame>
+    </p:spTree>
+    <p:extLst>
+      <p:ext uri="{BB962C8B-B14F-4D97-AF65-F5344CB8AC3E}">
+        <p14:creationId xmlns:p14="http://schemas.microsoft.com/office/powerpoint/2010/main" val="141423055"/>
+      </p:ext>
+    </p:extLst>
+  </p:cSld>
+  <p:clrMapOvr>
+    <a:masterClrMapping/>
+  </p:clrMapOvr>
+</p:sld>
+</file>
+
 <file path=ppt/slides/slide6.xml><?xml version="1.0" encoding="utf-8"?>
 <p:sld xmlns:a="http://schemas.openxmlformats.org/drawingml/2006/main" xmlns:r="http://schemas.openxmlformats.org/officeDocument/2006/relationships" xmlns:p="http://schemas.openxmlformats.org/presentationml/2006/main">
   <p:cSld>
@@ -3485,39 +8541,112 @@
           <a:p>
             <a:r>
               <a:rPr lang="de-AT" dirty="0" smtClean="0"/>
-              <a:t>Demo </a:t>
-            </a:r>
-            <a:r>
-              <a:rPr lang="de-AT" dirty="0" err="1" smtClean="0"/>
-              <a:t>Application</a:t>
+              <a:t>Hand Rekonstruktion</a:t>
             </a:r>
             <a:endParaRPr lang="en-US" dirty="0"/>
           </a:p>
         </p:txBody>
       </p:sp>
-      <p:sp>
-        <p:nvSpPr>
-          <p:cNvPr id="3" name="Content Placeholder 2"/>
-          <p:cNvSpPr>
-            <a:spLocks noGrp="1"/>
-          </p:cNvSpPr>
+      <p:pic>
+        <p:nvPicPr>
+          <p:cNvPr id="4" name="Content Placeholder 3" descr="D:\data\FH\Master\SEMESTER 2\MUS\soleap\doc\documentation\hands.png"/>
+          <p:cNvPicPr>
+            <a:picLocks noGrp="1"/>
+          </p:cNvPicPr>
           <p:nvPr>
             <p:ph idx="1"/>
           </p:nvPr>
-        </p:nvSpPr>
-        <p:spPr/>
-        <p:txBody>
-          <a:bodyPr/>
-          <a:lstStyle/>
-          <a:p>
-            <a:endParaRPr lang="en-US" dirty="0"/>
-          </a:p>
-        </p:txBody>
-      </p:sp>
+        </p:nvPicPr>
+        <p:blipFill>
+          <a:blip r:embed="rId2">
+            <a:extLst>
+              <a:ext uri="{28A0092B-C50C-407E-A947-70E740481C1C}">
+                <a14:useLocalDpi xmlns:a14="http://schemas.microsoft.com/office/drawing/2010/main" val="0"/>
+              </a:ext>
+            </a:extLst>
+          </a:blip>
+          <a:srcRect/>
+          <a:stretch>
+            <a:fillRect/>
+          </a:stretch>
+        </p:blipFill>
+        <p:spPr bwMode="auto">
+          <a:xfrm>
+            <a:off x="421616" y="1574397"/>
+            <a:ext cx="7886700" cy="3801371"/>
+          </a:xfrm>
+          <a:prstGeom prst="rect">
+            <a:avLst/>
+          </a:prstGeom>
+          <a:noFill/>
+          <a:ln>
+            <a:noFill/>
+          </a:ln>
+        </p:spPr>
+      </p:pic>
+      <p:pic>
+        <p:nvPicPr>
+          <p:cNvPr id="5" name="Picture 4" descr="D:\data\FH\Master\SEMESTER 2\MUS\soleap\doc\presentation\hand.png"/>
+          <p:cNvPicPr/>
+          <p:nvPr/>
+        </p:nvPicPr>
+        <p:blipFill>
+          <a:blip r:embed="rId3" cstate="print">
+            <a:extLst>
+              <a:ext uri="{28A0092B-C50C-407E-A947-70E740481C1C}">
+                <a14:useLocalDpi xmlns:a14="http://schemas.microsoft.com/office/drawing/2010/main" val="0"/>
+              </a:ext>
+            </a:extLst>
+          </a:blip>
+          <a:srcRect/>
+          <a:stretch>
+            <a:fillRect/>
+          </a:stretch>
+        </p:blipFill>
+        <p:spPr bwMode="auto">
+          <a:xfrm>
+            <a:off x="4908431" y="3652994"/>
+            <a:ext cx="3717986" cy="2635200"/>
+          </a:xfrm>
+          <a:prstGeom prst="rect">
+            <a:avLst/>
+          </a:prstGeom>
+          <a:solidFill>
+            <a:srgbClr val="FFFFFF">
+              <a:shade val="85000"/>
+            </a:srgbClr>
+          </a:solidFill>
+          <a:ln w="88900" cap="sq">
+            <a:solidFill>
+              <a:srgbClr val="FFFFFF"/>
+            </a:solidFill>
+            <a:miter lim="800000"/>
+          </a:ln>
+          <a:effectLst>
+            <a:outerShdw blurRad="55000" dist="18000" dir="5400000" algn="tl" rotWithShape="0">
+              <a:srgbClr val="000000">
+                <a:alpha val="40000"/>
+              </a:srgbClr>
+            </a:outerShdw>
+          </a:effectLst>
+          <a:scene3d>
+            <a:camera prst="orthographicFront"/>
+            <a:lightRig rig="twoPt" dir="t">
+              <a:rot lat="0" lon="0" rev="7200000"/>
+            </a:lightRig>
+          </a:scene3d>
+          <a:sp3d>
+            <a:bevelT w="25400" h="19050"/>
+            <a:contourClr>
+              <a:srgbClr val="FFFFFF"/>
+            </a:contourClr>
+          </a:sp3d>
+        </p:spPr>
+      </p:pic>
     </p:spTree>
     <p:extLst>
       <p:ext uri="{BB962C8B-B14F-4D97-AF65-F5344CB8AC3E}">
-        <p14:creationId xmlns:p14="http://schemas.microsoft.com/office/powerpoint/2010/main" val="141423055"/>
+        <p14:creationId xmlns:p14="http://schemas.microsoft.com/office/powerpoint/2010/main" val="511466632"/>
       </p:ext>
     </p:extLst>
   </p:cSld>
@@ -3564,32 +8693,42 @@
               <a:t>Demo </a:t>
             </a:r>
             <a:r>
-              <a:rPr lang="de-AT" dirty="0" err="1" smtClean="0"/>
-              <a:t>Application</a:t>
+              <a:rPr lang="de-AT" dirty="0" smtClean="0"/>
+              <a:t>Applikation</a:t>
             </a:r>
             <a:endParaRPr lang="en-US" dirty="0"/>
           </a:p>
         </p:txBody>
       </p:sp>
-      <p:sp>
-        <p:nvSpPr>
-          <p:cNvPr id="3" name="Content Placeholder 2"/>
-          <p:cNvSpPr>
-            <a:spLocks noGrp="1"/>
-          </p:cNvSpPr>
+      <p:pic>
+        <p:nvPicPr>
+          <p:cNvPr id="6" name="Content Placeholder 5" descr="SoLeap - Hand Reconstruction"/>
+          <p:cNvPicPr>
+            <a:picLocks noGrp="1" noChangeAspect="1"/>
+          </p:cNvPicPr>
           <p:nvPr>
             <p:ph idx="1"/>
           </p:nvPr>
-        </p:nvSpPr>
-        <p:spPr/>
-        <p:txBody>
-          <a:bodyPr/>
-          <a:lstStyle/>
-          <a:p>
-            <a:endParaRPr lang="en-US"/>
-          </a:p>
-        </p:txBody>
-      </p:sp>
+        </p:nvPicPr>
+        <p:blipFill>
+          <a:blip r:embed="rId2">
+            <a:extLst>
+              <a:ext uri="{28A0092B-C50C-407E-A947-70E740481C1C}">
+                <a14:useLocalDpi xmlns:a14="http://schemas.microsoft.com/office/drawing/2010/main" val="0"/>
+              </a:ext>
+            </a:extLst>
+          </a:blip>
+          <a:stretch>
+            <a:fillRect/>
+          </a:stretch>
+        </p:blipFill>
+        <p:spPr>
+          <a:xfrm>
+            <a:off x="1424806" y="1825625"/>
+            <a:ext cx="6294388" cy="4351338"/>
+          </a:xfrm>
+        </p:spPr>
+      </p:pic>
     </p:spTree>
     <p:extLst>
       <p:ext uri="{BB962C8B-B14F-4D97-AF65-F5344CB8AC3E}">
@@ -3603,10 +8742,174 @@
 </p:sld>
 </file>
 
+<file path=ppt/slides/slide8.xml><?xml version="1.0" encoding="utf-8"?>
+<p:sld xmlns:a="http://schemas.openxmlformats.org/drawingml/2006/main" xmlns:r="http://schemas.openxmlformats.org/officeDocument/2006/relationships" xmlns:p="http://schemas.openxmlformats.org/presentationml/2006/main">
+  <p:cSld>
+    <p:spTree>
+      <p:nvGrpSpPr>
+        <p:cNvPr id="1" name=""/>
+        <p:cNvGrpSpPr/>
+        <p:nvPr/>
+      </p:nvGrpSpPr>
+      <p:grpSpPr>
+        <a:xfrm>
+          <a:off x="0" y="0"/>
+          <a:ext cx="0" cy="0"/>
+          <a:chOff x="0" y="0"/>
+          <a:chExt cx="0" cy="0"/>
+        </a:xfrm>
+      </p:grpSpPr>
+      <p:sp>
+        <p:nvSpPr>
+          <p:cNvPr id="2" name="Title 1"/>
+          <p:cNvSpPr>
+            <a:spLocks noGrp="1"/>
+          </p:cNvSpPr>
+          <p:nvPr>
+            <p:ph type="title"/>
+          </p:nvPr>
+        </p:nvSpPr>
+        <p:spPr/>
+        <p:txBody>
+          <a:bodyPr/>
+          <a:lstStyle/>
+          <a:p>
+            <a:r>
+              <a:rPr lang="de-AT" dirty="0" smtClean="0"/>
+              <a:t>Szenen - Würfel</a:t>
+            </a:r>
+            <a:endParaRPr lang="en-US" dirty="0"/>
+          </a:p>
+        </p:txBody>
+      </p:sp>
+      <p:pic>
+        <p:nvPicPr>
+          <p:cNvPr id="4" name="Content Placeholder 3"/>
+          <p:cNvPicPr>
+            <a:picLocks noGrp="1" noChangeAspect="1"/>
+          </p:cNvPicPr>
+          <p:nvPr>
+            <p:ph idx="1"/>
+          </p:nvPr>
+        </p:nvPicPr>
+        <p:blipFill>
+          <a:blip r:embed="rId2">
+            <a:extLst>
+              <a:ext uri="{28A0092B-C50C-407E-A947-70E740481C1C}">
+                <a14:useLocalDpi xmlns:a14="http://schemas.microsoft.com/office/drawing/2010/main" val="0"/>
+              </a:ext>
+            </a:extLst>
+          </a:blip>
+          <a:stretch>
+            <a:fillRect/>
+          </a:stretch>
+        </p:blipFill>
+        <p:spPr>
+          <a:xfrm>
+            <a:off x="1393084" y="1825625"/>
+            <a:ext cx="6357832" cy="4351338"/>
+          </a:xfrm>
+        </p:spPr>
+      </p:pic>
+    </p:spTree>
+    <p:extLst>
+      <p:ext uri="{BB962C8B-B14F-4D97-AF65-F5344CB8AC3E}">
+        <p14:creationId xmlns:p14="http://schemas.microsoft.com/office/powerpoint/2010/main" val="1165766709"/>
+      </p:ext>
+    </p:extLst>
+  </p:cSld>
+  <p:clrMapOvr>
+    <a:masterClrMapping/>
+  </p:clrMapOvr>
+</p:sld>
+</file>
+
+<file path=ppt/slides/slide9.xml><?xml version="1.0" encoding="utf-8"?>
+<p:sld xmlns:a="http://schemas.openxmlformats.org/drawingml/2006/main" xmlns:r="http://schemas.openxmlformats.org/officeDocument/2006/relationships" xmlns:p="http://schemas.openxmlformats.org/presentationml/2006/main">
+  <p:cSld>
+    <p:spTree>
+      <p:nvGrpSpPr>
+        <p:cNvPr id="1" name=""/>
+        <p:cNvGrpSpPr/>
+        <p:nvPr/>
+      </p:nvGrpSpPr>
+      <p:grpSpPr>
+        <a:xfrm>
+          <a:off x="0" y="0"/>
+          <a:ext cx="0" cy="0"/>
+          <a:chOff x="0" y="0"/>
+          <a:chExt cx="0" cy="0"/>
+        </a:xfrm>
+      </p:grpSpPr>
+      <p:sp>
+        <p:nvSpPr>
+          <p:cNvPr id="2" name="Title 1"/>
+          <p:cNvSpPr>
+            <a:spLocks noGrp="1"/>
+          </p:cNvSpPr>
+          <p:nvPr>
+            <p:ph type="title"/>
+          </p:nvPr>
+        </p:nvSpPr>
+        <p:spPr/>
+        <p:txBody>
+          <a:bodyPr/>
+          <a:lstStyle/>
+          <a:p>
+            <a:r>
+              <a:rPr lang="de-AT" dirty="0" smtClean="0"/>
+              <a:t>Szenen - Hantel</a:t>
+            </a:r>
+            <a:endParaRPr lang="en-US" dirty="0"/>
+          </a:p>
+        </p:txBody>
+      </p:sp>
+      <p:pic>
+        <p:nvPicPr>
+          <p:cNvPr id="4" name="Content Placeholder 3"/>
+          <p:cNvPicPr>
+            <a:picLocks noGrp="1" noChangeAspect="1"/>
+          </p:cNvPicPr>
+          <p:nvPr>
+            <p:ph idx="1"/>
+          </p:nvPr>
+        </p:nvPicPr>
+        <p:blipFill>
+          <a:blip r:embed="rId2">
+            <a:extLst>
+              <a:ext uri="{28A0092B-C50C-407E-A947-70E740481C1C}">
+                <a14:useLocalDpi xmlns:a14="http://schemas.microsoft.com/office/drawing/2010/main" val="0"/>
+              </a:ext>
+            </a:extLst>
+          </a:blip>
+          <a:stretch>
+            <a:fillRect/>
+          </a:stretch>
+        </p:blipFill>
+        <p:spPr>
+          <a:xfrm>
+            <a:off x="1161574" y="1867396"/>
+            <a:ext cx="6820852" cy="4267796"/>
+          </a:xfrm>
+        </p:spPr>
+      </p:pic>
+    </p:spTree>
+    <p:extLst>
+      <p:ext uri="{BB962C8B-B14F-4D97-AF65-F5344CB8AC3E}">
+        <p14:creationId xmlns:p14="http://schemas.microsoft.com/office/powerpoint/2010/main" val="4262740049"/>
+      </p:ext>
+    </p:extLst>
+  </p:cSld>
+  <p:clrMapOvr>
+    <a:masterClrMapping/>
+  </p:clrMapOvr>
+</p:sld>
+</file>
+
 <file path=ppt/theme/theme1.xml><?xml version="1.0" encoding="utf-8"?>
 <a:theme xmlns:a="http://schemas.openxmlformats.org/drawingml/2006/main" name="Office Theme">
   <a:themeElements>
-    <a:clrScheme name="Office Theme">
+    <a:clrScheme name="Aspect">
       <a:dk1>
         <a:sysClr val="windowText" lastClr="000000"/>
       </a:dk1>
@@ -3614,34 +8917,34 @@
         <a:sysClr val="window" lastClr="FFFFFF"/>
       </a:lt1>
       <a:dk2>
-        <a:srgbClr val="44546A"/>
+        <a:srgbClr val="323232"/>
       </a:dk2>
       <a:lt2>
-        <a:srgbClr val="E7E6E6"/>
+        <a:srgbClr val="E3DED1"/>
       </a:lt2>
       <a:accent1>
-        <a:srgbClr val="5B9BD5"/>
+        <a:srgbClr val="F07F09"/>
       </a:accent1>
       <a:accent2>
-        <a:srgbClr val="ED7D31"/>
+        <a:srgbClr val="9F2936"/>
       </a:accent2>
       <a:accent3>
-        <a:srgbClr val="A5A5A5"/>
+        <a:srgbClr val="1B587C"/>
       </a:accent3>
       <a:accent4>
-        <a:srgbClr val="FFC000"/>
+        <a:srgbClr val="4E8542"/>
       </a:accent4>
       <a:accent5>
-        <a:srgbClr val="4472C4"/>
+        <a:srgbClr val="604878"/>
       </a:accent5>
       <a:accent6>
-        <a:srgbClr val="70AD47"/>
+        <a:srgbClr val="C19859"/>
       </a:accent6>
       <a:hlink>
-        <a:srgbClr val="0563C1"/>
+        <a:srgbClr val="6B9F25"/>
       </a:hlink>
       <a:folHlink>
-        <a:srgbClr val="954F72"/>
+        <a:srgbClr val="B26B02"/>
       </a:folHlink>
     </a:clrScheme>
     <a:fontScheme name="Office Theme">

--- a/doc/presentation/soleap.pptx
+++ b/doc/presentation/soleap.pptx
@@ -7637,6 +7637,16 @@
   <p:clrMapOvr>
     <a:masterClrMapping/>
   </p:clrMapOvr>
+  <p:transition spd="slow">
+    <p:push dir="u"/>
+  </p:transition>
+  <p:timing>
+    <p:tnLst>
+      <p:par>
+        <p:cTn id="1" dur="indefinite" restart="never" nodeType="tmRoot"/>
+      </p:par>
+    </p:tnLst>
+  </p:timing>
 </p:sld>
 </file>
 
@@ -7719,6 +7729,9 @@
   <p:clrMapOvr>
     <a:masterClrMapping/>
   </p:clrMapOvr>
+  <p:transition spd="slow">
+    <p:push dir="u"/>
+  </p:transition>
 </p:sld>
 </file>
 
@@ -7801,6 +7814,9 @@
   <p:clrMapOvr>
     <a:masterClrMapping/>
   </p:clrMapOvr>
+  <p:transition spd="slow">
+    <p:push dir="u"/>
+  </p:transition>
 </p:sld>
 </file>
 
@@ -7887,6 +7903,9 @@
   <p:clrMapOvr>
     <a:masterClrMapping/>
   </p:clrMapOvr>
+  <p:transition spd="slow">
+    <p:push dir="u"/>
+  </p:transition>
 </p:sld>
 </file>
 
@@ -8015,6 +8034,9 @@
   <p:clrMapOvr>
     <a:masterClrMapping/>
   </p:clrMapOvr>
+  <p:transition spd="slow">
+    <p:push dir="u"/>
+  </p:transition>
 </p:sld>
 </file>
 
@@ -8081,15 +8103,7 @@
           <a:p>
             <a:r>
               <a:rPr lang="de-AT" dirty="0" smtClean="0"/>
-              <a:t>Aufbau diverser Test </a:t>
-            </a:r>
-            <a:r>
-              <a:rPr lang="de-AT" dirty="0" smtClean="0"/>
-              <a:t>S</a:t>
-            </a:r>
-            <a:r>
-              <a:rPr lang="de-AT" dirty="0" smtClean="0"/>
-              <a:t>zenarien</a:t>
+              <a:t>Aufbau diverser Test Szenarien</a:t>
             </a:r>
           </a:p>
           <a:p>
@@ -8119,7 +8133,6 @@
               <a:rPr lang="de-AT" dirty="0" smtClean="0"/>
               <a:t>werfen</a:t>
             </a:r>
-            <a:endParaRPr lang="de-AT" dirty="0" smtClean="0"/>
           </a:p>
           <a:p>
             <a:pPr lvl="2"/>
@@ -8140,7 +8153,6 @@
               <a:rPr lang="de-AT" dirty="0" smtClean="0"/>
               <a:t>Evaluierung</a:t>
             </a:r>
-            <a:endParaRPr lang="de-AT" dirty="0" smtClean="0"/>
           </a:p>
         </p:txBody>
       </p:sp>
@@ -8154,6 +8166,16 @@
   <p:clrMapOvr>
     <a:masterClrMapping/>
   </p:clrMapOvr>
+  <p:transition spd="slow">
+    <p:push dir="u"/>
+  </p:transition>
+  <p:timing>
+    <p:tnLst>
+      <p:par>
+        <p:cTn id="1" dur="indefinite" restart="never" nodeType="tmRoot"/>
+      </p:par>
+    </p:tnLst>
+  </p:timing>
 </p:sld>
 </file>
 
@@ -8236,7 +8258,7 @@
         </p:blipFill>
         <p:spPr>
           <a:xfrm>
-            <a:off x="846611" y="2937122"/>
+            <a:off x="561939" y="2359153"/>
             <a:ext cx="4976523" cy="3527050"/>
           </a:xfrm>
         </p:spPr>
@@ -8263,8 +8285,38 @@
         </p:blipFill>
         <p:spPr>
           <a:xfrm>
-            <a:off x="4503293" y="1690689"/>
+            <a:off x="4572000" y="1773109"/>
             <a:ext cx="4012057" cy="2492867"/>
+          </a:xfrm>
+          <a:prstGeom prst="rect">
+            <a:avLst/>
+          </a:prstGeom>
+        </p:spPr>
+      </p:pic>
+      <p:pic>
+        <p:nvPicPr>
+          <p:cNvPr id="3" name="Picture 2"/>
+          <p:cNvPicPr>
+            <a:picLocks noChangeAspect="1"/>
+          </p:cNvPicPr>
+          <p:nvPr/>
+        </p:nvPicPr>
+        <p:blipFill>
+          <a:blip r:embed="rId4" cstate="print">
+            <a:extLst>
+              <a:ext uri="{28A0092B-C50C-407E-A947-70E740481C1C}">
+                <a14:useLocalDpi xmlns:a14="http://schemas.microsoft.com/office/drawing/2010/main" val="0"/>
+              </a:ext>
+            </a:extLst>
+          </a:blip>
+          <a:stretch>
+            <a:fillRect/>
+          </a:stretch>
+        </p:blipFill>
+        <p:spPr>
+          <a:xfrm>
+            <a:off x="5184474" y="3837979"/>
+            <a:ext cx="4770408" cy="3020021"/>
           </a:xfrm>
           <a:prstGeom prst="rect">
             <a:avLst/>
@@ -8281,6 +8333,16 @@
   <p:clrMapOvr>
     <a:masterClrMapping/>
   </p:clrMapOvr>
+  <p:transition spd="slow">
+    <p:push dir="u"/>
+  </p:transition>
+  <p:timing>
+    <p:tnLst>
+      <p:par>
+        <p:cTn id="1" dur="indefinite" restart="never" nodeType="tmRoot"/>
+      </p:par>
+    </p:tnLst>
+  </p:timing>
 </p:sld>
 </file>
 
@@ -8422,6 +8484,16 @@
   <p:clrMapOvr>
     <a:masterClrMapping/>
   </p:clrMapOvr>
+  <p:transition spd="slow">
+    <p:push dir="u"/>
+  </p:transition>
+  <p:timing>
+    <p:tnLst>
+      <p:par>
+        <p:cTn id="1" dur="indefinite" restart="never" nodeType="tmRoot"/>
+      </p:par>
+    </p:tnLst>
+  </p:timing>
 </p:sld>
 </file>
 
@@ -8504,6 +8576,16 @@
   <p:clrMapOvr>
     <a:masterClrMapping/>
   </p:clrMapOvr>
+  <p:transition spd="slow">
+    <p:push dir="u"/>
+  </p:transition>
+  <p:timing>
+    <p:tnLst>
+      <p:par>
+        <p:cTn id="1" dur="indefinite" restart="never" nodeType="tmRoot"/>
+      </p:par>
+    </p:tnLst>
+  </p:timing>
 </p:sld>
 </file>
 
@@ -8653,6 +8735,16 @@
   <p:clrMapOvr>
     <a:masterClrMapping/>
   </p:clrMapOvr>
+  <p:transition spd="slow">
+    <p:push dir="u"/>
+  </p:transition>
+  <p:timing>
+    <p:tnLst>
+      <p:par>
+        <p:cTn id="1" dur="indefinite" restart="never" nodeType="tmRoot"/>
+      </p:par>
+    </p:tnLst>
+  </p:timing>
 </p:sld>
 </file>
 
@@ -8690,11 +8782,7 @@
           <a:p>
             <a:r>
               <a:rPr lang="de-AT" dirty="0" smtClean="0"/>
-              <a:t>Demo </a:t>
-            </a:r>
-            <a:r>
-              <a:rPr lang="de-AT" dirty="0" smtClean="0"/>
-              <a:t>Applikation</a:t>
+              <a:t>Demo Applikation</a:t>
             </a:r>
             <a:endParaRPr lang="en-US" dirty="0"/>
           </a:p>
@@ -8739,6 +8827,16 @@
   <p:clrMapOvr>
     <a:masterClrMapping/>
   </p:clrMapOvr>
+  <p:transition spd="slow">
+    <p:push dir="u"/>
+  </p:transition>
+  <p:timing>
+    <p:tnLst>
+      <p:par>
+        <p:cTn id="1" dur="indefinite" restart="never" nodeType="tmRoot"/>
+      </p:par>
+    </p:tnLst>
+  </p:timing>
 </p:sld>
 </file>
 
@@ -8821,6 +8919,16 @@
   <p:clrMapOvr>
     <a:masterClrMapping/>
   </p:clrMapOvr>
+  <p:transition spd="slow">
+    <p:push dir="u"/>
+  </p:transition>
+  <p:timing>
+    <p:tnLst>
+      <p:par>
+        <p:cTn id="1" dur="indefinite" restart="never" nodeType="tmRoot"/>
+      </p:par>
+    </p:tnLst>
+  </p:timing>
 </p:sld>
 </file>
 
@@ -8903,6 +9011,16 @@
   <p:clrMapOvr>
     <a:masterClrMapping/>
   </p:clrMapOvr>
+  <p:transition spd="slow">
+    <p:push dir="u"/>
+  </p:transition>
+  <p:timing>
+    <p:tnLst>
+      <p:par>
+        <p:cTn id="1" dur="indefinite" restart="never" nodeType="tmRoot"/>
+      </p:par>
+    </p:tnLst>
+  </p:timing>
 </p:sld>
 </file>
 
